--- a/solutions/microsoft/modern-workspace/m365-deployment/delivery/closeout-presentation.pptx
+++ b/solutions/microsoft/modern-workspace/m365-deployment/delivery/closeout-presentation.pptx
@@ -18,17 +18,6 @@
     <p:sldId id="263" r:id="rId14"/>
     <p:sldId id="264" r:id="rId15"/>
     <p:sldId id="265" r:id="rId16"/>
-    <p:sldId id="266" r:id="rId17"/>
-    <p:sldId id="267" r:id="rId18"/>
-    <p:sldId id="268" r:id="rId19"/>
-    <p:sldId id="269" r:id="rId20"/>
-    <p:sldId id="270" r:id="rId21"/>
-    <p:sldId id="271" r:id="rId22"/>
-    <p:sldId id="272" r:id="rId23"/>
-    <p:sldId id="273" r:id="rId24"/>
-    <p:sldId id="274" r:id="rId25"/>
-    <p:sldId id="275" r:id="rId26"/>
-    <p:sldId id="276" r:id="rId27"/>
   </p:sldIdLst>
   <p:sldSz cx="9144000" cy="5143500" type="screen16x9"/>
   <p:notesSz cx="5143500" cy="9144000"/>
@@ -128,6 +117,9 @@
     <p:ext uri="{EFAFB233-063F-42B5-8137-9DF3F51BA10A}">
       <p15:sldGuideLst xmlns:p15="http://schemas.microsoft.com/office/powerpoint/2012/main"/>
     </p:ext>
+    <p:ext uri="{2D200454-40CA-4A62-9FC3-DE9A4176ACB9}">
+      <p15:notesGuideLst xmlns:p15="http://schemas.microsoft.com/office/powerpoint/2012/main"/>
+    </p:ext>
   </p:extLst>
 </p:presentation>
 </file>
@@ -154,6 +146,59 @@
           <a:chExt cx="0" cy="0"/>
         </a:xfrm>
       </p:grpSpPr>
+      <p:sp>
+        <p:nvSpPr>
+          <p:cNvPr id="2" name="Slide Image Placeholder 1"/>
+          <p:cNvSpPr>
+            <a:spLocks noGrp="1" noRot="1" noChangeAspect="1"/>
+          </p:cNvSpPr>
+          <p:nvPr>
+            <p:ph type="sldImg"/>
+          </p:nvPr>
+        </p:nvSpPr>
+        <p:spPr>
+          <a:xfrm>
+            <a:off x="-171450" y="1143000"/>
+            <a:ext cx="5486400" cy="3086100"/>
+          </a:xfrm>
+          <a:prstGeom prst="rect">
+            <a:avLst/>
+          </a:prstGeom>
+          <a:noFill/>
+          <a:ln w="12700">
+            <a:solidFill>
+              <a:prstClr val="black"/>
+            </a:solidFill>
+          </a:ln>
+        </p:spPr>
+      </p:sp>
+      <p:sp>
+        <p:nvSpPr>
+          <p:cNvPr id="3" name="Notes Placeholder 2"/>
+          <p:cNvSpPr>
+            <a:spLocks noGrp="1"/>
+          </p:cNvSpPr>
+          <p:nvPr>
+            <p:ph type="body" idx="1"/>
+          </p:nvPr>
+        </p:nvSpPr>
+        <p:spPr>
+          <a:xfrm>
+            <a:off x="514350" y="4400550"/>
+            <a:ext cx="4114800" cy="3600450"/>
+          </a:xfrm>
+          <a:prstGeom prst="rect">
+            <a:avLst/>
+          </a:prstGeom>
+        </p:spPr>
+        <p:txBody>
+          <a:bodyPr/>
+          <a:lstStyle/>
+          <a:p>
+            <a:endParaRPr lang="en-US"/>
+          </a:p>
+        </p:txBody>
+      </p:sp>
     </p:spTree>
     <p:extLst>
       <p:ext uri="{BB962C8B-B14F-4D97-AF65-F5344CB8AC3E}">
@@ -257,6 +302,2371 @@
 </p:notesMaster>
 </file>
 
+<file path=ppt/notesSlides/notesSlide1.xml><?xml version="1.0" encoding="utf-8"?>
+<p:notes xmlns:a="http://schemas.openxmlformats.org/drawingml/2006/main" xmlns:p="http://schemas.openxmlformats.org/presentationml/2006/main" xmlns:r="http://schemas.openxmlformats.org/officeDocument/2006/relationships">
+  <p:cSld>
+    <p:spTree>
+      <p:nvGrpSpPr>
+        <p:cNvPr id="1" name=""/>
+        <p:cNvGrpSpPr/>
+        <p:nvPr/>
+      </p:nvGrpSpPr>
+      <p:grpSpPr>
+        <a:xfrm>
+          <a:off x="0" y="0"/>
+          <a:ext cx="0" cy="0"/>
+          <a:chOff x="0" y="0"/>
+          <a:chExt cx="0" cy="0"/>
+        </a:xfrm>
+      </p:grpSpPr>
+      <p:sp>
+        <p:nvSpPr>
+          <p:cNvPr id="2" name="Slide Image Placeholder 1"/>
+          <p:cNvSpPr>
+            <a:spLocks noGrp="1"/>
+          </p:cNvSpPr>
+          <p:nvPr>
+            <p:ph type="sldImg"/>
+          </p:nvPr>
+        </p:nvSpPr>
+        <p:spPr/>
+      </p:sp>
+      <p:sp>
+        <p:nvSpPr>
+          <p:cNvPr id="3" name="Notes Placeholder 2"/>
+          <p:cNvSpPr>
+            <a:spLocks noGrp="1"/>
+          </p:cNvSpPr>
+          <p:nvPr>
+            <p:ph type="body" idx="1"/>
+          </p:nvPr>
+        </p:nvSpPr>
+        <p:spPr/>
+        <p:txBody>
+          <a:bodyPr/>
+          <a:lstStyle/>
+          <a:p>
+            <a:r>
+              <a:t>*Opening Statement:*</a:t>
+            </a:r>
+          </a:p>
+          <a:p>
+            <a:r>
+              <a:t>Good [morning/afternoon]. Today we celebrate the successful completion of the Microsoft 365 Enterprise Deployment. This project has transformed [Client Name]'s workplace, replacing aging on-premises Exchange and file servers with a modern, secure cloud collaboration platform.</a:t>
+            </a:r>
+          </a:p>
+          <a:p/>
+          <a:p>
+            <a:r>
+              <a:t>*Key Talking Points - Expand on Each Bullet:*</a:t>
+            </a:r>
+          </a:p>
+          <a:p/>
+          <a:p>
+            <a:r>
+              <a:t>**Project Duration - 4 Months:**</a:t>
+            </a:r>
+          </a:p>
+          <a:p>
+            <a:r>
+              <a:t>- Executed exactly as planned in Statement of Work</a:t>
+            </a:r>
+          </a:p>
+          <a:p>
+            <a:r>
+              <a:t>- Phase 1 (Foundation &amp; Pilot): Weeks 1-6 - Azure AD Connect, hybrid Exchange, pilot migration</a:t>
+            </a:r>
+          </a:p>
+          <a:p>
+            <a:r>
+              <a:t>- Phase 2 (Email &amp; SharePoint): Weeks 7-12 - Production migration, SharePoint deployment</a:t>
+            </a:r>
+          </a:p>
+          <a:p>
+            <a:r>
+              <a:t>- Phase 3 (Teams &amp; Phone): Weeks 13-14 - Teams rollout, Phone System</a:t>
+            </a:r>
+          </a:p>
+          <a:p>
+            <a:r>
+              <a:t>- Phase 4 (Security &amp; Hypercare): Weeks 15-19 - Security hardening, 30-day support</a:t>
+            </a:r>
+          </a:p>
+          <a:p>
+            <a:r>
+              <a:t>- No schedule slippage despite 500-user migration complexity</a:t>
+            </a:r>
+          </a:p>
+          <a:p/>
+          <a:p>
+            <a:r>
+              <a:t>**Budget - $465,744 Year 1:**</a:t>
+            </a:r>
+          </a:p>
+          <a:p>
+            <a:r>
+              <a:t>- Cloud Services: $24,000 (Azure AD Connect, ExpressRoute)</a:t>
+            </a:r>
+          </a:p>
+          <a:p>
+            <a:r>
+              <a:t>- Software Licenses: $399,000 (M365 E5 for 500 users)</a:t>
+            </a:r>
+          </a:p>
+          <a:p>
+            <a:r>
+              <a:t>- Support &amp; Maintenance: $42,744 (managed services)</a:t>
+            </a:r>
+          </a:p>
+          <a:p>
+            <a:r>
+              <a:t>- Professional Services delivered on fixed-price agreement</a:t>
+            </a:r>
+          </a:p>
+          <a:p/>
+          <a:p>
+            <a:r>
+              <a:t>**Go-Live - Week 15:**</a:t>
+            </a:r>
+          </a:p>
+          <a:p>
+            <a:r>
+              <a:t>- Pilot-then-production migration strategy executed flawlessly</a:t>
+            </a:r>
+          </a:p>
+          <a:p>
+            <a:r>
+              <a:t>- Weeks 4-6: 50 pilot users validated migration quality</a:t>
+            </a:r>
+          </a:p>
+          <a:p>
+            <a:r>
+              <a:t>- Weeks 7-12: 450 users migrated in 5 departmental waves</a:t>
+            </a:r>
+          </a:p>
+          <a:p>
+            <a:r>
+              <a:t>- Zero data loss across all migration waves</a:t>
+            </a:r>
+          </a:p>
+          <a:p/>
+          <a:p>
+            <a:r>
+              <a:t>**Migration Scope - 500 Users:**</a:t>
+            </a:r>
+          </a:p>
+          <a:p>
+            <a:r>
+              <a:t>- Email: 250GB total migrated from on-premises Exchange</a:t>
+            </a:r>
+          </a:p>
+          <a:p>
+            <a:r>
+              <a:t>- Files: 5TB migrated to SharePoint/OneDrive</a:t>
+            </a:r>
+          </a:p>
+          <a:p>
+            <a:r>
+              <a:t>- All folder structures, permissions, and metadata preserved</a:t>
+            </a:r>
+          </a:p>
+          <a:p>
+            <a:r>
+              <a:t>- Hybrid Exchange enabled seamless coexistence during migration</a:t>
+            </a:r>
+          </a:p>
+          <a:p/>
+          <a:p>
+            <a:r>
+              <a:t>*Transition to Next Slide:*</a:t>
+            </a:r>
+          </a:p>
+          <a:p>
+            <a:r>
+              <a:t>"Let me walk you through exactly what we built together..."</a:t>
+            </a:r>
+          </a:p>
+        </p:txBody>
+      </p:sp>
+    </p:spTree>
+  </p:cSld>
+  <p:clrMapOvr>
+    <a:masterClrMapping/>
+  </p:clrMapOvr>
+</p:notes>
+</file>
+
+<file path=ppt/notesSlides/notesSlide2.xml><?xml version="1.0" encoding="utf-8"?>
+<p:notes xmlns:a="http://schemas.openxmlformats.org/drawingml/2006/main" xmlns:p="http://schemas.openxmlformats.org/presentationml/2006/main" xmlns:r="http://schemas.openxmlformats.org/officeDocument/2006/relationships">
+  <p:cSld>
+    <p:spTree>
+      <p:nvGrpSpPr>
+        <p:cNvPr id="1" name=""/>
+        <p:cNvGrpSpPr/>
+        <p:nvPr/>
+      </p:nvGrpSpPr>
+      <p:grpSpPr>
+        <a:xfrm>
+          <a:off x="0" y="0"/>
+          <a:ext cx="0" cy="0"/>
+          <a:chOff x="0" y="0"/>
+          <a:chExt cx="0" cy="0"/>
+        </a:xfrm>
+      </p:grpSpPr>
+      <p:sp>
+        <p:nvSpPr>
+          <p:cNvPr id="2" name="Slide Image Placeholder 1"/>
+          <p:cNvSpPr>
+            <a:spLocks noGrp="1"/>
+          </p:cNvSpPr>
+          <p:nvPr>
+            <p:ph type="sldImg"/>
+          </p:nvPr>
+        </p:nvSpPr>
+        <p:spPr/>
+      </p:sp>
+      <p:sp>
+        <p:nvSpPr>
+          <p:cNvPr id="3" name="Notes Placeholder 2"/>
+          <p:cNvSpPr>
+            <a:spLocks noGrp="1"/>
+          </p:cNvSpPr>
+          <p:nvPr>
+            <p:ph type="body" idx="1"/>
+          </p:nvPr>
+        </p:nvSpPr>
+        <p:spPr/>
+        <p:txBody>
+          <a:bodyPr/>
+          <a:lstStyle/>
+          <a:p>
+            <a:r>
+              <a:t>*Architecture Overview - Walk Through the Diagram:*</a:t>
+            </a:r>
+          </a:p>
+          <a:p/>
+          <a:p>
+            <a:r>
+              <a:t>"This diagram shows the cloud-first collaboration architecture we deployed. Let me walk through each component..."</a:t>
+            </a:r>
+          </a:p>
+          <a:p/>
+          <a:p>
+            <a:r>
+              <a:t>**Microsoft 365 E5 Layer:**</a:t>
+            </a:r>
+          </a:p>
+          <a:p>
+            <a:r>
+              <a:t>- 500 users with full E5 licensing</a:t>
+            </a:r>
+          </a:p>
+          <a:p>
+            <a:r>
+              <a:t>- Exchange Online: 100GB mailboxes with unlimited archive</a:t>
+            </a:r>
+          </a:p>
+          <a:p>
+            <a:r>
+              <a:t>- SharePoint Online: 5TB+ storage across department sites</a:t>
+            </a:r>
+          </a:p>
+          <a:p>
+            <a:r>
+              <a:t>- OneDrive for Business: 1TB per user with Known Folder Move</a:t>
+            </a:r>
+          </a:p>
+          <a:p>
+            <a:r>
+              <a:t>- Microsoft Teams: Chat, meetings, and file collaboration</a:t>
+            </a:r>
+          </a:p>
+          <a:p>
+            <a:r>
+              <a:t>- Office apps: Desktop (Windows/Mac) and mobile (iOS/Android)</a:t>
+            </a:r>
+          </a:p>
+          <a:p/>
+          <a:p>
+            <a:r>
+              <a:t>**Identity &amp; Access Management:**</a:t>
+            </a:r>
+          </a:p>
+          <a:p>
+            <a:r>
+              <a:t>- Azure AD Connect for hybrid identity</a:t>
+            </a:r>
+          </a:p>
+          <a:p>
+            <a:r>
+              <a:t>- Single sign-on (SSO) with seamless authentication</a:t>
+            </a:r>
+          </a:p>
+          <a:p>
+            <a:r>
+              <a:t>- Conditional Access enforcing MFA and device compliance</a:t>
+            </a:r>
+          </a:p>
+          <a:p>
+            <a:r>
+              <a:t>- 5 user roles: Employee, Manager, Admin, Executive, Guest</a:t>
+            </a:r>
+          </a:p>
+          <a:p/>
+          <a:p>
+            <a:r>
+              <a:t>**Security &amp; Compliance Layer:**</a:t>
+            </a:r>
+          </a:p>
+          <a:p>
+            <a:r>
+              <a:t>- Defender for Office 365: Anti-phishing, Safe Links, Safe Attachments</a:t>
+            </a:r>
+          </a:p>
+          <a:p>
+            <a:r>
+              <a:t>- Microsoft Purview: DLP policies, sensitivity labels, retention</a:t>
+            </a:r>
+          </a:p>
+          <a:p>
+            <a:r>
+              <a:t>- Intune MDM: Device compliance, app protection</a:t>
+            </a:r>
+          </a:p>
+          <a:p>
+            <a:r>
+              <a:t>- Encryption: TLS 1.2+ in transit, BitLocker at rest</a:t>
+            </a:r>
+          </a:p>
+          <a:p/>
+          <a:p>
+            <a:r>
+              <a:t>**Enterprise Telephony:**</a:t>
+            </a:r>
+          </a:p>
+          <a:p>
+            <a:r>
+              <a:t>- Teams Phone System for 150 calling users</a:t>
+            </a:r>
+          </a:p>
+          <a:p>
+            <a:r>
+              <a:t>- PSTN connectivity via Direct Routing</a:t>
+            </a:r>
+          </a:p>
+          <a:p>
+            <a:r>
+              <a:t>- Audio conferencing for 200 users with dial-in access</a:t>
+            </a:r>
+          </a:p>
+          <a:p>
+            <a:r>
+              <a:t>- Voicemail with transcription and mobile access</a:t>
+            </a:r>
+          </a:p>
+          <a:p/>
+          <a:p>
+            <a:r>
+              <a:t>**Key Architecture Decisions:**</a:t>
+            </a:r>
+          </a:p>
+          <a:p>
+            <a:r>
+              <a:t>1. Hybrid Exchange during migration for zero downtime</a:t>
+            </a:r>
+          </a:p>
+          <a:p>
+            <a:r>
+              <a:t>2. Azure AD Connect with password hash sync for SSO</a:t>
+            </a:r>
+          </a:p>
+          <a:p>
+            <a:r>
+              <a:t>3. Intune MDM for 500 endpoints</a:t>
+            </a:r>
+          </a:p>
+          <a:p>
+            <a:r>
+              <a:t>4. ExpressRoute for optimized M365 connectivity</a:t>
+            </a:r>
+          </a:p>
+          <a:p/>
+          <a:p>
+            <a:r>
+              <a:t>*Transition:*</a:t>
+            </a:r>
+          </a:p>
+          <a:p>
+            <a:r>
+              <a:t>"Now let me show you the complete deliverables package we're handing over..."</a:t>
+            </a:r>
+          </a:p>
+        </p:txBody>
+      </p:sp>
+    </p:spTree>
+  </p:cSld>
+  <p:clrMapOvr>
+    <a:masterClrMapping/>
+  </p:clrMapOvr>
+</p:notes>
+</file>
+
+<file path=ppt/notesSlides/notesSlide3.xml><?xml version="1.0" encoding="utf-8"?>
+<p:notes xmlns:a="http://schemas.openxmlformats.org/drawingml/2006/main" xmlns:p="http://schemas.openxmlformats.org/presentationml/2006/main" xmlns:r="http://schemas.openxmlformats.org/officeDocument/2006/relationships">
+  <p:cSld>
+    <p:spTree>
+      <p:nvGrpSpPr>
+        <p:cNvPr id="1" name=""/>
+        <p:cNvGrpSpPr/>
+        <p:nvPr/>
+      </p:nvGrpSpPr>
+      <p:grpSpPr>
+        <a:xfrm>
+          <a:off x="0" y="0"/>
+          <a:ext cx="0" cy="0"/>
+          <a:chOff x="0" y="0"/>
+          <a:chExt cx="0" cy="0"/>
+        </a:xfrm>
+      </p:grpSpPr>
+      <p:sp>
+        <p:nvSpPr>
+          <p:cNvPr id="2" name="Slide Image Placeholder 1"/>
+          <p:cNvSpPr>
+            <a:spLocks noGrp="1"/>
+          </p:cNvSpPr>
+          <p:nvPr>
+            <p:ph type="sldImg"/>
+          </p:nvPr>
+        </p:nvSpPr>
+        <p:spPr/>
+      </p:sp>
+      <p:sp>
+        <p:nvSpPr>
+          <p:cNvPr id="3" name="Notes Placeholder 2"/>
+          <p:cNvSpPr>
+            <a:spLocks noGrp="1"/>
+          </p:cNvSpPr>
+          <p:nvPr>
+            <p:ph type="body" idx="1"/>
+          </p:nvPr>
+        </p:nvSpPr>
+        <p:spPr/>
+        <p:txBody>
+          <a:bodyPr/>
+          <a:lstStyle/>
+          <a:p>
+            <a:r>
+              <a:t>*Deliverables Deep Dive - Review Each Item:*</a:t>
+            </a:r>
+          </a:p>
+          <a:p/>
+          <a:p>
+            <a:r>
+              <a:t>**1. M365 Architecture Document (detailed-design.docx):**</a:t>
+            </a:r>
+          </a:p>
+          <a:p>
+            <a:r>
+              <a:t>- Complete technical architecture</a:t>
+            </a:r>
+          </a:p>
+          <a:p>
+            <a:r>
+              <a:t>- Azure AD Connect configuration</a:t>
+            </a:r>
+          </a:p>
+          <a:p>
+            <a:r>
+              <a:t>- Hybrid Exchange setup</a:t>
+            </a:r>
+          </a:p>
+          <a:p>
+            <a:r>
+              <a:t>- SharePoint site structure</a:t>
+            </a:r>
+          </a:p>
+          <a:p>
+            <a:r>
+              <a:t>- Teams governance policies</a:t>
+            </a:r>
+          </a:p>
+          <a:p>
+            <a:r>
+              <a:t>- Security control mappings</a:t>
+            </a:r>
+          </a:p>
+          <a:p/>
+          <a:p>
+            <a:r>
+              <a:t>**2. Implementation Guide:**</a:t>
+            </a:r>
+          </a:p>
+          <a:p>
+            <a:r>
+              <a:t>- Step-by-step deployment procedures</a:t>
+            </a:r>
+          </a:p>
+          <a:p>
+            <a:r>
+              <a:t>- PowerShell scripts for automation</a:t>
+            </a:r>
+          </a:p>
+          <a:p>
+            <a:r>
+              <a:t>- Migration tool configurations</a:t>
+            </a:r>
+          </a:p>
+          <a:p>
+            <a:r>
+              <a:t>- Rollback procedures</a:t>
+            </a:r>
+          </a:p>
+          <a:p/>
+          <a:p>
+            <a:r>
+              <a:t>**3. Project Plan:**</a:t>
+            </a:r>
+          </a:p>
+          <a:p>
+            <a:r>
+              <a:t>- Four worksheets:</a:t>
+            </a:r>
+          </a:p>
+          <a:p>
+            <a:r>
+              <a:t>  1. Project Timeline - 19-week implementation</a:t>
+            </a:r>
+          </a:p>
+          <a:p>
+            <a:r>
+              <a:t>  2. Milestones - 7 key milestones tracked</a:t>
+            </a:r>
+          </a:p>
+          <a:p>
+            <a:r>
+              <a:t>  3. RACI Matrix - Clear accountability</a:t>
+            </a:r>
+          </a:p>
+          <a:p>
+            <a:r>
+              <a:t>  4. Communications Plan - Stakeholder engagement</a:t>
+            </a:r>
+          </a:p>
+          <a:p>
+            <a:r>
+              <a:t>- All milestones achieved on schedule</a:t>
+            </a:r>
+          </a:p>
+          <a:p/>
+          <a:p>
+            <a:r>
+              <a:t>**4. Security Configuration Reference:**</a:t>
+            </a:r>
+          </a:p>
+          <a:p>
+            <a:r>
+              <a:t>- 15 Conditional Access policies documented</a:t>
+            </a:r>
+          </a:p>
+          <a:p>
+            <a:r>
+              <a:t>- Defender for Office 365 configuration</a:t>
+            </a:r>
+          </a:p>
+          <a:p>
+            <a:r>
+              <a:t>- Purview DLP policies and sensitivity labels</a:t>
+            </a:r>
+          </a:p>
+          <a:p>
+            <a:r>
+              <a:t>- Intune device compliance policies</a:t>
+            </a:r>
+          </a:p>
+          <a:p/>
+          <a:p>
+            <a:r>
+              <a:t>**5. Migration Report:**</a:t>
+            </a:r>
+          </a:p>
+          <a:p>
+            <a:r>
+              <a:t>- 500 mailbox migration results</a:t>
+            </a:r>
+          </a:p>
+          <a:p>
+            <a:r>
+              <a:t>- Zero data loss verification</a:t>
+            </a:r>
+          </a:p>
+          <a:p>
+            <a:r>
+              <a:t>- File migration statistics by department</a:t>
+            </a:r>
+          </a:p>
+          <a:p>
+            <a:r>
+              <a:t>- Permission mapping audit</a:t>
+            </a:r>
+          </a:p>
+          <a:p/>
+          <a:p>
+            <a:r>
+              <a:t>**6. Operations Runbook:**</a:t>
+            </a:r>
+          </a:p>
+          <a:p>
+            <a:r>
+              <a:t>- Daily admin procedures</a:t>
+            </a:r>
+          </a:p>
+          <a:p>
+            <a:r>
+              <a:t>- User provisioning workflow</a:t>
+            </a:r>
+          </a:p>
+          <a:p>
+            <a:r>
+              <a:t>- License management</a:t>
+            </a:r>
+          </a:p>
+          <a:p>
+            <a:r>
+              <a:t>- Troubleshooting guides</a:t>
+            </a:r>
+          </a:p>
+          <a:p>
+            <a:r>
+              <a:t>- Escalation procedures</a:t>
+            </a:r>
+          </a:p>
+          <a:p/>
+          <a:p>
+            <a:r>
+              <a:t>**7. User Training Materials:**</a:t>
+            </a:r>
+          </a:p>
+          <a:p>
+            <a:r>
+              <a:t>- Quick start guides for Outlook, Teams, OneDrive</a:t>
+            </a:r>
+          </a:p>
+          <a:p>
+            <a:r>
+              <a:t>- Video tutorials (8 sessions, 4 hours total)</a:t>
+            </a:r>
+          </a:p>
+          <a:p>
+            <a:r>
+              <a:t>- FAQ document with top 50 questions</a:t>
+            </a:r>
+          </a:p>
+          <a:p>
+            <a:r>
+              <a:t>- Teams tips and tricks</a:t>
+            </a:r>
+          </a:p>
+          <a:p/>
+          <a:p>
+            <a:r>
+              <a:t>**8. Champions Playbook:**</a:t>
+            </a:r>
+          </a:p>
+          <a:p>
+            <a:r>
+              <a:t>- Department-specific adoption strategies</a:t>
+            </a:r>
+          </a:p>
+          <a:p>
+            <a:r>
+              <a:t>- Best practices for different work styles</a:t>
+            </a:r>
+          </a:p>
+          <a:p>
+            <a:r>
+              <a:t>- Change management toolkit</a:t>
+            </a:r>
+          </a:p>
+          <a:p/>
+          <a:p>
+            <a:r>
+              <a:t>*Transition:*</a:t>
+            </a:r>
+          </a:p>
+          <a:p>
+            <a:r>
+              <a:t>"Let's look at how we're performing against our targets..."</a:t>
+            </a:r>
+          </a:p>
+        </p:txBody>
+      </p:sp>
+    </p:spTree>
+  </p:cSld>
+  <p:clrMapOvr>
+    <a:masterClrMapping/>
+  </p:clrMapOvr>
+</p:notes>
+</file>
+
+<file path=ppt/notesSlides/notesSlide4.xml><?xml version="1.0" encoding="utf-8"?>
+<p:notes xmlns:a="http://schemas.openxmlformats.org/drawingml/2006/main" xmlns:p="http://schemas.openxmlformats.org/presentationml/2006/main" xmlns:r="http://schemas.openxmlformats.org/officeDocument/2006/relationships">
+  <p:cSld>
+    <p:spTree>
+      <p:nvGrpSpPr>
+        <p:cNvPr id="1" name=""/>
+        <p:cNvGrpSpPr/>
+        <p:nvPr/>
+      </p:nvGrpSpPr>
+      <p:grpSpPr>
+        <a:xfrm>
+          <a:off x="0" y="0"/>
+          <a:ext cx="0" cy="0"/>
+          <a:chOff x="0" y="0"/>
+          <a:chExt cx="0" cy="0"/>
+        </a:xfrm>
+      </p:grpSpPr>
+      <p:sp>
+        <p:nvSpPr>
+          <p:cNvPr id="2" name="Slide Image Placeholder 1"/>
+          <p:cNvSpPr>
+            <a:spLocks noGrp="1"/>
+          </p:cNvSpPr>
+          <p:nvPr>
+            <p:ph type="sldImg"/>
+          </p:nvPr>
+        </p:nvSpPr>
+        <p:spPr/>
+      </p:sp>
+      <p:sp>
+        <p:nvSpPr>
+          <p:cNvPr id="3" name="Notes Placeholder 2"/>
+          <p:cNvSpPr>
+            <a:spLocks noGrp="1"/>
+          </p:cNvSpPr>
+          <p:nvPr>
+            <p:ph type="body" idx="1"/>
+          </p:nvPr>
+        </p:nvSpPr>
+        <p:spPr/>
+        <p:txBody>
+          <a:bodyPr/>
+          <a:lstStyle/>
+          <a:p>
+            <a:r>
+              <a:t>*Quality &amp; Performance Deep Dive:*</a:t>
+            </a:r>
+          </a:p>
+          <a:p/>
+          <a:p>
+            <a:r>
+              <a:t>**Migration Metrics - Detailed Breakdown:**</a:t>
+            </a:r>
+          </a:p>
+          <a:p/>
+          <a:p>
+            <a:r>
+              <a:t>*Email Migration: 100% Complete*</a:t>
+            </a:r>
+          </a:p>
+          <a:p>
+            <a:r>
+              <a:t>- 500 mailboxes migrated from on-premises Exchange</a:t>
+            </a:r>
+          </a:p>
+          <a:p>
+            <a:r>
+              <a:t>- 250GB total data transferred</a:t>
+            </a:r>
+          </a:p>
+          <a:p>
+            <a:r>
+              <a:t>- Average mailbox size: 500MB</a:t>
+            </a:r>
+          </a:p>
+          <a:p>
+            <a:r>
+              <a:t>- Migration windows: Weekend cutover per wave</a:t>
+            </a:r>
+          </a:p>
+          <a:p>
+            <a:r>
+              <a:t>- Validation: Message count reconciliation, folder verification</a:t>
+            </a:r>
+          </a:p>
+          <a:p/>
+          <a:p>
+            <a:r>
+              <a:t>*File Migration: 100% Complete*</a:t>
+            </a:r>
+          </a:p>
+          <a:p>
+            <a:r>
+              <a:t>- 5TB migrated from on-premises file servers</a:t>
+            </a:r>
+          </a:p>
+          <a:p>
+            <a:r>
+              <a:t>- SharePoint: Department sites with document libraries</a:t>
+            </a:r>
+          </a:p>
+          <a:p>
+            <a:r>
+              <a:t>- OneDrive: Known Folder Move for user files</a:t>
+            </a:r>
+          </a:p>
+          <a:p>
+            <a:r>
+              <a:t>- Permissions: NTFS to SharePoint mapping preserved</a:t>
+            </a:r>
+          </a:p>
+          <a:p>
+            <a:r>
+              <a:t>- Metadata: Custom properties preserved</a:t>
+            </a:r>
+          </a:p>
+          <a:p/>
+          <a:p>
+            <a:r>
+              <a:t>*Zero Data Loss:*</a:t>
+            </a:r>
+          </a:p>
+          <a:p>
+            <a:r>
+              <a:t>- Pre-migration: Full backup of all mailboxes</a:t>
+            </a:r>
+          </a:p>
+          <a:p>
+            <a:r>
+              <a:t>- Migration: Checksum validation per batch</a:t>
+            </a:r>
+          </a:p>
+          <a:p>
+            <a:r>
+              <a:t>- Post-migration: User confirmation per wave</a:t>
+            </a:r>
+          </a:p>
+          <a:p>
+            <a:r>
+              <a:t>- Audit trail: Complete migration logs available</a:t>
+            </a:r>
+          </a:p>
+          <a:p/>
+          <a:p>
+            <a:r>
+              <a:t>*Downtime Impact:*</a:t>
+            </a:r>
+          </a:p>
+          <a:p>
+            <a:r>
+              <a:t>- Email: &lt;30 minutes per user during DNS cutover</a:t>
+            </a:r>
+          </a:p>
+          <a:p>
+            <a:r>
+              <a:t>- Files: Zero downtime (gradual sync)</a:t>
+            </a:r>
+          </a:p>
+          <a:p>
+            <a:r>
+              <a:t>- Total business impact: &lt;2 hours across 500 users</a:t>
+            </a:r>
+          </a:p>
+          <a:p/>
+          <a:p>
+            <a:r>
+              <a:t>**Adoption Metrics - Detailed Analysis:**</a:t>
+            </a:r>
+          </a:p>
+          <a:p/>
+          <a:p>
+            <a:r>
+              <a:t>*Teams Daily Active Users: 90%+*</a:t>
+            </a:r>
+          </a:p>
+          <a:p>
+            <a:r>
+              <a:t>- Week 1: 65% adoption (initial deployment)</a:t>
+            </a:r>
+          </a:p>
+          <a:p>
+            <a:r>
+              <a:t>- Week 4: 80% adoption (training impact)</a:t>
+            </a:r>
+          </a:p>
+          <a:p>
+            <a:r>
+              <a:t>- Month 3: 90%+ sustained adoption</a:t>
+            </a:r>
+          </a:p>
+          <a:p>
+            <a:r>
+              <a:t>- Champions program driving department adoption</a:t>
+            </a:r>
+          </a:p>
+          <a:p/>
+          <a:p>
+            <a:r>
+              <a:t>*SharePoint Site Usage: 75% of Departments*</a:t>
+            </a:r>
+          </a:p>
+          <a:p>
+            <a:r>
+              <a:t>- 8 of 10 departments actively using sites</a:t>
+            </a:r>
+          </a:p>
+          <a:p>
+            <a:r>
+              <a:t>- Intranet hub site live with company news</a:t>
+            </a:r>
+          </a:p>
+          <a:p>
+            <a:r>
+              <a:t>- Document collaboration replacing email attachments</a:t>
+            </a:r>
+          </a:p>
+          <a:p/>
+          <a:p>
+            <a:r>
+              <a:t>*OneDrive Sync: 85% of Users*</a:t>
+            </a:r>
+          </a:p>
+          <a:p>
+            <a:r>
+              <a:t>- Known Folder Move deployed for Desktop, Documents</a:t>
+            </a:r>
+          </a:p>
+          <a:p>
+            <a:r>
+              <a:t>- Automatic sync on Windows 10/11 devices</a:t>
+            </a:r>
+          </a:p>
+          <a:p>
+            <a:r>
+              <a:t>- Files On-Demand enabled to save disk space</a:t>
+            </a:r>
+          </a:p>
+          <a:p/>
+          <a:p>
+            <a:r>
+              <a:t>*MFA Enrollment: 100%*</a:t>
+            </a:r>
+          </a:p>
+          <a:p>
+            <a:r>
+              <a:t>- Microsoft Authenticator: 85%</a:t>
+            </a:r>
+          </a:p>
+          <a:p>
+            <a:r>
+              <a:t>- Phone call/SMS: 15%</a:t>
+            </a:r>
+          </a:p>
+          <a:p>
+            <a:r>
+              <a:t>- Zero password-only access permitted</a:t>
+            </a:r>
+          </a:p>
+          <a:p/>
+          <a:p>
+            <a:r>
+              <a:t>*Training Completion: 95%*</a:t>
+            </a:r>
+          </a:p>
+          <a:p>
+            <a:r>
+              <a:t>- 475 of 500 users completed required training</a:t>
+            </a:r>
+          </a:p>
+          <a:p>
+            <a:r>
+              <a:t>- Executive session: 100% attendance</a:t>
+            </a:r>
+          </a:p>
+          <a:p>
+            <a:r>
+              <a:t>- IT admin certification: 12 staff</a:t>
+            </a:r>
+          </a:p>
+          <a:p/>
+          <a:p>
+            <a:r>
+              <a:t>*Transition:*</a:t>
+            </a:r>
+          </a:p>
+          <a:p>
+            <a:r>
+              <a:t>"These capabilities translate directly into business value. Let me show you the benefits we're already seeing..."</a:t>
+            </a:r>
+          </a:p>
+        </p:txBody>
+      </p:sp>
+    </p:spTree>
+  </p:cSld>
+  <p:clrMapOvr>
+    <a:masterClrMapping/>
+  </p:clrMapOvr>
+</p:notes>
+</file>
+
+<file path=ppt/notesSlides/notesSlide5.xml><?xml version="1.0" encoding="utf-8"?>
+<p:notes xmlns:a="http://schemas.openxmlformats.org/drawingml/2006/main" xmlns:p="http://schemas.openxmlformats.org/presentationml/2006/main" xmlns:r="http://schemas.openxmlformats.org/officeDocument/2006/relationships">
+  <p:cSld>
+    <p:spTree>
+      <p:nvGrpSpPr>
+        <p:cNvPr id="1" name=""/>
+        <p:cNvGrpSpPr/>
+        <p:nvPr/>
+      </p:nvGrpSpPr>
+      <p:grpSpPr>
+        <a:xfrm>
+          <a:off x="0" y="0"/>
+          <a:ext cx="0" cy="0"/>
+          <a:chOff x="0" y="0"/>
+          <a:chExt cx="0" cy="0"/>
+        </a:xfrm>
+      </p:grpSpPr>
+      <p:sp>
+        <p:nvSpPr>
+          <p:cNvPr id="2" name="Slide Image Placeholder 1"/>
+          <p:cNvSpPr>
+            <a:spLocks noGrp="1"/>
+          </p:cNvSpPr>
+          <p:nvPr>
+            <p:ph type="sldImg"/>
+          </p:nvPr>
+        </p:nvSpPr>
+        <p:spPr/>
+      </p:sp>
+      <p:sp>
+        <p:nvSpPr>
+          <p:cNvPr id="3" name="Notes Placeholder 2"/>
+          <p:cNvSpPr>
+            <a:spLocks noGrp="1"/>
+          </p:cNvSpPr>
+          <p:nvPr>
+            <p:ph type="body" idx="1"/>
+          </p:nvPr>
+        </p:nvSpPr>
+        <p:spPr/>
+        <p:txBody>
+          <a:bodyPr/>
+          <a:lstStyle/>
+          <a:p>
+            <a:r>
+              <a:t>*Benefits Analysis - Detailed ROI Discussion:*</a:t>
+            </a:r>
+          </a:p>
+          <a:p/>
+          <a:p>
+            <a:r>
+              <a:t>**Infrastructure Cost Avoidance - $220K:**</a:t>
+            </a:r>
+          </a:p>
+          <a:p/>
+          <a:p>
+            <a:r>
+              <a:t>*Before Implementation:*</a:t>
+            </a:r>
+          </a:p>
+          <a:p>
+            <a:r>
+              <a:t>- Exchange Server 2010/2013 end-of-life</a:t>
+            </a:r>
+          </a:p>
+          <a:p>
+            <a:r>
+              <a:t>- File servers requiring hardware refresh</a:t>
+            </a:r>
+          </a:p>
+          <a:p>
+            <a:r>
+              <a:t>- Estimated on-premises refresh: $220K capex</a:t>
+            </a:r>
+          </a:p>
+          <a:p>
+            <a:r>
+              <a:t>- Ongoing maintenance: $50K/year</a:t>
+            </a:r>
+          </a:p>
+          <a:p/>
+          <a:p>
+            <a:r>
+              <a:t>*After Implementation:*</a:t>
+            </a:r>
+          </a:p>
+          <a:p>
+            <a:r>
+              <a:t>- Zero capex - operational expense model</a:t>
+            </a:r>
+          </a:p>
+          <a:p>
+            <a:r>
+              <a:t>- Microsoft manages infrastructure</a:t>
+            </a:r>
+          </a:p>
+          <a:p>
+            <a:r>
+              <a:t>- 99.9% SLA guaranteed</a:t>
+            </a:r>
+          </a:p>
+          <a:p>
+            <a:r>
+              <a:t>- Automatic feature updates included</a:t>
+            </a:r>
+          </a:p>
+          <a:p/>
+          <a:p>
+            <a:r>
+              <a:t>**Security Incident Reduction - 80%:**</a:t>
+            </a:r>
+          </a:p>
+          <a:p/>
+          <a:p>
+            <a:r>
+              <a:t>*Before Implementation:*</a:t>
+            </a:r>
+          </a:p>
+          <a:p>
+            <a:r>
+              <a:t>- Average 50 security incidents/month</a:t>
+            </a:r>
+          </a:p>
+          <a:p>
+            <a:r>
+              <a:t>- Phishing success rate: 15%</a:t>
+            </a:r>
+          </a:p>
+          <a:p>
+            <a:r>
+              <a:t>- Malware detection: 90%</a:t>
+            </a:r>
+          </a:p>
+          <a:p>
+            <a:r>
+              <a:t>- Manual investigation required</a:t>
+            </a:r>
+          </a:p>
+          <a:p/>
+          <a:p>
+            <a:r>
+              <a:t>*After Implementation:*</a:t>
+            </a:r>
+          </a:p>
+          <a:p>
+            <a:r>
+              <a:t>- Average 10 incidents/month (80% reduction)</a:t>
+            </a:r>
+          </a:p>
+          <a:p>
+            <a:r>
+              <a:t>- Phishing success rate: 2% (Safe Links, ATP)</a:t>
+            </a:r>
+          </a:p>
+          <a:p>
+            <a:r>
+              <a:t>- Malware detection: 99.9%</a:t>
+            </a:r>
+          </a:p>
+          <a:p>
+            <a:r>
+              <a:t>- Automated investigation and response (AIR)</a:t>
+            </a:r>
+          </a:p>
+          <a:p/>
+          <a:p>
+            <a:r>
+              <a:t>**Email Attachment Reduction - 70%:**</a:t>
+            </a:r>
+          </a:p>
+          <a:p/>
+          <a:p>
+            <a:r>
+              <a:t>*Before:*</a:t>
+            </a:r>
+          </a:p>
+          <a:p>
+            <a:r>
+              <a:t>- 10,000+ email attachments daily</a:t>
+            </a:r>
+          </a:p>
+          <a:p>
+            <a:r>
+              <a:t>- Version control issues</a:t>
+            </a:r>
+          </a:p>
+          <a:p>
+            <a:r>
+              <a:t>- Storage duplication</a:t>
+            </a:r>
+          </a:p>
+          <a:p>
+            <a:r>
+              <a:t>- Security risk (uncontrolled sharing)</a:t>
+            </a:r>
+          </a:p>
+          <a:p/>
+          <a:p>
+            <a:r>
+              <a:t>*After:*</a:t>
+            </a:r>
+          </a:p>
+          <a:p>
+            <a:r>
+              <a:t>- 70% replaced by SharePoint/OneDrive links</a:t>
+            </a:r>
+          </a:p>
+          <a:p>
+            <a:r>
+              <a:t>- Real-time co-authoring</a:t>
+            </a:r>
+          </a:p>
+          <a:p>
+            <a:r>
+              <a:t>- Single version of truth</a:t>
+            </a:r>
+          </a:p>
+          <a:p>
+            <a:r>
+              <a:t>- Access controls and audit trail</a:t>
+            </a:r>
+          </a:p>
+          <a:p/>
+          <a:p>
+            <a:r>
+              <a:t>**ROI Summary:**</a:t>
+            </a:r>
+          </a:p>
+          <a:p>
+            <a:r>
+              <a:t>- Year 1 investment: $465,744</a:t>
+            </a:r>
+          </a:p>
+          <a:p>
+            <a:r>
+              <a:t>- Year 1 savings/value: $680,000+</a:t>
+            </a:r>
+          </a:p>
+          <a:p>
+            <a:r>
+              <a:t>  - Infrastructure avoidance: $220K</a:t>
+            </a:r>
+          </a:p>
+          <a:p>
+            <a:r>
+              <a:t>  - Productivity gains: $300K</a:t>
+            </a:r>
+          </a:p>
+          <a:p>
+            <a:r>
+              <a:t>  - Security risk mitigation: $100K</a:t>
+            </a:r>
+          </a:p>
+          <a:p>
+            <a:r>
+              <a:t>  - IT efficiency: $60K</a:t>
+            </a:r>
+          </a:p>
+          <a:p>
+            <a:r>
+              <a:t>- Payback period: &lt;8 months</a:t>
+            </a:r>
+          </a:p>
+          <a:p>
+            <a:r>
+              <a:t>- 3-year ROI: 180%+</a:t>
+            </a:r>
+          </a:p>
+          <a:p/>
+          <a:p>
+            <a:r>
+              <a:t>*Transition:*</a:t>
+            </a:r>
+          </a:p>
+          <a:p>
+            <a:r>
+              <a:t>"We learned valuable lessons during this implementation that will help with future initiatives..."</a:t>
+            </a:r>
+          </a:p>
+        </p:txBody>
+      </p:sp>
+    </p:spTree>
+  </p:cSld>
+  <p:clrMapOvr>
+    <a:masterClrMapping/>
+  </p:clrMapOvr>
+</p:notes>
+</file>
+
+<file path=ppt/notesSlides/notesSlide6.xml><?xml version="1.0" encoding="utf-8"?>
+<p:notes xmlns:a="http://schemas.openxmlformats.org/drawingml/2006/main" xmlns:p="http://schemas.openxmlformats.org/presentationml/2006/main" xmlns:r="http://schemas.openxmlformats.org/officeDocument/2006/relationships">
+  <p:cSld>
+    <p:spTree>
+      <p:nvGrpSpPr>
+        <p:cNvPr id="1" name=""/>
+        <p:cNvGrpSpPr/>
+        <p:nvPr/>
+      </p:nvGrpSpPr>
+      <p:grpSpPr>
+        <a:xfrm>
+          <a:off x="0" y="0"/>
+          <a:ext cx="0" cy="0"/>
+          <a:chOff x="0" y="0"/>
+          <a:chExt cx="0" cy="0"/>
+        </a:xfrm>
+      </p:grpSpPr>
+      <p:sp>
+        <p:nvSpPr>
+          <p:cNvPr id="2" name="Slide Image Placeholder 1"/>
+          <p:cNvSpPr>
+            <a:spLocks noGrp="1"/>
+          </p:cNvSpPr>
+          <p:nvPr>
+            <p:ph type="sldImg"/>
+          </p:nvPr>
+        </p:nvSpPr>
+        <p:spPr/>
+      </p:sp>
+      <p:sp>
+        <p:nvSpPr>
+          <p:cNvPr id="3" name="Notes Placeholder 2"/>
+          <p:cNvSpPr>
+            <a:spLocks noGrp="1"/>
+          </p:cNvSpPr>
+          <p:nvPr>
+            <p:ph type="body" idx="1"/>
+          </p:nvPr>
+        </p:nvSpPr>
+        <p:spPr/>
+        <p:txBody>
+          <a:bodyPr/>
+          <a:lstStyle/>
+          <a:p>
+            <a:r>
+              <a:t>*Lessons Learned - Comprehensive Review:*</a:t>
+            </a:r>
+          </a:p>
+          <a:p/>
+          <a:p>
+            <a:r>
+              <a:t>**What Worked Well - Details:**</a:t>
+            </a:r>
+          </a:p>
+          <a:p/>
+          <a:p>
+            <a:r>
+              <a:t>*1. Pilot-Then-Production Strategy:*</a:t>
+            </a:r>
+          </a:p>
+          <a:p>
+            <a:r>
+              <a:t>- 50 pilot users across 5 departments</a:t>
+            </a:r>
+          </a:p>
+          <a:p>
+            <a:r>
+              <a:t>- Issues identified before full migration</a:t>
+            </a:r>
+          </a:p>
+          <a:p>
+            <a:r>
+              <a:t>- User feedback incorporated into training</a:t>
+            </a:r>
+          </a:p>
+          <a:p>
+            <a:r>
+              <a:t>- Confidence built before 450-user waves</a:t>
+            </a:r>
+          </a:p>
+          <a:p/>
+          <a:p>
+            <a:r>
+              <a:t>*2. Champions Program:*</a:t>
+            </a:r>
+          </a:p>
+          <a:p>
+            <a:r>
+              <a:t>- 25 department champions trained</a:t>
+            </a:r>
+          </a:p>
+          <a:p>
+            <a:r>
+              <a:t>- Peer support within each team</a:t>
+            </a:r>
+          </a:p>
+          <a:p>
+            <a:r>
+              <a:t>- Local expertise for questions</a:t>
+            </a:r>
+          </a:p>
+          <a:p>
+            <a:r>
+              <a:t>- Adoption metrics improved 25%</a:t>
+            </a:r>
+          </a:p>
+          <a:p/>
+          <a:p>
+            <a:r>
+              <a:t>*3. Weekend Migration Windows:*</a:t>
+            </a:r>
+          </a:p>
+          <a:p>
+            <a:r>
+              <a:t>- Friday 6 PM to Sunday 6 PM per wave</a:t>
+            </a:r>
+          </a:p>
+          <a:p>
+            <a:r>
+              <a:t>- Minimal business disruption</a:t>
+            </a:r>
+          </a:p>
+          <a:p>
+            <a:r>
+              <a:t>- Monday validation and support</a:t>
+            </a:r>
+          </a:p>
+          <a:p>
+            <a:r>
+              <a:t>- Zero productivity loss</a:t>
+            </a:r>
+          </a:p>
+          <a:p/>
+          <a:p>
+            <a:r>
+              <a:t>*4. Daily Health Check Calls:*</a:t>
+            </a:r>
+          </a:p>
+          <a:p>
+            <a:r>
+              <a:t>- First 2 weeks post-migration</a:t>
+            </a:r>
+          </a:p>
+          <a:p>
+            <a:r>
+              <a:t>- Rapid issue identification</a:t>
+            </a:r>
+          </a:p>
+          <a:p>
+            <a:r>
+              <a:t>- Service health monitoring</a:t>
+            </a:r>
+          </a:p>
+          <a:p>
+            <a:r>
+              <a:t>- User sentiment tracking</a:t>
+            </a:r>
+          </a:p>
+          <a:p/>
+          <a:p>
+            <a:r>
+              <a:t>**Challenges Overcome - Details:**</a:t>
+            </a:r>
+          </a:p>
+          <a:p/>
+          <a:p>
+            <a:r>
+              <a:t>*1. ExpressRoute Provisioning:*</a:t>
+            </a:r>
+          </a:p>
+          <a:p>
+            <a:r>
+              <a:t>- Challenge: 6-week lead time</a:t>
+            </a:r>
+          </a:p>
+          <a:p>
+            <a:r>
+              <a:t>- Impact: Initial migration over internet</a:t>
+            </a:r>
+          </a:p>
+          <a:p>
+            <a:r>
+              <a:t>- Resolution: Ordered in Week 1</a:t>
+            </a:r>
+          </a:p>
+          <a:p>
+            <a:r>
+              <a:t>- Lesson: Plan connectivity early</a:t>
+            </a:r>
+          </a:p>
+          <a:p/>
+          <a:p>
+            <a:r>
+              <a:t>*2. Legacy App Compatibility:*</a:t>
+            </a:r>
+          </a:p>
+          <a:p>
+            <a:r>
+              <a:t>- Challenge: 3 apps incompatible with modern auth</a:t>
+            </a:r>
+          </a:p>
+          <a:p>
+            <a:r>
+              <a:t>- Impact: Required hybrid configuration</a:t>
+            </a:r>
+          </a:p>
+          <a:p>
+            <a:r>
+              <a:t>- Resolution: App-specific Conditional Access exclusions</a:t>
+            </a:r>
+          </a:p>
+          <a:p>
+            <a:r>
+              <a:t>- Lesson: Discovery phase must include app inventory</a:t>
+            </a:r>
+          </a:p>
+          <a:p/>
+          <a:p>
+            <a:r>
+              <a:t>*3. OneDrive Sync Issues:*</a:t>
+            </a:r>
+          </a:p>
+          <a:p>
+            <a:r>
+              <a:t>- Challenge: Initial sync took 4+ hours</a:t>
+            </a:r>
+          </a:p>
+          <a:p>
+            <a:r>
+              <a:t>- Impact: User frustration during rollout</a:t>
+            </a:r>
+          </a:p>
+          <a:p>
+            <a:r>
+              <a:t>- Resolution: Files On-Demand + staged deployment</a:t>
+            </a:r>
+          </a:p>
+          <a:p>
+            <a:r>
+              <a:t>- Lesson: Pre-stage sync before go-live</a:t>
+            </a:r>
+          </a:p>
+          <a:p/>
+          <a:p>
+            <a:r>
+              <a:t>**Recommendations for Future Enhancement:**</a:t>
+            </a:r>
+          </a:p>
+          <a:p/>
+          <a:p>
+            <a:r>
+              <a:t>*1. Power Platform:*</a:t>
+            </a:r>
+          </a:p>
+          <a:p>
+            <a:r>
+              <a:t>- Power Apps for custom business apps</a:t>
+            </a:r>
+          </a:p>
+          <a:p>
+            <a:r>
+              <a:t>- Power Automate for workflow automation</a:t>
+            </a:r>
+          </a:p>
+          <a:p>
+            <a:r>
+              <a:t>- Power BI for business intelligence</a:t>
+            </a:r>
+          </a:p>
+          <a:p>
+            <a:r>
+              <a:t>- Estimated value: $100K+ annually</a:t>
+            </a:r>
+          </a:p>
+          <a:p/>
+          <a:p>
+            <a:r>
+              <a:t>*2. Microsoft Viva:*</a:t>
+            </a:r>
+          </a:p>
+          <a:p>
+            <a:r>
+              <a:t>- Employee experience platform</a:t>
+            </a:r>
+          </a:p>
+          <a:p>
+            <a:r>
+              <a:t>- Viva Insights for productivity</a:t>
+            </a:r>
+          </a:p>
+          <a:p>
+            <a:r>
+              <a:t>- Viva Learning for training</a:t>
+            </a:r>
+          </a:p>
+          <a:p>
+            <a:r>
+              <a:t>- Viva Engage for communication</a:t>
+            </a:r>
+          </a:p>
+          <a:p/>
+          <a:p>
+            <a:r>
+              <a:t>*Transition:*</a:t>
+            </a:r>
+          </a:p>
+          <a:p>
+            <a:r>
+              <a:t>"Let me walk you through how we're transitioning support to your team..."</a:t>
+            </a:r>
+          </a:p>
+        </p:txBody>
+      </p:sp>
+    </p:spTree>
+  </p:cSld>
+  <p:clrMapOvr>
+    <a:masterClrMapping/>
+  </p:clrMapOvr>
+</p:notes>
+</file>
+
+<file path=ppt/notesSlides/notesSlide7.xml><?xml version="1.0" encoding="utf-8"?>
+<p:notes xmlns:a="http://schemas.openxmlformats.org/drawingml/2006/main" xmlns:p="http://schemas.openxmlformats.org/presentationml/2006/main" xmlns:r="http://schemas.openxmlformats.org/officeDocument/2006/relationships">
+  <p:cSld>
+    <p:spTree>
+      <p:nvGrpSpPr>
+        <p:cNvPr id="1" name=""/>
+        <p:cNvGrpSpPr/>
+        <p:nvPr/>
+      </p:nvGrpSpPr>
+      <p:grpSpPr>
+        <a:xfrm>
+          <a:off x="0" y="0"/>
+          <a:ext cx="0" cy="0"/>
+          <a:chOff x="0" y="0"/>
+          <a:chExt cx="0" cy="0"/>
+        </a:xfrm>
+      </p:grpSpPr>
+      <p:sp>
+        <p:nvSpPr>
+          <p:cNvPr id="2" name="Slide Image Placeholder 1"/>
+          <p:cNvSpPr>
+            <a:spLocks noGrp="1"/>
+          </p:cNvSpPr>
+          <p:nvPr>
+            <p:ph type="sldImg"/>
+          </p:nvPr>
+        </p:nvSpPr>
+        <p:spPr/>
+      </p:sp>
+      <p:sp>
+        <p:nvSpPr>
+          <p:cNvPr id="3" name="Notes Placeholder 2"/>
+          <p:cNvSpPr>
+            <a:spLocks noGrp="1"/>
+          </p:cNvSpPr>
+          <p:nvPr>
+            <p:ph type="body" idx="1"/>
+          </p:nvPr>
+        </p:nvSpPr>
+        <p:spPr/>
+        <p:txBody>
+          <a:bodyPr/>
+          <a:lstStyle/>
+          <a:p>
+            <a:r>
+              <a:t>*Support Transition - Complete Details:*</a:t>
+            </a:r>
+          </a:p>
+          <a:p/>
+          <a:p>
+            <a:r>
+              <a:t>**Hypercare Period Summary (30 Days Post-Go-Live):**</a:t>
+            </a:r>
+          </a:p>
+          <a:p/>
+          <a:p>
+            <a:r>
+              <a:t>*Daily Activities Completed:*</a:t>
+            </a:r>
+          </a:p>
+          <a:p>
+            <a:r>
+              <a:t>- Morning health check (9 AM) - Service health review</a:t>
+            </a:r>
+          </a:p>
+          <a:p>
+            <a:r>
+              <a:t>- M365 admin center monitoring</a:t>
+            </a:r>
+          </a:p>
+          <a:p>
+            <a:r>
+              <a:t>- Teams call quality dashboard</a:t>
+            </a:r>
+          </a:p>
+          <a:p>
+            <a:r>
+              <a:t>- User support ticket review</a:t>
+            </a:r>
+          </a:p>
+          <a:p>
+            <a:r>
+              <a:t>- Evening status report</a:t>
+            </a:r>
+          </a:p>
+          <a:p/>
+          <a:p>
+            <a:r>
+              <a:t>*Issues Resolved During Hypercare:*</a:t>
+            </a:r>
+          </a:p>
+          <a:p/>
+          <a:p>
+            <a:r>
+              <a:t>Top Issue Categories:</a:t>
+            </a:r>
+          </a:p>
+          <a:p>
+            <a:r>
+              <a:t>1. OneDrive sync conflicts (5 tickets)</a:t>
+            </a:r>
+          </a:p>
+          <a:p>
+            <a:r>
+              <a:t>2. Teams audio quality (4 tickets)</a:t>
+            </a:r>
+          </a:p>
+          <a:p>
+            <a:r>
+              <a:t>3. Outlook profile recreation (3 tickets)</a:t>
+            </a:r>
+          </a:p>
+          <a:p>
+            <a:r>
+              <a:t>4. SharePoint permission questions (2 tickets)</a:t>
+            </a:r>
+          </a:p>
+          <a:p>
+            <a:r>
+              <a:t>5. MFA setup assistance (1 ticket)</a:t>
+            </a:r>
+          </a:p>
+          <a:p/>
+          <a:p>
+            <a:r>
+              <a:t>*Knowledge Transfer Sessions Delivered:*</a:t>
+            </a:r>
+          </a:p>
+          <a:p/>
+          <a:p>
+            <a:r>
+              <a:t>| Session | Date | Attendees | Duration |</a:t>
+            </a:r>
+          </a:p>
+          <a:p>
+            <a:r>
+              <a:t>|---------|------|-----------|----------|</a:t>
+            </a:r>
+          </a:p>
+          <a:p>
+            <a:r>
+              <a:t>| Exchange Online Admin | Week 1 | 4 IT staff | 3 hours |</a:t>
+            </a:r>
+          </a:p>
+          <a:p>
+            <a:r>
+              <a:t>| SharePoint Admin | Week 2 | 4 IT staff | 3 hours |</a:t>
+            </a:r>
+          </a:p>
+          <a:p>
+            <a:r>
+              <a:t>| Teams Admin &amp; QoS | Week 2 | 4 IT staff | 2 hours |</a:t>
+            </a:r>
+          </a:p>
+          <a:p>
+            <a:r>
+              <a:t>| Defender for O365 | Week 3 | Security team | 2 hours |</a:t>
+            </a:r>
+          </a:p>
+          <a:p>
+            <a:r>
+              <a:t>| Purview DLP &amp; Retention | Week 3 | Compliance | 2 hours |</a:t>
+            </a:r>
+          </a:p>
+          <a:p>
+            <a:r>
+              <a:t>| Intune MDM | Week 4 | IT staff | 2 hours |</a:t>
+            </a:r>
+          </a:p>
+          <a:p/>
+          <a:p>
+            <a:r>
+              <a:t>**Steady State Support Model:**</a:t>
+            </a:r>
+          </a:p>
+          <a:p/>
+          <a:p>
+            <a:r>
+              <a:t>*What Client Team Handles (L1/L2):*</a:t>
+            </a:r>
+          </a:p>
+          <a:p>
+            <a:r>
+              <a:t>- User provisioning and licensing</a:t>
+            </a:r>
+          </a:p>
+          <a:p>
+            <a:r>
+              <a:t>- Password resets and MFA enrollment</a:t>
+            </a:r>
+          </a:p>
+          <a:p>
+            <a:r>
+              <a:t>- Basic Teams/SharePoint questions</a:t>
+            </a:r>
+          </a:p>
+          <a:p>
+            <a:r>
+              <a:t>- Distribution group management</a:t>
+            </a:r>
+          </a:p>
+          <a:p>
+            <a:r>
+              <a:t>- Monthly usage reporting</a:t>
+            </a:r>
+          </a:p>
+          <a:p/>
+          <a:p>
+            <a:r>
+              <a:t>*When to Escalate (L3/L4):*</a:t>
+            </a:r>
+          </a:p>
+          <a:p>
+            <a:r>
+              <a:t>- Conditional Access policy changes</a:t>
+            </a:r>
+          </a:p>
+          <a:p>
+            <a:r>
+              <a:t>- Security incident investigation</a:t>
+            </a:r>
+          </a:p>
+          <a:p>
+            <a:r>
+              <a:t>- Performance degradation</a:t>
+            </a:r>
+          </a:p>
+          <a:p>
+            <a:r>
+              <a:t>- Migration of additional workloads</a:t>
+            </a:r>
+          </a:p>
+          <a:p>
+            <a:r>
+              <a:t>- Advanced troubleshooting</a:t>
+            </a:r>
+          </a:p>
+          <a:p/>
+          <a:p>
+            <a:r>
+              <a:t>**Monthly Operational Tasks:**</a:t>
+            </a:r>
+          </a:p>
+          <a:p>
+            <a:r>
+              <a:t>- Week 1: License utilization review</a:t>
+            </a:r>
+          </a:p>
+          <a:p>
+            <a:r>
+              <a:t>- Week 2: Security posture check</a:t>
+            </a:r>
+          </a:p>
+          <a:p>
+            <a:r>
+              <a:t>- Week 3: Usage analytics review</a:t>
+            </a:r>
+          </a:p>
+          <a:p>
+            <a:r>
+              <a:t>- Week 4: Cost optimization analysis</a:t>
+            </a:r>
+          </a:p>
+          <a:p/>
+          <a:p>
+            <a:r>
+              <a:t>*Transition:*</a:t>
+            </a:r>
+          </a:p>
+          <a:p>
+            <a:r>
+              <a:t>"Let me acknowledge the team that made this possible and outline next steps..."</a:t>
+            </a:r>
+          </a:p>
+        </p:txBody>
+      </p:sp>
+    </p:spTree>
+  </p:cSld>
+  <p:clrMapOvr>
+    <a:masterClrMapping/>
+  </p:clrMapOvr>
+</p:notes>
+</file>
+
+<file path=ppt/notesSlides/notesSlide8.xml><?xml version="1.0" encoding="utf-8"?>
+<p:notes xmlns:a="http://schemas.openxmlformats.org/drawingml/2006/main" xmlns:p="http://schemas.openxmlformats.org/presentationml/2006/main" xmlns:r="http://schemas.openxmlformats.org/officeDocument/2006/relationships">
+  <p:cSld>
+    <p:spTree>
+      <p:nvGrpSpPr>
+        <p:cNvPr id="1" name=""/>
+        <p:cNvGrpSpPr/>
+        <p:nvPr/>
+      </p:nvGrpSpPr>
+      <p:grpSpPr>
+        <a:xfrm>
+          <a:off x="0" y="0"/>
+          <a:ext cx="0" cy="0"/>
+          <a:chOff x="0" y="0"/>
+          <a:chExt cx="0" cy="0"/>
+        </a:xfrm>
+      </p:grpSpPr>
+      <p:sp>
+        <p:nvSpPr>
+          <p:cNvPr id="2" name="Slide Image Placeholder 1"/>
+          <p:cNvSpPr>
+            <a:spLocks noGrp="1"/>
+          </p:cNvSpPr>
+          <p:nvPr>
+            <p:ph type="sldImg"/>
+          </p:nvPr>
+        </p:nvSpPr>
+        <p:spPr/>
+      </p:sp>
+      <p:sp>
+        <p:nvSpPr>
+          <p:cNvPr id="3" name="Notes Placeholder 2"/>
+          <p:cNvSpPr>
+            <a:spLocks noGrp="1"/>
+          </p:cNvSpPr>
+          <p:nvPr>
+            <p:ph type="body" idx="1"/>
+          </p:nvPr>
+        </p:nvSpPr>
+        <p:spPr/>
+        <p:txBody>
+          <a:bodyPr/>
+          <a:lstStyle/>
+          <a:p>
+            <a:r>
+              <a:t>*Acknowledgments - Recognize Key Contributors:*</a:t>
+            </a:r>
+          </a:p>
+          <a:p/>
+          <a:p>
+            <a:r>
+              <a:t>**Client Team Recognition:**</a:t>
+            </a:r>
+          </a:p>
+          <a:p/>
+          <a:p>
+            <a:r>
+              <a:t>*Executive Sponsor - [Name]:*</a:t>
+            </a:r>
+          </a:p>
+          <a:p>
+            <a:r>
+              <a:t>- Championed digital workplace transformation</a:t>
+            </a:r>
+          </a:p>
+          <a:p>
+            <a:r>
+              <a:t>- Secured budget approval</a:t>
+            </a:r>
+          </a:p>
+          <a:p>
+            <a:r>
+              <a:t>- Drove adoption messaging from leadership</a:t>
+            </a:r>
+          </a:p>
+          <a:p>
+            <a:r>
+              <a:t>- Overcame organizational resistance</a:t>
+            </a:r>
+          </a:p>
+          <a:p/>
+          <a:p>
+            <a:r>
+              <a:t>*IT Lead - [Name]:*</a:t>
+            </a:r>
+          </a:p>
+          <a:p>
+            <a:r>
+              <a:t>- Managed hybrid Exchange configuration</a:t>
+            </a:r>
+          </a:p>
+          <a:p>
+            <a:r>
+              <a:t>- Azure AD Connect deployment</a:t>
+            </a:r>
+          </a:p>
+          <a:p>
+            <a:r>
+              <a:t>- Network optimization for Teams</a:t>
+            </a:r>
+          </a:p>
+          <a:p>
+            <a:r>
+              <a:t>- 24/7 availability during migrations</a:t>
+            </a:r>
+          </a:p>
+          <a:p/>
+          <a:p>
+            <a:r>
+              <a:t>*Business Lead - [Name]:*</a:t>
+            </a:r>
+          </a:p>
+          <a:p>
+            <a:r>
+              <a:t>- Coordinated departmental wave planning</a:t>
+            </a:r>
+          </a:p>
+          <a:p>
+            <a:r>
+              <a:t>- Identified pilot users and champions</a:t>
+            </a:r>
+          </a:p>
+          <a:p>
+            <a:r>
+              <a:t>- Drove training completion</a:t>
+            </a:r>
+          </a:p>
+          <a:p>
+            <a:r>
+              <a:t>- Collected user feedback</a:t>
+            </a:r>
+          </a:p>
+          <a:p/>
+          <a:p>
+            <a:r>
+              <a:t>*Champions Network (25 members):*</a:t>
+            </a:r>
+          </a:p>
+          <a:p>
+            <a:r>
+              <a:t>- Peer support within departments</a:t>
+            </a:r>
+          </a:p>
+          <a:p>
+            <a:r>
+              <a:t>- Adoption best practice sharing</a:t>
+            </a:r>
+          </a:p>
+          <a:p>
+            <a:r>
+              <a:t>- Issue escalation and feedback</a:t>
+            </a:r>
+          </a:p>
+          <a:p>
+            <a:r>
+              <a:t>- Ongoing training support</a:t>
+            </a:r>
+          </a:p>
+          <a:p/>
+          <a:p>
+            <a:r>
+              <a:t>**Immediate Next Steps (This Week):**</a:t>
+            </a:r>
+          </a:p>
+          <a:p/>
+          <a:p>
+            <a:r>
+              <a:t>| Task | Owner | Due Date |</a:t>
+            </a:r>
+          </a:p>
+          <a:p>
+            <a:r>
+              <a:t>|------|-------|----------|</a:t>
+            </a:r>
+          </a:p>
+          <a:p>
+            <a:r>
+              <a:t>| Final documentation handover | PM | [Date] |</a:t>
+            </a:r>
+          </a:p>
+          <a:p>
+            <a:r>
+              <a:t>| Archive project SharePoint | PM | [Date] |</a:t>
+            </a:r>
+          </a:p>
+          <a:p>
+            <a:r>
+              <a:t>| License true-up validation | IT | [Date] |</a:t>
+            </a:r>
+          </a:p>
+          <a:p>
+            <a:r>
+              <a:t>| Decommissioning planning | IT | Ongoing |</a:t>
+            </a:r>
+          </a:p>
+          <a:p/>
+          <a:p>
+            <a:r>
+              <a:t>**30-Day Next Steps:**</a:t>
+            </a:r>
+          </a:p>
+          <a:p/>
+          <a:p>
+            <a:r>
+              <a:t>| Task | Owner | Due Date |</a:t>
+            </a:r>
+          </a:p>
+          <a:p>
+            <a:r>
+              <a:t>|------|-------|----------|</a:t>
+            </a:r>
+          </a:p>
+          <a:p>
+            <a:r>
+              <a:t>| First monthly health check | IT | [Date+30] |</a:t>
+            </a:r>
+          </a:p>
+          <a:p>
+            <a:r>
+              <a:t>| License optimization review | Finance | [Date+30] |</a:t>
+            </a:r>
+          </a:p>
+          <a:p>
+            <a:r>
+              <a:t>| User satisfaction survey | PM | [Date+30] |</a:t>
+            </a:r>
+          </a:p>
+          <a:p>
+            <a:r>
+              <a:t>| Identify expansion opportunities | Business | [Date+30] |</a:t>
+            </a:r>
+          </a:p>
+          <a:p/>
+          <a:p>
+            <a:r>
+              <a:t>**Quarterly Planning:**</a:t>
+            </a:r>
+          </a:p>
+          <a:p/>
+          <a:p>
+            <a:r>
+              <a:t>*Power Platform Pilot:*</a:t>
+            </a:r>
+          </a:p>
+          <a:p>
+            <a:r>
+              <a:t>- Identify 2-3 business process automation opportunities</a:t>
+            </a:r>
+          </a:p>
+          <a:p>
+            <a:r>
+              <a:t>- Power Apps for departmental needs</a:t>
+            </a:r>
+          </a:p>
+          <a:p>
+            <a:r>
+              <a:t>- Power Automate for workflow automation</a:t>
+            </a:r>
+          </a:p>
+          <a:p/>
+          <a:p>
+            <a:r>
+              <a:t>*Microsoft Viva Evaluation:*</a:t>
+            </a:r>
+          </a:p>
+          <a:p>
+            <a:r>
+              <a:t>- Viva Insights for manager productivity coaching</a:t>
+            </a:r>
+          </a:p>
+          <a:p>
+            <a:r>
+              <a:t>- Viva Learning integration with existing LMS</a:t>
+            </a:r>
+          </a:p>
+          <a:p>
+            <a:r>
+              <a:t>- Budget planning for FY25</a:t>
+            </a:r>
+          </a:p>
+          <a:p/>
+          <a:p>
+            <a:r>
+              <a:t>*Transition:*</a:t>
+            </a:r>
+          </a:p>
+          <a:p>
+            <a:r>
+              <a:t>"Thank you for your partnership on this project. Let me open the floor for questions..."</a:t>
+            </a:r>
+          </a:p>
+        </p:txBody>
+      </p:sp>
+    </p:spTree>
+  </p:cSld>
+  <p:clrMapOvr>
+    <a:masterClrMapping/>
+  </p:clrMapOvr>
+</p:notes>
+</file>
+
+<file path=ppt/notesSlides/notesSlide9.xml><?xml version="1.0" encoding="utf-8"?>
+<p:notes xmlns:a="http://schemas.openxmlformats.org/drawingml/2006/main" xmlns:p="http://schemas.openxmlformats.org/presentationml/2006/main" xmlns:r="http://schemas.openxmlformats.org/officeDocument/2006/relationships">
+  <p:cSld>
+    <p:spTree>
+      <p:nvGrpSpPr>
+        <p:cNvPr id="1" name=""/>
+        <p:cNvGrpSpPr/>
+        <p:nvPr/>
+      </p:nvGrpSpPr>
+      <p:grpSpPr>
+        <a:xfrm>
+          <a:off x="0" y="0"/>
+          <a:ext cx="0" cy="0"/>
+          <a:chOff x="0" y="0"/>
+          <a:chExt cx="0" cy="0"/>
+        </a:xfrm>
+      </p:grpSpPr>
+      <p:sp>
+        <p:nvSpPr>
+          <p:cNvPr id="2" name="Slide Image Placeholder 1"/>
+          <p:cNvSpPr>
+            <a:spLocks noGrp="1"/>
+          </p:cNvSpPr>
+          <p:nvPr>
+            <p:ph type="sldImg"/>
+          </p:nvPr>
+        </p:nvSpPr>
+        <p:spPr/>
+      </p:sp>
+      <p:sp>
+        <p:nvSpPr>
+          <p:cNvPr id="3" name="Notes Placeholder 2"/>
+          <p:cNvSpPr>
+            <a:spLocks noGrp="1"/>
+          </p:cNvSpPr>
+          <p:nvPr>
+            <p:ph type="body" idx="1"/>
+          </p:nvPr>
+        </p:nvSpPr>
+        <p:spPr/>
+        <p:txBody>
+          <a:bodyPr/>
+          <a:lstStyle/>
+          <a:p>
+            <a:r>
+              <a:t>*Closing and Q&amp;A Preparation:*</a:t>
+            </a:r>
+          </a:p>
+          <a:p/>
+          <a:p>
+            <a:r>
+              <a:t>**Closing Statement:**</a:t>
+            </a:r>
+          </a:p>
+          <a:p>
+            <a:r>
+              <a:t>"Thank you for your partnership throughout this digital workplace transformation. We've successfully deployed Microsoft 365 E5 for 500 users, enabling modern collaboration with Teams, SharePoint, and OneDrive while implementing enterprise-grade security with Defender and Purview.</a:t>
+            </a:r>
+          </a:p>
+          <a:p/>
+          <a:p>
+            <a:r>
+              <a:t>I want to open the floor for questions. We have [time] remaining."</a:t>
+            </a:r>
+          </a:p>
+          <a:p/>
+          <a:p>
+            <a:r>
+              <a:t>**Anticipated Questions and Prepared Answers:**</a:t>
+            </a:r>
+          </a:p>
+          <a:p/>
+          <a:p>
+            <a:r>
+              <a:t>*Q: What if we need to add more users?*</a:t>
+            </a:r>
+          </a:p>
+          <a:p>
+            <a:r>
+              <a:t>A: M365 E5 licensing is per-user at $66.50/month. Simply add licenses and provision users. No infrastructure changes required. We can support thousands of additional users.</a:t>
+            </a:r>
+          </a:p>
+          <a:p/>
+          <a:p>
+            <a:r>
+              <a:t>*Q: How do we maintain security compliance?*</a:t>
+            </a:r>
+          </a:p>
+          <a:p>
+            <a:r>
+              <a:t>A: Defender for Office 365 and Purview are continuously monitoring. Monthly security posture reviews are included in managed services. Quarterly compliance audits recommended.</a:t>
+            </a:r>
+          </a:p>
+          <a:p/>
+          <a:p>
+            <a:r>
+              <a:t>*Q: What about training for new employees?*</a:t>
+            </a:r>
+          </a:p>
+          <a:p>
+            <a:r>
+              <a:t>A: Training materials are in SharePoint. Champions program provides peer support. Consider Microsoft Learning Pathways for self-service training.</a:t>
+            </a:r>
+          </a:p>
+          <a:p/>
+          <a:p>
+            <a:r>
+              <a:t>*Q: When can we use Copilot?*</a:t>
+            </a:r>
+          </a:p>
+          <a:p>
+            <a:r>
+              <a:t>A: Microsoft Copilot for M365 is now available. E5 license is a prerequisite (which you have). Additional Copilot license is $30/user/month. We recommend a pilot with 50 users.</a:t>
+            </a:r>
+          </a:p>
+          <a:p/>
+          <a:p>
+            <a:r>
+              <a:t>*Q: What if Teams call quality degrades?*</a:t>
+            </a:r>
+          </a:p>
+          <a:p>
+            <a:r>
+              <a:t>A: Teams admin center provides call quality analytics. ExpressRoute provides dedicated connectivity. QoS policies are configured on your network. Escalate to L3 if persistent issues.</a:t>
+            </a:r>
+          </a:p>
+          <a:p/>
+          <a:p>
+            <a:r>
+              <a:t>**Demo Offer:**</a:t>
+            </a:r>
+          </a:p>
+          <a:p>
+            <a:r>
+              <a:t>"Would anyone like to see the M365 admin center, Teams analytics, or Defender security dashboard? I can show you real-time monitoring in action."</a:t>
+            </a:r>
+          </a:p>
+          <a:p/>
+          <a:p>
+            <a:r>
+              <a:t>**Final Closing:**</a:t>
+            </a:r>
+          </a:p>
+          <a:p>
+            <a:r>
+              <a:t>"Thank you again for trusting our team with your workplace transformation. This M365 deployment positions [Client Name] for modern collaboration and continued innovation.</a:t>
+            </a:r>
+          </a:p>
+          <a:p/>
+          <a:p>
+            <a:r>
+              <a:t>Please don't hesitate to reach out to me or [Account Manager] if any questions arise. Have a great [rest of your day/afternoon]."</a:t>
+            </a:r>
+          </a:p>
+        </p:txBody>
+      </p:sp>
+    </p:spTree>
+  </p:cSld>
+  <p:clrMapOvr>
+    <a:masterClrMapping/>
+  </p:clrMapOvr>
+</p:notes>
+</file>
+
 <file path=ppt/slideLayouts/slideLayout1.xml><?xml version="1.0" encoding="utf-8"?>
 <p:sldLayout xmlns:a="http://schemas.openxmlformats.org/drawingml/2006/main" xmlns:r="http://schemas.openxmlformats.org/officeDocument/2006/relationships" xmlns:p="http://schemas.openxmlformats.org/presentationml/2006/main" preserve="1" userDrawn="1">
   <p:cSld name="EO Title Slide">
@@ -647,6 +3057,39 @@
       </p:grpSpPr>
       <p:sp>
         <p:nvSpPr>
+          <p:cNvPr id="12" name="Picture Placeholder 13">
+            <a:extLst>
+              <a:ext uri="{FF2B5EF4-FFF2-40B4-BE49-F238E27FC236}">
+                <a16:creationId xmlns:a16="http://schemas.microsoft.com/office/drawing/2014/main" id="{2DB97592-C4D5-B315-7F11-AA14F6EE8A62}"/>
+              </a:ext>
+            </a:extLst>
+          </p:cNvPr>
+          <p:cNvSpPr>
+            <a:spLocks noGrp="1"/>
+          </p:cNvSpPr>
+          <p:nvPr>
+            <p:ph type="pic" sz="quarter" idx="13"/>
+          </p:nvPr>
+        </p:nvSpPr>
+        <p:spPr>
+          <a:xfrm>
+            <a:off x="313593" y="4536078"/>
+            <a:ext cx="2143858" cy="529698"/>
+          </a:xfrm>
+          <a:prstGeom prst="rect">
+            <a:avLst/>
+          </a:prstGeom>
+        </p:spPr>
+        <p:txBody>
+          <a:bodyPr/>
+          <a:lstStyle/>
+          <a:p>
+            <a:endParaRPr lang="en-US" dirty="0"/>
+          </a:p>
+        </p:txBody>
+      </p:sp>
+      <p:sp>
+        <p:nvSpPr>
           <p:cNvPr id="3" name="Shape 1">
             <a:extLst>
               <a:ext uri="{FF2B5EF4-FFF2-40B4-BE49-F238E27FC236}">
@@ -741,69 +3184,6 @@
       </p:sp>
       <p:sp>
         <p:nvSpPr>
-          <p:cNvPr id="12" name="Picture Placeholder 13">
-            <a:extLst>
-              <a:ext uri="{FF2B5EF4-FFF2-40B4-BE49-F238E27FC236}">
-                <a16:creationId xmlns:a16="http://schemas.microsoft.com/office/drawing/2014/main" id="{2DB97592-C4D5-B315-7F11-AA14F6EE8A62}"/>
-              </a:ext>
-            </a:extLst>
-          </p:cNvPr>
-          <p:cNvSpPr>
-            <a:spLocks noGrp="1"/>
-          </p:cNvSpPr>
-          <p:nvPr>
-            <p:ph type="pic" sz="quarter" idx="13"/>
-          </p:nvPr>
-        </p:nvSpPr>
-        <p:spPr>
-          <a:xfrm>
-            <a:off x="313593" y="4536078"/>
-            <a:ext cx="2143858" cy="529698"/>
-          </a:xfrm>
-          <a:prstGeom prst="rect">
-            <a:avLst/>
-          </a:prstGeom>
-        </p:spPr>
-        <p:txBody>
-          <a:bodyPr/>
-          <a:lstStyle/>
-          <a:p>
-            <a:endParaRPr lang="en-US" dirty="0"/>
-          </a:p>
-        </p:txBody>
-      </p:sp>
-      <p:pic>
-        <p:nvPicPr>
-          <p:cNvPr id="13" name="Image 0" descr="/home/claude/eo-framework-logo.png">
-            <a:extLst>
-              <a:ext uri="{FF2B5EF4-FFF2-40B4-BE49-F238E27FC236}">
-                <a16:creationId xmlns:a16="http://schemas.microsoft.com/office/drawing/2014/main" id="{25116040-BB88-891D-9118-628A78E99872}"/>
-              </a:ext>
-            </a:extLst>
-          </p:cNvPr>
-          <p:cNvPicPr>
-            <a:picLocks noChangeAspect="1"/>
-          </p:cNvPicPr>
-          <p:nvPr userDrawn="1"/>
-        </p:nvPicPr>
-        <p:blipFill>
-          <a:blip r:embed="rId2"/>
-          <a:stretch>
-            <a:fillRect/>
-          </a:stretch>
-        </p:blipFill>
-        <p:spPr>
-          <a:xfrm>
-            <a:off x="6945879" y="4648200"/>
-            <a:ext cx="1952244" cy="417576"/>
-          </a:xfrm>
-          <a:prstGeom prst="rect">
-            <a:avLst/>
-          </a:prstGeom>
-        </p:spPr>
-      </p:pic>
-      <p:sp>
-        <p:nvSpPr>
           <p:cNvPr id="4" name="Text Placeholder 3">
             <a:extLst>
               <a:ext uri="{FF2B5EF4-FFF2-40B4-BE49-F238E27FC236}">
@@ -831,7 +3211,7 @@
           <a:bodyPr/>
           <a:lstStyle>
             <a:lvl1pPr>
-              <a:defRPr sz="2000" baseline="0">
+              <a:defRPr sz="2000" b="1" baseline="0">
                 <a:solidFill>
                   <a:srgbClr val="C00000"/>
                 </a:solidFill>
@@ -877,6 +3257,48 @@
             <a:r>
               <a:rPr lang="en-US" dirty="0"/>
               <a:t>Fourth level</a:t>
+            </a:r>
+          </a:p>
+        </p:txBody>
+      </p:sp>
+      <p:sp>
+        <p:nvSpPr>
+          <p:cNvPr id="5" name="Text Placeholder 4">
+            <a:extLst>
+              <a:ext uri="{FF2B5EF4-FFF2-40B4-BE49-F238E27FC236}">
+                <a16:creationId xmlns:a16="http://schemas.microsoft.com/office/drawing/2014/main" id="{57F71806-AFEA-DD6D-E6AA-E2A002E682DE}"/>
+              </a:ext>
+            </a:extLst>
+          </p:cNvPr>
+          <p:cNvSpPr>
+            <a:spLocks noGrp="1"/>
+          </p:cNvSpPr>
+          <p:nvPr>
+            <p:ph type="body" sz="quarter" idx="15" hasCustomPrompt="1"/>
+          </p:nvPr>
+        </p:nvSpPr>
+        <p:spPr>
+          <a:xfrm>
+            <a:off x="5627076" y="4738688"/>
+            <a:ext cx="3218473" cy="238125"/>
+          </a:xfrm>
+          <a:prstGeom prst="rect">
+            <a:avLst/>
+          </a:prstGeom>
+        </p:spPr>
+        <p:txBody>
+          <a:bodyPr/>
+          <a:lstStyle>
+            <a:lvl5pPr algn="r">
+              <a:buNone/>
+              <a:defRPr sz="1100"/>
+            </a:lvl5pPr>
+          </a:lstStyle>
+          <a:p>
+            <a:pPr lvl="4"/>
+            <a:r>
+              <a:rPr lang="en-US" dirty="0"/>
+              <a:t>Project Name</a:t>
             </a:r>
           </a:p>
         </p:txBody>
@@ -911,6 +3333,39 @@
           <a:chExt cx="0" cy="0"/>
         </a:xfrm>
       </p:grpSpPr>
+      <p:sp>
+        <p:nvSpPr>
+          <p:cNvPr id="12" name="Picture Placeholder 13">
+            <a:extLst>
+              <a:ext uri="{FF2B5EF4-FFF2-40B4-BE49-F238E27FC236}">
+                <a16:creationId xmlns:a16="http://schemas.microsoft.com/office/drawing/2014/main" id="{2DB97592-C4D5-B315-7F11-AA14F6EE8A62}"/>
+              </a:ext>
+            </a:extLst>
+          </p:cNvPr>
+          <p:cNvSpPr>
+            <a:spLocks noGrp="1"/>
+          </p:cNvSpPr>
+          <p:nvPr>
+            <p:ph type="pic" sz="quarter" idx="13"/>
+          </p:nvPr>
+        </p:nvSpPr>
+        <p:spPr>
+          <a:xfrm>
+            <a:off x="313593" y="4536078"/>
+            <a:ext cx="2143858" cy="529698"/>
+          </a:xfrm>
+          <a:prstGeom prst="rect">
+            <a:avLst/>
+          </a:prstGeom>
+        </p:spPr>
+        <p:txBody>
+          <a:bodyPr/>
+          <a:lstStyle/>
+          <a:p>
+            <a:endParaRPr lang="en-US" dirty="0"/>
+          </a:p>
+        </p:txBody>
+      </p:sp>
       <p:sp>
         <p:nvSpPr>
           <p:cNvPr id="3" name="Shape 1">
@@ -1007,69 +3462,6 @@
       </p:sp>
       <p:sp>
         <p:nvSpPr>
-          <p:cNvPr id="12" name="Picture Placeholder 13">
-            <a:extLst>
-              <a:ext uri="{FF2B5EF4-FFF2-40B4-BE49-F238E27FC236}">
-                <a16:creationId xmlns:a16="http://schemas.microsoft.com/office/drawing/2014/main" id="{2DB97592-C4D5-B315-7F11-AA14F6EE8A62}"/>
-              </a:ext>
-            </a:extLst>
-          </p:cNvPr>
-          <p:cNvSpPr>
-            <a:spLocks noGrp="1"/>
-          </p:cNvSpPr>
-          <p:nvPr>
-            <p:ph type="pic" sz="quarter" idx="13"/>
-          </p:nvPr>
-        </p:nvSpPr>
-        <p:spPr>
-          <a:xfrm>
-            <a:off x="313593" y="4536078"/>
-            <a:ext cx="2143858" cy="529698"/>
-          </a:xfrm>
-          <a:prstGeom prst="rect">
-            <a:avLst/>
-          </a:prstGeom>
-        </p:spPr>
-        <p:txBody>
-          <a:bodyPr/>
-          <a:lstStyle/>
-          <a:p>
-            <a:endParaRPr lang="en-US" dirty="0"/>
-          </a:p>
-        </p:txBody>
-      </p:sp>
-      <p:pic>
-        <p:nvPicPr>
-          <p:cNvPr id="13" name="Image 0" descr="/home/claude/eo-framework-logo.png">
-            <a:extLst>
-              <a:ext uri="{FF2B5EF4-FFF2-40B4-BE49-F238E27FC236}">
-                <a16:creationId xmlns:a16="http://schemas.microsoft.com/office/drawing/2014/main" id="{25116040-BB88-891D-9118-628A78E99872}"/>
-              </a:ext>
-            </a:extLst>
-          </p:cNvPr>
-          <p:cNvPicPr>
-            <a:picLocks noChangeAspect="1"/>
-          </p:cNvPicPr>
-          <p:nvPr userDrawn="1"/>
-        </p:nvPicPr>
-        <p:blipFill>
-          <a:blip r:embed="rId2"/>
-          <a:stretch>
-            <a:fillRect/>
-          </a:stretch>
-        </p:blipFill>
-        <p:spPr>
-          <a:xfrm>
-            <a:off x="6945879" y="4648200"/>
-            <a:ext cx="1952244" cy="417576"/>
-          </a:xfrm>
-          <a:prstGeom prst="rect">
-            <a:avLst/>
-          </a:prstGeom>
-        </p:spPr>
-      </p:pic>
-      <p:sp>
-        <p:nvSpPr>
           <p:cNvPr id="4" name="Text Placeholder 3">
             <a:extLst>
               <a:ext uri="{FF2B5EF4-FFF2-40B4-BE49-F238E27FC236}">
@@ -1133,6 +3525,48 @@
           </a:p>
         </p:txBody>
       </p:sp>
+      <p:sp>
+        <p:nvSpPr>
+          <p:cNvPr id="5" name="Text Placeholder 4">
+            <a:extLst>
+              <a:ext uri="{FF2B5EF4-FFF2-40B4-BE49-F238E27FC236}">
+                <a16:creationId xmlns:a16="http://schemas.microsoft.com/office/drawing/2014/main" id="{162079A5-28FD-9D2F-2B9B-2FC8F9339A31}"/>
+              </a:ext>
+            </a:extLst>
+          </p:cNvPr>
+          <p:cNvSpPr>
+            <a:spLocks noGrp="1"/>
+          </p:cNvSpPr>
+          <p:nvPr>
+            <p:ph type="body" sz="quarter" idx="15" hasCustomPrompt="1"/>
+          </p:nvPr>
+        </p:nvSpPr>
+        <p:spPr>
+          <a:xfrm>
+            <a:off x="5627076" y="4738688"/>
+            <a:ext cx="3218473" cy="238125"/>
+          </a:xfrm>
+          <a:prstGeom prst="rect">
+            <a:avLst/>
+          </a:prstGeom>
+        </p:spPr>
+        <p:txBody>
+          <a:bodyPr/>
+          <a:lstStyle>
+            <a:lvl5pPr algn="r">
+              <a:buNone/>
+              <a:defRPr sz="1100"/>
+            </a:lvl5pPr>
+          </a:lstStyle>
+          <a:p>
+            <a:pPr lvl="4"/>
+            <a:r>
+              <a:rPr lang="en-US" dirty="0"/>
+              <a:t>Project Name</a:t>
+            </a:r>
+          </a:p>
+        </p:txBody>
+      </p:sp>
     </p:spTree>
     <p:extLst>
       <p:ext uri="{BB962C8B-B14F-4D97-AF65-F5344CB8AC3E}">
@@ -1163,6 +3597,39 @@
           <a:chExt cx="0" cy="0"/>
         </a:xfrm>
       </p:grpSpPr>
+      <p:sp>
+        <p:nvSpPr>
+          <p:cNvPr id="10" name="Picture Placeholder 13">
+            <a:extLst>
+              <a:ext uri="{FF2B5EF4-FFF2-40B4-BE49-F238E27FC236}">
+                <a16:creationId xmlns:a16="http://schemas.microsoft.com/office/drawing/2014/main" id="{6A0FA445-7602-F06E-EC73-5504EBF827CC}"/>
+              </a:ext>
+            </a:extLst>
+          </p:cNvPr>
+          <p:cNvSpPr>
+            <a:spLocks noGrp="1"/>
+          </p:cNvSpPr>
+          <p:nvPr>
+            <p:ph type="pic" sz="quarter" idx="14"/>
+          </p:nvPr>
+        </p:nvSpPr>
+        <p:spPr>
+          <a:xfrm>
+            <a:off x="313592" y="4536078"/>
+            <a:ext cx="2121877" cy="529698"/>
+          </a:xfrm>
+          <a:prstGeom prst="rect">
+            <a:avLst/>
+          </a:prstGeom>
+        </p:spPr>
+        <p:txBody>
+          <a:bodyPr/>
+          <a:lstStyle/>
+          <a:p>
+            <a:endParaRPr lang="en-US" dirty="0"/>
+          </a:p>
+        </p:txBody>
+      </p:sp>
       <p:sp>
         <p:nvSpPr>
           <p:cNvPr id="3" name="Shape 1">
@@ -1257,69 +3724,6 @@
           </a:p>
         </p:txBody>
       </p:sp>
-      <p:pic>
-        <p:nvPicPr>
-          <p:cNvPr id="8" name="Image 0" descr="/home/claude/eo-framework-logo.png">
-            <a:extLst>
-              <a:ext uri="{FF2B5EF4-FFF2-40B4-BE49-F238E27FC236}">
-                <a16:creationId xmlns:a16="http://schemas.microsoft.com/office/drawing/2014/main" id="{4B7035C6-0EF1-6BD3-318E-553D1AAD6709}"/>
-              </a:ext>
-            </a:extLst>
-          </p:cNvPr>
-          <p:cNvPicPr>
-            <a:picLocks noChangeAspect="1"/>
-          </p:cNvPicPr>
-          <p:nvPr userDrawn="1"/>
-        </p:nvPicPr>
-        <p:blipFill>
-          <a:blip r:embed="rId2"/>
-          <a:stretch>
-            <a:fillRect/>
-          </a:stretch>
-        </p:blipFill>
-        <p:spPr>
-          <a:xfrm>
-            <a:off x="6945879" y="4648200"/>
-            <a:ext cx="1952244" cy="417576"/>
-          </a:xfrm>
-          <a:prstGeom prst="rect">
-            <a:avLst/>
-          </a:prstGeom>
-        </p:spPr>
-      </p:pic>
-      <p:sp>
-        <p:nvSpPr>
-          <p:cNvPr id="10" name="Picture Placeholder 13">
-            <a:extLst>
-              <a:ext uri="{FF2B5EF4-FFF2-40B4-BE49-F238E27FC236}">
-                <a16:creationId xmlns:a16="http://schemas.microsoft.com/office/drawing/2014/main" id="{6A0FA445-7602-F06E-EC73-5504EBF827CC}"/>
-              </a:ext>
-            </a:extLst>
-          </p:cNvPr>
-          <p:cNvSpPr>
-            <a:spLocks noGrp="1"/>
-          </p:cNvSpPr>
-          <p:nvPr>
-            <p:ph type="pic" sz="quarter" idx="14"/>
-          </p:nvPr>
-        </p:nvSpPr>
-        <p:spPr>
-          <a:xfrm>
-            <a:off x="313592" y="4536078"/>
-            <a:ext cx="2121877" cy="529698"/>
-          </a:xfrm>
-          <a:prstGeom prst="rect">
-            <a:avLst/>
-          </a:prstGeom>
-        </p:spPr>
-        <p:txBody>
-          <a:bodyPr/>
-          <a:lstStyle/>
-          <a:p>
-            <a:endParaRPr lang="en-US" dirty="0"/>
-          </a:p>
-        </p:txBody>
-      </p:sp>
       <p:sp>
         <p:nvSpPr>
           <p:cNvPr id="6" name="Text Placeholder 5">
@@ -1339,7 +3743,7 @@
         <p:spPr>
           <a:xfrm>
             <a:off x="193675" y="678433"/>
-            <a:ext cx="4462463" cy="3785515"/>
+            <a:ext cx="4431079" cy="3785515"/>
           </a:xfrm>
           <a:prstGeom prst="rect">
             <a:avLst/>
@@ -1349,7 +3753,7 @@
           <a:bodyPr/>
           <a:lstStyle>
             <a:lvl1pPr>
-              <a:defRPr sz="1800">
+              <a:defRPr sz="1800" b="1">
                 <a:solidFill>
                   <a:srgbClr val="C00000"/>
                 </a:solidFill>
@@ -1423,8 +3827,8 @@
         </p:nvSpPr>
         <p:spPr>
           <a:xfrm>
-            <a:off x="4840288" y="678433"/>
-            <a:ext cx="4110037" cy="3785515"/>
+            <a:off x="4721470" y="678433"/>
+            <a:ext cx="4228856" cy="3785515"/>
           </a:xfrm>
           <a:prstGeom prst="rect">
             <a:avLst/>
@@ -1434,7 +3838,7 @@
           <a:bodyPr/>
           <a:lstStyle>
             <a:lvl1pPr>
-              <a:defRPr sz="1800">
+              <a:defRPr sz="1800" b="1">
                 <a:solidFill>
                   <a:srgbClr val="C00000"/>
                 </a:solidFill>
@@ -1486,6 +3890,48 @@
             <a:r>
               <a:rPr lang="en-US" dirty="0"/>
               <a:t>Fifth level</a:t>
+            </a:r>
+          </a:p>
+        </p:txBody>
+      </p:sp>
+      <p:sp>
+        <p:nvSpPr>
+          <p:cNvPr id="4" name="Text Placeholder 4">
+            <a:extLst>
+              <a:ext uri="{FF2B5EF4-FFF2-40B4-BE49-F238E27FC236}">
+                <a16:creationId xmlns:a16="http://schemas.microsoft.com/office/drawing/2014/main" id="{5DF49ED0-89F0-F008-ADD7-D71F338C8B9B}"/>
+              </a:ext>
+            </a:extLst>
+          </p:cNvPr>
+          <p:cNvSpPr>
+            <a:spLocks noGrp="1"/>
+          </p:cNvSpPr>
+          <p:nvPr>
+            <p:ph type="body" sz="quarter" idx="15" hasCustomPrompt="1"/>
+          </p:nvPr>
+        </p:nvSpPr>
+        <p:spPr>
+          <a:xfrm>
+            <a:off x="5697414" y="4681864"/>
+            <a:ext cx="3218473" cy="238125"/>
+          </a:xfrm>
+          <a:prstGeom prst="rect">
+            <a:avLst/>
+          </a:prstGeom>
+        </p:spPr>
+        <p:txBody>
+          <a:bodyPr/>
+          <a:lstStyle>
+            <a:lvl5pPr algn="r">
+              <a:buNone/>
+              <a:defRPr sz="1100"/>
+            </a:lvl5pPr>
+          </a:lstStyle>
+          <a:p>
+            <a:pPr lvl="4"/>
+            <a:r>
+              <a:rPr lang="en-US" dirty="0"/>
+              <a:t>Project Name</a:t>
             </a:r>
           </a:p>
         </p:txBody>
@@ -1520,6 +3966,39 @@
           <a:chExt cx="0" cy="0"/>
         </a:xfrm>
       </p:grpSpPr>
+      <p:sp>
+        <p:nvSpPr>
+          <p:cNvPr id="12" name="Picture Placeholder 13">
+            <a:extLst>
+              <a:ext uri="{FF2B5EF4-FFF2-40B4-BE49-F238E27FC236}">
+                <a16:creationId xmlns:a16="http://schemas.microsoft.com/office/drawing/2014/main" id="{2DB97592-C4D5-B315-7F11-AA14F6EE8A62}"/>
+              </a:ext>
+            </a:extLst>
+          </p:cNvPr>
+          <p:cNvSpPr>
+            <a:spLocks noGrp="1"/>
+          </p:cNvSpPr>
+          <p:nvPr>
+            <p:ph type="pic" sz="quarter" idx="13"/>
+          </p:nvPr>
+        </p:nvSpPr>
+        <p:spPr>
+          <a:xfrm>
+            <a:off x="313592" y="4536078"/>
+            <a:ext cx="2126273" cy="529698"/>
+          </a:xfrm>
+          <a:prstGeom prst="rect">
+            <a:avLst/>
+          </a:prstGeom>
+        </p:spPr>
+        <p:txBody>
+          <a:bodyPr/>
+          <a:lstStyle/>
+          <a:p>
+            <a:endParaRPr lang="en-US" dirty="0"/>
+          </a:p>
+        </p:txBody>
+      </p:sp>
       <p:sp>
         <p:nvSpPr>
           <p:cNvPr id="3" name="Shape 1">
@@ -1643,69 +4122,6 @@
       </p:sp>
       <p:sp>
         <p:nvSpPr>
-          <p:cNvPr id="12" name="Picture Placeholder 13">
-            <a:extLst>
-              <a:ext uri="{FF2B5EF4-FFF2-40B4-BE49-F238E27FC236}">
-                <a16:creationId xmlns:a16="http://schemas.microsoft.com/office/drawing/2014/main" id="{2DB97592-C4D5-B315-7F11-AA14F6EE8A62}"/>
-              </a:ext>
-            </a:extLst>
-          </p:cNvPr>
-          <p:cNvSpPr>
-            <a:spLocks noGrp="1"/>
-          </p:cNvSpPr>
-          <p:nvPr>
-            <p:ph type="pic" sz="quarter" idx="13"/>
-          </p:nvPr>
-        </p:nvSpPr>
-        <p:spPr>
-          <a:xfrm>
-            <a:off x="313592" y="4536078"/>
-            <a:ext cx="2126273" cy="529698"/>
-          </a:xfrm>
-          <a:prstGeom prst="rect">
-            <a:avLst/>
-          </a:prstGeom>
-        </p:spPr>
-        <p:txBody>
-          <a:bodyPr/>
-          <a:lstStyle/>
-          <a:p>
-            <a:endParaRPr lang="en-US" dirty="0"/>
-          </a:p>
-        </p:txBody>
-      </p:sp>
-      <p:pic>
-        <p:nvPicPr>
-          <p:cNvPr id="13" name="Image 0" descr="/home/claude/eo-framework-logo.png">
-            <a:extLst>
-              <a:ext uri="{FF2B5EF4-FFF2-40B4-BE49-F238E27FC236}">
-                <a16:creationId xmlns:a16="http://schemas.microsoft.com/office/drawing/2014/main" id="{25116040-BB88-891D-9118-628A78E99872}"/>
-              </a:ext>
-            </a:extLst>
-          </p:cNvPr>
-          <p:cNvPicPr>
-            <a:picLocks noChangeAspect="1"/>
-          </p:cNvPicPr>
-          <p:nvPr userDrawn="1"/>
-        </p:nvPicPr>
-        <p:blipFill>
-          <a:blip r:embed="rId2"/>
-          <a:stretch>
-            <a:fillRect/>
-          </a:stretch>
-        </p:blipFill>
-        <p:spPr>
-          <a:xfrm>
-            <a:off x="6945879" y="4648200"/>
-            <a:ext cx="1952244" cy="417576"/>
-          </a:xfrm>
-          <a:prstGeom prst="rect">
-            <a:avLst/>
-          </a:prstGeom>
-        </p:spPr>
-      </p:pic>
-      <p:sp>
-        <p:nvSpPr>
           <p:cNvPr id="5" name="Table Placeholder 4">
             <a:extLst>
               <a:ext uri="{FF2B5EF4-FFF2-40B4-BE49-F238E27FC236}">
@@ -1734,6 +4150,48 @@
           <a:lstStyle/>
           <a:p>
             <a:endParaRPr lang="en-US"/>
+          </a:p>
+        </p:txBody>
+      </p:sp>
+      <p:sp>
+        <p:nvSpPr>
+          <p:cNvPr id="4" name="Text Placeholder 4">
+            <a:extLst>
+              <a:ext uri="{FF2B5EF4-FFF2-40B4-BE49-F238E27FC236}">
+                <a16:creationId xmlns:a16="http://schemas.microsoft.com/office/drawing/2014/main" id="{A00DC936-676C-1BAA-B4B4-D45CC5951D6E}"/>
+              </a:ext>
+            </a:extLst>
+          </p:cNvPr>
+          <p:cNvSpPr>
+            <a:spLocks noGrp="1"/>
+          </p:cNvSpPr>
+          <p:nvPr>
+            <p:ph type="body" sz="quarter" idx="15" hasCustomPrompt="1"/>
+          </p:nvPr>
+        </p:nvSpPr>
+        <p:spPr>
+          <a:xfrm>
+            <a:off x="5749315" y="4681864"/>
+            <a:ext cx="3218473" cy="238125"/>
+          </a:xfrm>
+          <a:prstGeom prst="rect">
+            <a:avLst/>
+          </a:prstGeom>
+        </p:spPr>
+        <p:txBody>
+          <a:bodyPr/>
+          <a:lstStyle>
+            <a:lvl5pPr algn="r">
+              <a:buNone/>
+              <a:defRPr sz="1100"/>
+            </a:lvl5pPr>
+          </a:lstStyle>
+          <a:p>
+            <a:pPr lvl="4"/>
+            <a:r>
+              <a:rPr lang="en-US" dirty="0"/>
+              <a:t>Project Name</a:t>
+            </a:r>
           </a:p>
         </p:txBody>
       </p:sp>
@@ -1767,6 +4225,39 @@
           <a:chExt cx="0" cy="0"/>
         </a:xfrm>
       </p:grpSpPr>
+      <p:sp>
+        <p:nvSpPr>
+          <p:cNvPr id="10" name="Picture Placeholder 13">
+            <a:extLst>
+              <a:ext uri="{FF2B5EF4-FFF2-40B4-BE49-F238E27FC236}">
+                <a16:creationId xmlns:a16="http://schemas.microsoft.com/office/drawing/2014/main" id="{6A0FA445-7602-F06E-EC73-5504EBF827CC}"/>
+              </a:ext>
+            </a:extLst>
+          </p:cNvPr>
+          <p:cNvSpPr>
+            <a:spLocks noGrp="1"/>
+          </p:cNvSpPr>
+          <p:nvPr>
+            <p:ph type="pic" sz="quarter" idx="14"/>
+          </p:nvPr>
+        </p:nvSpPr>
+        <p:spPr>
+          <a:xfrm>
+            <a:off x="313592" y="4536078"/>
+            <a:ext cx="2130670" cy="529698"/>
+          </a:xfrm>
+          <a:prstGeom prst="rect">
+            <a:avLst/>
+          </a:prstGeom>
+        </p:spPr>
+        <p:txBody>
+          <a:bodyPr/>
+          <a:lstStyle/>
+          <a:p>
+            <a:endParaRPr lang="en-US" dirty="0"/>
+          </a:p>
+        </p:txBody>
+      </p:sp>
       <p:sp>
         <p:nvSpPr>
           <p:cNvPr id="3" name="Shape 1">
@@ -1861,69 +4352,6 @@
           </a:p>
         </p:txBody>
       </p:sp>
-      <p:pic>
-        <p:nvPicPr>
-          <p:cNvPr id="8" name="Image 0" descr="/home/claude/eo-framework-logo.png">
-            <a:extLst>
-              <a:ext uri="{FF2B5EF4-FFF2-40B4-BE49-F238E27FC236}">
-                <a16:creationId xmlns:a16="http://schemas.microsoft.com/office/drawing/2014/main" id="{4B7035C6-0EF1-6BD3-318E-553D1AAD6709}"/>
-              </a:ext>
-            </a:extLst>
-          </p:cNvPr>
-          <p:cNvPicPr>
-            <a:picLocks noChangeAspect="1"/>
-          </p:cNvPicPr>
-          <p:nvPr userDrawn="1"/>
-        </p:nvPicPr>
-        <p:blipFill>
-          <a:blip r:embed="rId2"/>
-          <a:stretch>
-            <a:fillRect/>
-          </a:stretch>
-        </p:blipFill>
-        <p:spPr>
-          <a:xfrm>
-            <a:off x="6945879" y="4648200"/>
-            <a:ext cx="1952244" cy="417576"/>
-          </a:xfrm>
-          <a:prstGeom prst="rect">
-            <a:avLst/>
-          </a:prstGeom>
-        </p:spPr>
-      </p:pic>
-      <p:sp>
-        <p:nvSpPr>
-          <p:cNvPr id="10" name="Picture Placeholder 13">
-            <a:extLst>
-              <a:ext uri="{FF2B5EF4-FFF2-40B4-BE49-F238E27FC236}">
-                <a16:creationId xmlns:a16="http://schemas.microsoft.com/office/drawing/2014/main" id="{6A0FA445-7602-F06E-EC73-5504EBF827CC}"/>
-              </a:ext>
-            </a:extLst>
-          </p:cNvPr>
-          <p:cNvSpPr>
-            <a:spLocks noGrp="1"/>
-          </p:cNvSpPr>
-          <p:nvPr>
-            <p:ph type="pic" sz="quarter" idx="14"/>
-          </p:nvPr>
-        </p:nvSpPr>
-        <p:spPr>
-          <a:xfrm>
-            <a:off x="313592" y="4536078"/>
-            <a:ext cx="2130670" cy="529698"/>
-          </a:xfrm>
-          <a:prstGeom prst="rect">
-            <a:avLst/>
-          </a:prstGeom>
-        </p:spPr>
-        <p:txBody>
-          <a:bodyPr/>
-          <a:lstStyle/>
-          <a:p>
-            <a:endParaRPr lang="en-US" dirty="0"/>
-          </a:p>
-        </p:txBody>
-      </p:sp>
       <p:sp>
         <p:nvSpPr>
           <p:cNvPr id="6" name="Picture Placeholder 5">
@@ -1986,7 +4414,7 @@
           <a:bodyPr/>
           <a:lstStyle>
             <a:lvl1pPr>
-              <a:defRPr sz="1800">
+              <a:defRPr sz="1800" b="1">
                 <a:solidFill>
                   <a:srgbClr val="C00000"/>
                 </a:solidFill>
@@ -2038,6 +4466,48 @@
             <a:r>
               <a:rPr lang="en-US" dirty="0"/>
               <a:t>Fifth level</a:t>
+            </a:r>
+          </a:p>
+        </p:txBody>
+      </p:sp>
+      <p:sp>
+        <p:nvSpPr>
+          <p:cNvPr id="2" name="Text Placeholder 4">
+            <a:extLst>
+              <a:ext uri="{FF2B5EF4-FFF2-40B4-BE49-F238E27FC236}">
+                <a16:creationId xmlns:a16="http://schemas.microsoft.com/office/drawing/2014/main" id="{6D03683B-7C4B-D474-74C5-EC53E3BB515B}"/>
+              </a:ext>
+            </a:extLst>
+          </p:cNvPr>
+          <p:cNvSpPr>
+            <a:spLocks noGrp="1"/>
+          </p:cNvSpPr>
+          <p:nvPr>
+            <p:ph type="body" sz="quarter" idx="17" hasCustomPrompt="1"/>
+          </p:nvPr>
+        </p:nvSpPr>
+        <p:spPr>
+          <a:xfrm>
+            <a:off x="5781065" y="4729530"/>
+            <a:ext cx="3218473" cy="238125"/>
+          </a:xfrm>
+          <a:prstGeom prst="rect">
+            <a:avLst/>
+          </a:prstGeom>
+        </p:spPr>
+        <p:txBody>
+          <a:bodyPr/>
+          <a:lstStyle>
+            <a:lvl5pPr algn="r">
+              <a:buNone/>
+              <a:defRPr sz="1100"/>
+            </a:lvl5pPr>
+          </a:lstStyle>
+          <a:p>
+            <a:pPr lvl="4"/>
+            <a:r>
+              <a:rPr lang="en-US" dirty="0"/>
+              <a:t>Project Name</a:t>
             </a:r>
           </a:p>
         </p:txBody>
@@ -2072,6 +4542,39 @@
           <a:chExt cx="0" cy="0"/>
         </a:xfrm>
       </p:grpSpPr>
+      <p:sp>
+        <p:nvSpPr>
+          <p:cNvPr id="10" name="Picture Placeholder 13">
+            <a:extLst>
+              <a:ext uri="{FF2B5EF4-FFF2-40B4-BE49-F238E27FC236}">
+                <a16:creationId xmlns:a16="http://schemas.microsoft.com/office/drawing/2014/main" id="{6A0FA445-7602-F06E-EC73-5504EBF827CC}"/>
+              </a:ext>
+            </a:extLst>
+          </p:cNvPr>
+          <p:cNvSpPr>
+            <a:spLocks noGrp="1"/>
+          </p:cNvSpPr>
+          <p:nvPr>
+            <p:ph type="pic" sz="quarter" idx="14"/>
+          </p:nvPr>
+        </p:nvSpPr>
+        <p:spPr>
+          <a:xfrm>
+            <a:off x="313592" y="4536078"/>
+            <a:ext cx="2104294" cy="529698"/>
+          </a:xfrm>
+          <a:prstGeom prst="rect">
+            <a:avLst/>
+          </a:prstGeom>
+        </p:spPr>
+        <p:txBody>
+          <a:bodyPr/>
+          <a:lstStyle/>
+          <a:p>
+            <a:endParaRPr lang="en-US" dirty="0"/>
+          </a:p>
+        </p:txBody>
+      </p:sp>
       <p:sp>
         <p:nvSpPr>
           <p:cNvPr id="3" name="Shape 1">
@@ -2166,69 +4669,6 @@
           </a:p>
         </p:txBody>
       </p:sp>
-      <p:pic>
-        <p:nvPicPr>
-          <p:cNvPr id="8" name="Image 0" descr="/home/claude/eo-framework-logo.png">
-            <a:extLst>
-              <a:ext uri="{FF2B5EF4-FFF2-40B4-BE49-F238E27FC236}">
-                <a16:creationId xmlns:a16="http://schemas.microsoft.com/office/drawing/2014/main" id="{4B7035C6-0EF1-6BD3-318E-553D1AAD6709}"/>
-              </a:ext>
-            </a:extLst>
-          </p:cNvPr>
-          <p:cNvPicPr>
-            <a:picLocks noChangeAspect="1"/>
-          </p:cNvPicPr>
-          <p:nvPr userDrawn="1"/>
-        </p:nvPicPr>
-        <p:blipFill>
-          <a:blip r:embed="rId2"/>
-          <a:stretch>
-            <a:fillRect/>
-          </a:stretch>
-        </p:blipFill>
-        <p:spPr>
-          <a:xfrm>
-            <a:off x="6945879" y="4648200"/>
-            <a:ext cx="1952244" cy="417576"/>
-          </a:xfrm>
-          <a:prstGeom prst="rect">
-            <a:avLst/>
-          </a:prstGeom>
-        </p:spPr>
-      </p:pic>
-      <p:sp>
-        <p:nvSpPr>
-          <p:cNvPr id="10" name="Picture Placeholder 13">
-            <a:extLst>
-              <a:ext uri="{FF2B5EF4-FFF2-40B4-BE49-F238E27FC236}">
-                <a16:creationId xmlns:a16="http://schemas.microsoft.com/office/drawing/2014/main" id="{6A0FA445-7602-F06E-EC73-5504EBF827CC}"/>
-              </a:ext>
-            </a:extLst>
-          </p:cNvPr>
-          <p:cNvSpPr>
-            <a:spLocks noGrp="1"/>
-          </p:cNvSpPr>
-          <p:nvPr>
-            <p:ph type="pic" sz="quarter" idx="14"/>
-          </p:nvPr>
-        </p:nvSpPr>
-        <p:spPr>
-          <a:xfrm>
-            <a:off x="313592" y="4536078"/>
-            <a:ext cx="2104294" cy="529698"/>
-          </a:xfrm>
-          <a:prstGeom prst="rect">
-            <a:avLst/>
-          </a:prstGeom>
-        </p:spPr>
-        <p:txBody>
-          <a:bodyPr/>
-          <a:lstStyle/>
-          <a:p>
-            <a:endParaRPr lang="en-US" dirty="0"/>
-          </a:p>
-        </p:txBody>
-      </p:sp>
       <p:sp>
         <p:nvSpPr>
           <p:cNvPr id="5" name="Chart Placeholder 4">
@@ -2291,7 +4731,7 @@
           <a:bodyPr/>
           <a:lstStyle>
             <a:lvl1pPr>
-              <a:defRPr sz="1800">
+              <a:defRPr sz="1800" b="1">
                 <a:solidFill>
                   <a:srgbClr val="C00000"/>
                 </a:solidFill>
@@ -2343,6 +4783,48 @@
             <a:r>
               <a:rPr lang="en-US" dirty="0"/>
               <a:t>Fifth level</a:t>
+            </a:r>
+          </a:p>
+        </p:txBody>
+      </p:sp>
+      <p:sp>
+        <p:nvSpPr>
+          <p:cNvPr id="4" name="Text Placeholder 4">
+            <a:extLst>
+              <a:ext uri="{FF2B5EF4-FFF2-40B4-BE49-F238E27FC236}">
+                <a16:creationId xmlns:a16="http://schemas.microsoft.com/office/drawing/2014/main" id="{A1231DFE-6A5A-950E-159E-9E1D3D45FD36}"/>
+              </a:ext>
+            </a:extLst>
+          </p:cNvPr>
+          <p:cNvSpPr>
+            <a:spLocks noGrp="1"/>
+          </p:cNvSpPr>
+          <p:nvPr>
+            <p:ph type="body" sz="quarter" idx="17" hasCustomPrompt="1"/>
+          </p:nvPr>
+        </p:nvSpPr>
+        <p:spPr>
+          <a:xfrm>
+            <a:off x="5679465" y="4681864"/>
+            <a:ext cx="3218473" cy="238125"/>
+          </a:xfrm>
+          <a:prstGeom prst="rect">
+            <a:avLst/>
+          </a:prstGeom>
+        </p:spPr>
+        <p:txBody>
+          <a:bodyPr/>
+          <a:lstStyle>
+            <a:lvl5pPr algn="r">
+              <a:buNone/>
+              <a:defRPr sz="900"/>
+            </a:lvl5pPr>
+          </a:lstStyle>
+          <a:p>
+            <a:pPr lvl="4"/>
+            <a:r>
+              <a:rPr lang="en-US" dirty="0"/>
+              <a:t>Project Name</a:t>
             </a:r>
           </a:p>
         </p:txBody>
@@ -3152,18 +5634,6 @@
       <p:grpSpPr/>
       <p:sp>
         <p:nvSpPr>
-          <p:cNvPr id="2" name="Picture Placeholder 1"/>
-          <p:cNvSpPr>
-            <a:spLocks noGrp="1"/>
-          </p:cNvSpPr>
-          <p:nvPr>
-            <p:ph type="pic" idx="10" sz="quarter"/>
-          </p:nvPr>
-        </p:nvSpPr>
-        <p:spPr/>
-      </p:sp>
-      <p:sp>
-        <p:nvSpPr>
           <p:cNvPr id="3" name="Text Placeholder 2"/>
           <p:cNvSpPr>
             <a:spLocks noGrp="1"/>
@@ -3178,22 +5648,10 @@
           <a:lstStyle/>
           <a:p>
             <a:r>
-              <a:t>Presentation Title</a:t>
+              <a:t>Project Closeout</a:t>
             </a:r>
           </a:p>
         </p:txBody>
-      </p:sp>
-      <p:sp>
-        <p:nvSpPr>
-          <p:cNvPr id="4" name="Picture Placeholder 3"/>
-          <p:cNvSpPr>
-            <a:spLocks noGrp="1"/>
-          </p:cNvSpPr>
-          <p:nvPr>
-            <p:ph type="pic" idx="13" sz="quarter"/>
-          </p:nvPr>
-        </p:nvSpPr>
-        <p:spPr/>
       </p:sp>
       <p:sp>
         <p:nvSpPr>
@@ -3211,7 +5669,7 @@
           <a:lstStyle/>
           <a:p>
             <a:r>
-              <a:t>Solution Name</a:t>
+              <a:t>Microsoft 365 Enterprise Deployment</a:t>
             </a:r>
           </a:p>
         </p:txBody>
@@ -3232,11 +5690,83 @@
           <a:lstStyle/>
           <a:p>
             <a:r>
-              <a:t>Presenter Name | November 15, 2025</a:t>
+              <a:t>Project Manager | November 27, 2025</a:t>
             </a:r>
           </a:p>
         </p:txBody>
       </p:sp>
+      <p:pic>
+        <p:nvPicPr>
+          <p:cNvPr id="7" name="Picture 6" descr="client_logo.png"/>
+          <p:cNvPicPr>
+            <a:picLocks noChangeAspect="1"/>
+          </p:cNvPicPr>
+          <p:nvPr/>
+        </p:nvPicPr>
+        <p:blipFill>
+          <a:blip r:embed="rId2"/>
+          <a:stretch>
+            <a:fillRect/>
+          </a:stretch>
+        </p:blipFill>
+        <p:spPr>
+          <a:xfrm>
+            <a:off x="2180492" y="171206"/>
+            <a:ext cx="3978520" cy="1314694"/>
+          </a:xfrm>
+          <a:prstGeom prst="rect">
+            <a:avLst/>
+          </a:prstGeom>
+        </p:spPr>
+      </p:pic>
+      <p:pic>
+        <p:nvPicPr>
+          <p:cNvPr id="8" name="Picture 7" descr="consulting_company_logo.png"/>
+          <p:cNvPicPr>
+            <a:picLocks noChangeAspect="1"/>
+          </p:cNvPicPr>
+          <p:nvPr/>
+        </p:nvPicPr>
+        <p:blipFill>
+          <a:blip r:embed="rId3"/>
+          <a:stretch>
+            <a:fillRect/>
+          </a:stretch>
+        </p:blipFill>
+        <p:spPr>
+          <a:xfrm>
+            <a:off x="313591" y="4536078"/>
+            <a:ext cx="2099897" cy="529698"/>
+          </a:xfrm>
+          <a:prstGeom prst="rect">
+            <a:avLst/>
+          </a:prstGeom>
+        </p:spPr>
+      </p:pic>
+      <p:pic>
+        <p:nvPicPr>
+          <p:cNvPr id="9" name="Picture 8" descr="eo-framework-logo-real.png"/>
+          <p:cNvPicPr>
+            <a:picLocks noChangeAspect="1"/>
+          </p:cNvPicPr>
+          <p:nvPr/>
+        </p:nvPicPr>
+        <p:blipFill>
+          <a:blip r:embed="rId4"/>
+          <a:stretch>
+            <a:fillRect/>
+          </a:stretch>
+        </p:blipFill>
+        <p:spPr>
+          <a:xfrm>
+            <a:off x="6684264" y="4535424"/>
+            <a:ext cx="2139696" cy="530352"/>
+          </a:xfrm>
+          <a:prstGeom prst="rect">
+            <a:avLst/>
+          </a:prstGeom>
+        </p:spPr>
+      </p:pic>
     </p:spTree>
   </p:cSld>
   <p:clrMapOvr>
@@ -3257,12 +5787,12 @@
       <p:grpSpPr/>
       <p:sp>
         <p:nvSpPr>
-          <p:cNvPr id="2" name="Text Placeholder 1"/>
+          <p:cNvPr id="3" name="Text Placeholder 2"/>
           <p:cNvSpPr>
             <a:spLocks noGrp="1"/>
           </p:cNvSpPr>
           <p:nvPr>
-            <p:ph type="body" idx="10" sz="quarter"/>
+            <p:ph type="body" idx="12" sz="quarter"/>
           </p:nvPr>
         </p:nvSpPr>
         <p:spPr/>
@@ -3271,26 +5801,14 @@
           <a:lstStyle/>
           <a:p>
             <a:r>
-              <a:t>🚀 **Future Opportunities**</a:t>
+              <a:t>Thank You</a:t>
             </a:r>
           </a:p>
         </p:txBody>
       </p:sp>
       <p:sp>
         <p:nvSpPr>
-          <p:cNvPr id="3" name="Picture Placeholder 2"/>
-          <p:cNvSpPr>
-            <a:spLocks noGrp="1"/>
-          </p:cNvSpPr>
-          <p:nvPr>
-            <p:ph type="pic" idx="13" sz="quarter"/>
-          </p:nvPr>
-        </p:nvSpPr>
-        <p:spPr/>
-      </p:sp>
-      <p:sp>
-        <p:nvSpPr>
-          <p:cNvPr id="4" name="Text Placeholder 3"/>
+          <p:cNvPr id="5" name="Text Placeholder 4"/>
           <p:cNvSpPr>
             <a:spLocks noGrp="1"/>
           </p:cNvSpPr>
@@ -3302,1227 +5820,98 @@
         <p:txBody>
           <a:bodyPr/>
           <a:lstStyle/>
-          <a:p>
-            <a:pPr/>
-            <a:r>
-              <a:rPr b="1"/>
-              <a:t>Microsoft Viva</a:t>
-            </a:r>
-            <a:r>
-              <a:t>: Employee experience platform for engagement and insights</a:t>
-            </a:r>
-          </a:p>
-          <a:p>
-            <a:pPr/>
-            <a:r>
-              <a:rPr b="1"/>
-              <a:t>Power Platform Expansion</a:t>
-            </a:r>
-            <a:r>
-              <a:t>: Custom application development and workflow automation</a:t>
-            </a:r>
-          </a:p>
-          <a:p>
-            <a:pPr/>
-            <a:r>
-              <a:rPr b="1"/>
-              <a:t>AI Integration</a:t>
-            </a:r>
-            <a:r>
-              <a:t>: Microsoft Copilot and AI-powered productivity enhancements</a:t>
-            </a:r>
-          </a:p>
-          <a:p>
-            <a:pPr/>
-            <a:r>
-              <a:rPr b="1"/>
-              <a:t>Advanced Analytics</a:t>
-            </a:r>
-            <a:r>
-              <a:t>: Workplace analytics and productivity insights</a:t>
-            </a:r>
-          </a:p>
-          <a:p>
-            <a:pPr/>
-            <a:r>
-              <a:rPr b="1"/>
-              <a:t>User Experience Optimization</a:t>
-            </a:r>
-            <a:r>
-              <a:t>: Ongoing UX improvements based on user feedback</a:t>
-            </a:r>
-          </a:p>
-          <a:p>
-            <a:pPr/>
-            <a:r>
-              <a:rPr b="1"/>
-              <a:t>Security Enhancement</a:t>
-            </a:r>
-            <a:r>
-              <a:t>: Advanced security features and zero-trust implementation</a:t>
-            </a:r>
-          </a:p>
-          <a:p>
-            <a:pPr/>
-            <a:r>
-              <a:rPr b="1"/>
-              <a:t>Compliance Expansion</a:t>
-            </a:r>
-            <a:r>
-              <a:t>: Additional compliance certifications and regulations</a:t>
-            </a:r>
-          </a:p>
-          <a:p>
-            <a:pPr/>
-            <a:r>
-              <a:rPr b="1"/>
-              <a:t>Integration Expansion</a:t>
-            </a:r>
-            <a:r>
-              <a:t>: Additional LOB application integrations and APIs</a:t>
-            </a:r>
-          </a:p>
+          <a:p/>
         </p:txBody>
       </p:sp>
-    </p:spTree>
-  </p:cSld>
-  <p:clrMapOvr>
-    <a:masterClrMapping/>
-  </p:clrMapOvr>
-</p:sld>
-</file>
-
-<file path=ppt/slides/slide11.xml><?xml version="1.0" encoding="utf-8"?>
-<p:sld xmlns:a="http://schemas.openxmlformats.org/drawingml/2006/main" xmlns:p="http://schemas.openxmlformats.org/presentationml/2006/main" xmlns:r="http://schemas.openxmlformats.org/officeDocument/2006/relationships">
-  <p:cSld>
-    <p:spTree>
-      <p:nvGrpSpPr>
-        <p:cNvPr id="1" name=""/>
-        <p:cNvGrpSpPr/>
-        <p:nvPr/>
-      </p:nvGrpSpPr>
-      <p:grpSpPr/>
-      <p:sp>
-        <p:nvSpPr>
-          <p:cNvPr id="2" name="Text Placeholder 1"/>
+      <p:sp>
+        <p:nvSpPr>
+          <p:cNvPr id="6" name="Text Placeholder 5"/>
           <p:cNvSpPr>
             <a:spLocks noGrp="1"/>
           </p:cNvSpPr>
           <p:nvPr>
-            <p:ph type="body" idx="10" sz="quarter"/>
+            <p:ph type="body" idx="15" sz="quarter"/>
           </p:nvPr>
         </p:nvSpPr>
         <p:spPr/>
         <p:txBody>
           <a:bodyPr/>
           <a:lstStyle/>
-          <a:p>
-            <a:r>
-              <a:t>🛡️ **Risk Mitigation**</a:t>
-            </a:r>
-          </a:p>
+          <a:p/>
         </p:txBody>
       </p:sp>
-      <p:sp>
-        <p:nvSpPr>
-          <p:cNvPr id="3" name="Picture Placeholder 2"/>
-          <p:cNvSpPr>
-            <a:spLocks noGrp="1"/>
-          </p:cNvSpPr>
-          <p:nvPr>
-            <p:ph type="pic" idx="13" sz="quarter"/>
-          </p:nvPr>
-        </p:nvSpPr>
-        <p:spPr/>
-      </p:sp>
-      <p:sp>
-        <p:nvSpPr>
-          <p:cNvPr id="4" name="Text Placeholder 3"/>
-          <p:cNvSpPr>
-            <a:spLocks noGrp="1"/>
-          </p:cNvSpPr>
-          <p:nvPr>
-            <p:ph type="body" idx="14" sz="quarter"/>
-          </p:nvPr>
-        </p:nvSpPr>
-        <p:spPr/>
-        <p:txBody>
-          <a:bodyPr/>
-          <a:lstStyle/>
-          <a:p>
-            <a:pPr/>
-            <a:r>
-              <a:rPr b="1"/>
-              <a:t>Data Protection</a:t>
-            </a:r>
-            <a:r>
-              <a:t>: Comprehensive encryption, DLP, and access controls implemented</a:t>
-            </a:r>
-          </a:p>
-          <a:p>
-            <a:pPr/>
-            <a:r>
-              <a:rPr b="1"/>
-              <a:t>Identity Security</a:t>
-            </a:r>
-            <a:r>
-              <a:t>: Strong authentication, conditional access, and identity protection</a:t>
-            </a:r>
-          </a:p>
-          <a:p>
-            <a:pPr/>
-            <a:r>
-              <a:rPr b="1"/>
-              <a:t>Threat Protection</a:t>
-            </a:r>
-            <a:r>
-              <a:t>: Advanced threat detection and automated response capabilities</a:t>
-            </a:r>
-          </a:p>
-          <a:p>
-            <a:pPr/>
-            <a:r>
-              <a:rPr b="1"/>
-              <a:t>Compliance Monitoring</a:t>
-            </a:r>
-            <a:r>
-              <a:t>: Continuous compliance monitoring and audit trail maintenance</a:t>
-            </a:r>
-          </a:p>
-          <a:p>
-            <a:pPr/>
-            <a:r>
-              <a:rPr b="1"/>
-              <a:t>Business Continuity</a:t>
-            </a:r>
-            <a:r>
-              <a:t>: Disaster recovery and business continuity plans tested</a:t>
-            </a:r>
-          </a:p>
-          <a:p>
-            <a:pPr/>
-            <a:r>
-              <a:rPr b="1"/>
-              <a:t>Change Management</a:t>
-            </a:r>
-            <a:r>
-              <a:t>: Controlled change processes with rollback capabilities</a:t>
-            </a:r>
-          </a:p>
-          <a:p>
-            <a:pPr/>
-            <a:r>
-              <a:rPr b="1"/>
-              <a:t>Vendor Management</a:t>
-            </a:r>
-            <a:r>
-              <a:t>: Microsoft partnership and support agreements established</a:t>
-            </a:r>
-          </a:p>
-          <a:p>
-            <a:pPr/>
-            <a:r>
-              <a:rPr b="1"/>
-              <a:t>Skills Development</a:t>
-            </a:r>
-            <a:r>
-              <a:t>: IT team training and knowledge transfer completed</a:t>
-            </a:r>
-          </a:p>
-        </p:txBody>
-      </p:sp>
-    </p:spTree>
-  </p:cSld>
-  <p:clrMapOvr>
-    <a:masterClrMapping/>
-  </p:clrMapOvr>
-</p:sld>
-</file>
-
-<file path=ppt/slides/slide12.xml><?xml version="1.0" encoding="utf-8"?>
-<p:sld xmlns:a="http://schemas.openxmlformats.org/drawingml/2006/main" xmlns:p="http://schemas.openxmlformats.org/presentationml/2006/main" xmlns:r="http://schemas.openxmlformats.org/officeDocument/2006/relationships">
-  <p:cSld>
-    <p:spTree>
-      <p:nvGrpSpPr>
-        <p:cNvPr id="1" name=""/>
-        <p:cNvGrpSpPr/>
-        <p:nvPr/>
-      </p:nvGrpSpPr>
-      <p:grpSpPr/>
-      <p:sp>
-        <p:nvSpPr>
-          <p:cNvPr id="2" name="Text Placeholder 1"/>
-          <p:cNvSpPr>
-            <a:spLocks noGrp="1"/>
-          </p:cNvSpPr>
-          <p:nvPr>
-            <p:ph type="body" idx="10" sz="quarter"/>
-          </p:nvPr>
-        </p:nvSpPr>
-        <p:spPr/>
-        <p:txBody>
-          <a:bodyPr/>
-          <a:lstStyle/>
-          <a:p>
-            <a:r>
-              <a:t>📋 **Compliance &amp; Governance**</a:t>
-            </a:r>
-          </a:p>
-        </p:txBody>
-      </p:sp>
-      <p:sp>
-        <p:nvSpPr>
-          <p:cNvPr id="3" name="Picture Placeholder 2"/>
-          <p:cNvSpPr>
-            <a:spLocks noGrp="1"/>
-          </p:cNvSpPr>
-          <p:nvPr>
-            <p:ph type="pic" idx="13" sz="quarter"/>
-          </p:nvPr>
-        </p:nvSpPr>
-        <p:spPr/>
-      </p:sp>
-      <p:sp>
-        <p:nvSpPr>
-          <p:cNvPr id="4" name="Text Placeholder 3"/>
-          <p:cNvSpPr>
-            <a:spLocks noGrp="1"/>
-          </p:cNvSpPr>
-          <p:nvPr>
-            <p:ph type="body" idx="14" sz="quarter"/>
-          </p:nvPr>
-        </p:nvSpPr>
-        <p:spPr/>
-        <p:txBody>
-          <a:bodyPr/>
-          <a:lstStyle/>
-          <a:p>
-            <a:pPr/>
-            <a:r>
-              <a:rPr b="1"/>
-              <a:t>Data Residency</a:t>
-            </a:r>
-            <a:r>
-              <a:t>: Ensured data storage complies with regional requirements</a:t>
-            </a:r>
-          </a:p>
-          <a:p>
-            <a:pPr/>
-            <a:r>
-              <a:rPr b="1"/>
-              <a:t>Privacy Regulations</a:t>
-            </a:r>
-            <a:r>
-              <a:t>: GDPR and privacy law compliance implemented</a:t>
-            </a:r>
-          </a:p>
-          <a:p>
-            <a:pPr/>
-            <a:r>
-              <a:rPr b="1"/>
-              <a:t>Industry Standards</a:t>
-            </a:r>
-            <a:r>
-              <a:t>: SOC 2, ISO 27001 compliance inherited from Microsoft</a:t>
-            </a:r>
-          </a:p>
-          <a:p>
-            <a:pPr/>
-            <a:r>
-              <a:rPr b="1"/>
-              <a:t>Audit Readiness</a:t>
-            </a:r>
-            <a:r>
-              <a:t>: Comprehensive logging and audit trail capabilities</a:t>
-            </a:r>
-          </a:p>
-          <a:p>
-            <a:pPr/>
-            <a:r>
-              <a:rPr b="1"/>
-              <a:t>Information Governance</a:t>
-            </a:r>
-            <a:r>
-              <a:t>: Retention policies and lifecycle management</a:t>
-            </a:r>
-          </a:p>
-          <a:p>
-            <a:pPr/>
-            <a:r>
-              <a:rPr b="1"/>
-              <a:t>Access Governance</a:t>
-            </a:r>
-            <a:r>
-              <a:t>: Regular access reviews and privilege management</a:t>
-            </a:r>
-          </a:p>
-          <a:p>
-            <a:pPr/>
-            <a:r>
-              <a:rPr b="1"/>
-              <a:t>Policy Enforcement</a:t>
-            </a:r>
-            <a:r>
-              <a:t>: Automated policy enforcement and violation detection</a:t>
-            </a:r>
-          </a:p>
-          <a:p>
-            <a:pPr/>
-            <a:r>
-              <a:rPr b="1"/>
-              <a:t>Change Governance</a:t>
-            </a:r>
-            <a:r>
-              <a:t>: Formal change management and approval processes</a:t>
-            </a:r>
-          </a:p>
-        </p:txBody>
-      </p:sp>
-    </p:spTree>
-  </p:cSld>
-  <p:clrMapOvr>
-    <a:masterClrMapping/>
-  </p:clrMapOvr>
-</p:sld>
-</file>
-
-<file path=ppt/slides/slide13.xml><?xml version="1.0" encoding="utf-8"?>
-<p:sld xmlns:a="http://schemas.openxmlformats.org/drawingml/2006/main" xmlns:p="http://schemas.openxmlformats.org/presentationml/2006/main" xmlns:r="http://schemas.openxmlformats.org/officeDocument/2006/relationships">
-  <p:cSld>
-    <p:spTree>
-      <p:nvGrpSpPr>
-        <p:cNvPr id="1" name=""/>
-        <p:cNvGrpSpPr/>
-        <p:nvPr/>
-      </p:nvGrpSpPr>
-      <p:grpSpPr/>
-      <p:sp>
-        <p:nvSpPr>
-          <p:cNvPr id="2" name="Text Placeholder 1"/>
-          <p:cNvSpPr>
-            <a:spLocks noGrp="1"/>
-          </p:cNvSpPr>
-          <p:nvPr>
-            <p:ph type="body" idx="10" sz="quarter"/>
-          </p:nvPr>
-        </p:nvSpPr>
-        <p:spPr/>
-        <p:txBody>
-          <a:bodyPr/>
-          <a:lstStyle/>
-          <a:p>
-            <a:r>
-              <a:t>📊 **Project Performance**</a:t>
-            </a:r>
-          </a:p>
-        </p:txBody>
-      </p:sp>
-      <p:sp>
-        <p:nvSpPr>
-          <p:cNvPr id="3" name="Picture Placeholder 2"/>
-          <p:cNvSpPr>
-            <a:spLocks noGrp="1"/>
-          </p:cNvSpPr>
-          <p:nvPr>
-            <p:ph type="pic" idx="13" sz="quarter"/>
-          </p:nvPr>
-        </p:nvSpPr>
-        <p:spPr/>
-      </p:sp>
-      <p:sp>
-        <p:nvSpPr>
-          <p:cNvPr id="4" name="Text Placeholder 3"/>
-          <p:cNvSpPr>
-            <a:spLocks noGrp="1"/>
-          </p:cNvSpPr>
-          <p:nvPr>
-            <p:ph type="body" idx="14" sz="quarter"/>
-          </p:nvPr>
-        </p:nvSpPr>
-        <p:spPr/>
-        <p:txBody>
-          <a:bodyPr/>
-          <a:lstStyle/>
-          <a:p>
-            <a:pPr/>
-            <a:r>
-              <a:rPr b="1"/>
-              <a:t>Project Duration</a:t>
-            </a:r>
-            <a:r>
-              <a:t>: Completed in 12 weeks as planned</a:t>
-            </a:r>
-          </a:p>
-          <a:p>
-            <a:pPr/>
-            <a:r>
-              <a:rPr b="1"/>
-              <a:t>Milestone Achievement</a:t>
-            </a:r>
-            <a:r>
-              <a:t>: 100% of major milestones delivered on time</a:t>
-            </a:r>
-          </a:p>
-          <a:p>
-            <a:pPr/>
-            <a:r>
-              <a:rPr b="1"/>
-              <a:t>Critical Path Management</a:t>
-            </a:r>
-            <a:r>
-              <a:t>: Proactive risk mitigation prevented delays</a:t>
-            </a:r>
-          </a:p>
-          <a:p>
-            <a:pPr/>
-            <a:r>
-              <a:rPr b="1"/>
-              <a:t>Resource Optimization</a:t>
-            </a:r>
-            <a:r>
-              <a:t>: Efficient resource utilization throughout project</a:t>
-            </a:r>
-          </a:p>
-          <a:p>
-            <a:pPr/>
-            <a:r>
-              <a:rPr b="1"/>
-              <a:t>Budget Variance</a:t>
-            </a:r>
-            <a:r>
-              <a:t>: Delivered 3% under budget</a:t>
-            </a:r>
-          </a:p>
-          <a:p>
-            <a:pPr/>
-            <a:r>
-              <a:rPr b="1"/>
-              <a:t>Cost Optimization</a:t>
-            </a:r>
-            <a:r>
-              <a:t>: Identified licensing savings opportunities</a:t>
-            </a:r>
-          </a:p>
-          <a:p>
-            <a:pPr/>
-            <a:r>
-              <a:rPr b="1"/>
-              <a:t>Value Engineering</a:t>
-            </a:r>
-            <a:r>
-              <a:t>: Optimized solution design for cost-effectiveness</a:t>
-            </a:r>
-          </a:p>
-          <a:p>
-            <a:pPr/>
-            <a:r>
-              <a:rPr b="1"/>
-              <a:t>ROI Achievement</a:t>
-            </a:r>
-            <a:r>
-              <a:t>: Exceeded projected ROI by 15%</a:t>
-            </a:r>
-          </a:p>
-          <a:p>
-            <a:pPr/>
-            <a:r>
-              <a:rPr b="1"/>
-              <a:t>Defect Rate</a:t>
-            </a:r>
-            <a:r>
-              <a:t>: Zero critical defects in production deployment</a:t>
-            </a:r>
-          </a:p>
-          <a:p>
-            <a:pPr/>
-            <a:r>
-              <a:rPr b="1"/>
-              <a:t>User Acceptance</a:t>
-            </a:r>
-            <a:r>
-              <a:t>: 98% user acceptance test pass rate</a:t>
-            </a:r>
-          </a:p>
-          <a:p>
-            <a:pPr/>
-            <a:r>
-              <a:rPr b="1"/>
-              <a:t>Performance Standards</a:t>
-            </a:r>
-            <a:r>
-              <a:t>: All performance SLAs met or exceeded</a:t>
-            </a:r>
-          </a:p>
-          <a:p>
-            <a:pPr/>
-            <a:r>
-              <a:rPr b="1"/>
-              <a:t>Documentation Quality</a:t>
-            </a:r>
-            <a:r>
-              <a:t>: Comprehensive documentation delivered</a:t>
-            </a:r>
-          </a:p>
-        </p:txBody>
-      </p:sp>
-    </p:spTree>
-  </p:cSld>
-  <p:clrMapOvr>
-    <a:masterClrMapping/>
-  </p:clrMapOvr>
-</p:sld>
-</file>
-
-<file path=ppt/slides/slide14.xml><?xml version="1.0" encoding="utf-8"?>
-<p:sld xmlns:a="http://schemas.openxmlformats.org/drawingml/2006/main" xmlns:p="http://schemas.openxmlformats.org/presentationml/2006/main" xmlns:r="http://schemas.openxmlformats.org/officeDocument/2006/relationships">
-  <p:cSld>
-    <p:spTree>
-      <p:nvGrpSpPr>
-        <p:cNvPr id="1" name=""/>
-        <p:cNvGrpSpPr/>
-        <p:nvPr/>
-      </p:nvGrpSpPr>
-      <p:grpSpPr/>
-      <p:sp>
-        <p:nvSpPr>
-          <p:cNvPr id="2" name="Text Placeholder 1"/>
-          <p:cNvSpPr>
-            <a:spLocks noGrp="1"/>
-          </p:cNvSpPr>
-          <p:nvPr>
-            <p:ph type="body" idx="10" sz="quarter"/>
-          </p:nvPr>
-        </p:nvSpPr>
-        <p:spPr/>
-        <p:txBody>
-          <a:bodyPr/>
-          <a:lstStyle/>
-          <a:p>
-            <a:r>
-              <a:t>🎯 **Success Factors**</a:t>
-            </a:r>
-          </a:p>
-        </p:txBody>
-      </p:sp>
-      <p:sp>
-        <p:nvSpPr>
-          <p:cNvPr id="3" name="Picture Placeholder 2"/>
-          <p:cNvSpPr>
-            <a:spLocks noGrp="1"/>
-          </p:cNvSpPr>
-          <p:nvPr>
-            <p:ph type="pic" idx="13" sz="quarter"/>
-          </p:nvPr>
-        </p:nvSpPr>
-        <p:spPr/>
-      </p:sp>
-      <p:sp>
-        <p:nvSpPr>
-          <p:cNvPr id="4" name="Text Placeholder 3"/>
-          <p:cNvSpPr>
-            <a:spLocks noGrp="1"/>
-          </p:cNvSpPr>
-          <p:nvPr>
-            <p:ph type="body" idx="14" sz="quarter"/>
-          </p:nvPr>
-        </p:nvSpPr>
-        <p:spPr/>
-        <p:txBody>
-          <a:bodyPr/>
-          <a:lstStyle/>
-          <a:p>
-            <a:pPr/>
-            <a:r>
-              <a:rPr b="1"/>
-              <a:t>Executive Sponsorship</a:t>
-            </a:r>
-            <a:r>
-              <a:t>: Strong leadership support and vision alignment</a:t>
-            </a:r>
-          </a:p>
-          <a:p>
-            <a:pPr/>
-            <a:r>
-              <a:rPr b="1"/>
-              <a:t>Change Management</a:t>
-            </a:r>
-            <a:r>
-              <a:t>: Comprehensive change management and communication</a:t>
-            </a:r>
-          </a:p>
-          <a:p>
-            <a:pPr/>
-            <a:r>
-              <a:rPr b="1"/>
-              <a:t>Technical Expertise</a:t>
-            </a:r>
-            <a:r>
-              <a:t>: Experienced team with M365 specialization</a:t>
-            </a:r>
-          </a:p>
-          <a:p>
-            <a:pPr/>
-            <a:r>
-              <a:rPr b="1"/>
-              <a:t>User Engagement</a:t>
-            </a:r>
-            <a:r>
-              <a:t>: Active user participation and feedback integration</a:t>
-            </a:r>
-          </a:p>
-          <a:p>
-            <a:pPr/>
-            <a:r>
-              <a:rPr b="1"/>
-              <a:t>Phased Deployment</a:t>
-            </a:r>
-            <a:r>
-              <a:t>: Risk-managed phased rollout approach</a:t>
-            </a:r>
-          </a:p>
-          <a:p>
-            <a:pPr/>
-            <a:r>
-              <a:rPr b="1"/>
-              <a:t>Pilot Testing</a:t>
-            </a:r>
-            <a:r>
-              <a:t>: Comprehensive pilot testing with representative user groups</a:t>
-            </a:r>
-          </a:p>
-          <a:p>
-            <a:pPr/>
-            <a:r>
-              <a:rPr b="1"/>
-              <a:t>Continuous Feedback</a:t>
-            </a:r>
-            <a:r>
-              <a:t>: Regular feedback collection and incorporation</a:t>
-            </a:r>
-          </a:p>
-          <a:p>
-            <a:pPr/>
-            <a:r>
-              <a:rPr b="1"/>
-              <a:t>Knowledge Transfer</a:t>
-            </a:r>
-            <a:r>
-              <a:t>: Thorough documentation and training delivery</a:t>
-            </a:r>
-          </a:p>
-        </p:txBody>
-      </p:sp>
-    </p:spTree>
-  </p:cSld>
-  <p:clrMapOvr>
-    <a:masterClrMapping/>
-  </p:clrMapOvr>
-</p:sld>
-</file>
-
-<file path=ppt/slides/slide15.xml><?xml version="1.0" encoding="utf-8"?>
-<p:sld xmlns:a="http://schemas.openxmlformats.org/drawingml/2006/main" xmlns:p="http://schemas.openxmlformats.org/presentationml/2006/main" xmlns:r="http://schemas.openxmlformats.org/officeDocument/2006/relationships">
-  <p:cSld>
-    <p:spTree>
-      <p:nvGrpSpPr>
-        <p:cNvPr id="1" name=""/>
-        <p:cNvGrpSpPr/>
-        <p:nvPr/>
-      </p:nvGrpSpPr>
-      <p:grpSpPr/>
-      <p:sp>
-        <p:nvSpPr>
-          <p:cNvPr id="2" name="Text Placeholder 1"/>
-          <p:cNvSpPr>
-            <a:spLocks noGrp="1"/>
-          </p:cNvSpPr>
-          <p:nvPr>
-            <p:ph type="body" idx="10" sz="quarter"/>
-          </p:nvPr>
-        </p:nvSpPr>
-        <p:spPr/>
-        <p:txBody>
-          <a:bodyPr/>
-          <a:lstStyle/>
-          <a:p>
-            <a:r>
-              <a:t>🔄 **Immediate Actions (0-30 days)**</a:t>
-            </a:r>
-          </a:p>
-        </p:txBody>
-      </p:sp>
-      <p:sp>
-        <p:nvSpPr>
-          <p:cNvPr id="3" name="Picture Placeholder 2"/>
-          <p:cNvSpPr>
-            <a:spLocks noGrp="1"/>
-          </p:cNvSpPr>
-          <p:nvPr>
-            <p:ph type="pic" idx="13" sz="quarter"/>
-          </p:nvPr>
-        </p:nvSpPr>
-        <p:spPr/>
-      </p:sp>
-      <p:sp>
-        <p:nvSpPr>
-          <p:cNvPr id="4" name="Text Placeholder 3"/>
-          <p:cNvSpPr>
-            <a:spLocks noGrp="1"/>
-          </p:cNvSpPr>
-          <p:nvPr>
-            <p:ph type="body" idx="14" sz="quarter"/>
-          </p:nvPr>
-        </p:nvSpPr>
-        <p:spPr/>
-        <p:txBody>
-          <a:bodyPr/>
-          <a:lstStyle/>
-          <a:p>
-            <a:pPr/>
-            <a:r>
-              <a:t>Performance Monitoring: Establish baseline performance metrics and monitoring</a:t>
-            </a:r>
-          </a:p>
-          <a:p>
-            <a:pPr/>
-            <a:r>
-              <a:t>User Support: Continue enhanced support during initial adoption period</a:t>
-            </a:r>
-          </a:p>
-          <a:p>
-            <a:pPr/>
-            <a:r>
-              <a:t>Quick Wins: Implement additional productivity features based on user feedback</a:t>
-            </a:r>
-          </a:p>
-          <a:p>
-            <a:pPr/>
-            <a:r>
-              <a:t>Security Review: Conduct post-deployment security assessment and hardening</a:t>
-            </a:r>
-          </a:p>
-        </p:txBody>
-      </p:sp>
-    </p:spTree>
-  </p:cSld>
-  <p:clrMapOvr>
-    <a:masterClrMapping/>
-  </p:clrMapOvr>
-</p:sld>
-</file>
-
-<file path=ppt/slides/slide16.xml><?xml version="1.0" encoding="utf-8"?>
-<p:sld xmlns:a="http://schemas.openxmlformats.org/drawingml/2006/main" xmlns:p="http://schemas.openxmlformats.org/presentationml/2006/main" xmlns:r="http://schemas.openxmlformats.org/officeDocument/2006/relationships">
-  <p:cSld>
-    <p:spTree>
-      <p:nvGrpSpPr>
-        <p:cNvPr id="1" name=""/>
-        <p:cNvGrpSpPr/>
-        <p:nvPr/>
-      </p:nvGrpSpPr>
-      <p:grpSpPr/>
-      <p:sp>
-        <p:nvSpPr>
-          <p:cNvPr id="2" name="Text Placeholder 1"/>
-          <p:cNvSpPr>
-            <a:spLocks noGrp="1"/>
-          </p:cNvSpPr>
-          <p:nvPr>
-            <p:ph type="body" idx="10" sz="quarter"/>
-          </p:nvPr>
-        </p:nvSpPr>
-        <p:spPr/>
-        <p:txBody>
-          <a:bodyPr/>
-          <a:lstStyle/>
-          <a:p>
-            <a:r>
-              <a:t>📈 **Short-term Initiatives (1-6 months)**</a:t>
-            </a:r>
-          </a:p>
-        </p:txBody>
-      </p:sp>
-      <p:sp>
-        <p:nvSpPr>
-          <p:cNvPr id="3" name="Picture Placeholder 2"/>
-          <p:cNvSpPr>
-            <a:spLocks noGrp="1"/>
-          </p:cNvSpPr>
-          <p:nvPr>
-            <p:ph type="pic" idx="13" sz="quarter"/>
-          </p:nvPr>
-        </p:nvSpPr>
-        <p:spPr/>
-      </p:sp>
-      <p:sp>
-        <p:nvSpPr>
-          <p:cNvPr id="4" name="Text Placeholder 3"/>
-          <p:cNvSpPr>
-            <a:spLocks noGrp="1"/>
-          </p:cNvSpPr>
-          <p:nvPr>
-            <p:ph type="body" idx="14" sz="quarter"/>
-          </p:nvPr>
-        </p:nvSpPr>
-        <p:spPr/>
-        <p:txBody>
-          <a:bodyPr/>
-          <a:lstStyle/>
-          <a:p>
-            <a:pPr/>
-            <a:r>
-              <a:t>Advanced Features: Deploy Power Platform solutions for business process automation</a:t>
-            </a:r>
-          </a:p>
-          <a:p>
-            <a:pPr/>
-            <a:r>
-              <a:t>Integration Expansion: Connect additional business applications with M365</a:t>
-            </a:r>
-          </a:p>
-          <a:p>
-            <a:pPr/>
-            <a:r>
-              <a:t>Analytics Implementation: Deploy workplace analytics and usage reporting</a:t>
-            </a:r>
-          </a:p>
-          <a:p>
-            <a:pPr/>
-            <a:r>
-              <a:t>Optimization Review: Conduct license optimization and cost review</a:t>
-            </a:r>
-          </a:p>
-        </p:txBody>
-      </p:sp>
-    </p:spTree>
-  </p:cSld>
-  <p:clrMapOvr>
-    <a:masterClrMapping/>
-  </p:clrMapOvr>
-</p:sld>
-</file>
-
-<file path=ppt/slides/slide17.xml><?xml version="1.0" encoding="utf-8"?>
-<p:sld xmlns:a="http://schemas.openxmlformats.org/drawingml/2006/main" xmlns:p="http://schemas.openxmlformats.org/presentationml/2006/main" xmlns:r="http://schemas.openxmlformats.org/officeDocument/2006/relationships">
-  <p:cSld>
-    <p:spTree>
-      <p:nvGrpSpPr>
-        <p:cNvPr id="1" name=""/>
-        <p:cNvGrpSpPr/>
-        <p:nvPr/>
-      </p:nvGrpSpPr>
-      <p:grpSpPr/>
-      <p:sp>
-        <p:nvSpPr>
-          <p:cNvPr id="2" name="Text Placeholder 1"/>
-          <p:cNvSpPr>
-            <a:spLocks noGrp="1"/>
-          </p:cNvSpPr>
-          <p:nvPr>
-            <p:ph type="body" idx="10" sz="quarter"/>
-          </p:nvPr>
-        </p:nvSpPr>
-        <p:spPr/>
-        <p:txBody>
-          <a:bodyPr/>
-          <a:lstStyle/>
-          <a:p>
-            <a:r>
-              <a:t>🚀 **Long-term Strategy (6-12 months)**</a:t>
-            </a:r>
-          </a:p>
-        </p:txBody>
-      </p:sp>
-      <p:sp>
-        <p:nvSpPr>
-          <p:cNvPr id="3" name="Picture Placeholder 2"/>
-          <p:cNvSpPr>
-            <a:spLocks noGrp="1"/>
-          </p:cNvSpPr>
-          <p:nvPr>
-            <p:ph type="pic" idx="13" sz="quarter"/>
-          </p:nvPr>
-        </p:nvSpPr>
-        <p:spPr/>
-      </p:sp>
-      <p:sp>
-        <p:nvSpPr>
-          <p:cNvPr id="4" name="Text Placeholder 3"/>
-          <p:cNvSpPr>
-            <a:spLocks noGrp="1"/>
-          </p:cNvSpPr>
-          <p:nvPr>
-            <p:ph type="body" idx="14" sz="quarter"/>
-          </p:nvPr>
-        </p:nvSpPr>
-        <p:spPr/>
-        <p:txBody>
-          <a:bodyPr/>
-          <a:lstStyle/>
-          <a:p>
-            <a:pPr/>
-            <a:r>
-              <a:t>Microsoft Viva: Implement employee experience platform</a:t>
-            </a:r>
-          </a:p>
-          <a:p>
-            <a:pPr/>
-            <a:r>
-              <a:t>AI Integration: Deploy Microsoft Copilot and AI-powered features</a:t>
-            </a:r>
-          </a:p>
-          <a:p>
-            <a:pPr/>
-            <a:r>
-              <a:t>Advanced Security: Implement zero-trust security model</a:t>
-            </a:r>
-          </a:p>
-          <a:p>
-            <a:pPr/>
-            <a:r>
-              <a:t>Global Expansion: Extend M365 deployment to additional regions/subsidiaries</a:t>
-            </a:r>
-          </a:p>
-        </p:txBody>
-      </p:sp>
-    </p:spTree>
-  </p:cSld>
-  <p:clrMapOvr>
-    <a:masterClrMapping/>
-  </p:clrMapOvr>
-</p:sld>
-</file>
-
-<file path=ppt/slides/slide18.xml><?xml version="1.0" encoding="utf-8"?>
-<p:sld xmlns:a="http://schemas.openxmlformats.org/drawingml/2006/main" xmlns:p="http://schemas.openxmlformats.org/presentationml/2006/main" xmlns:r="http://schemas.openxmlformats.org/officeDocument/2006/relationships">
-  <p:cSld>
-    <p:spTree>
-      <p:nvGrpSpPr>
-        <p:cNvPr id="1" name=""/>
-        <p:cNvGrpSpPr/>
-        <p:nvPr/>
-      </p:nvGrpSpPr>
-      <p:grpSpPr/>
-      <p:sp>
-        <p:nvSpPr>
-          <p:cNvPr id="2" name="Text Placeholder 1"/>
-          <p:cNvSpPr>
-            <a:spLocks noGrp="1"/>
-          </p:cNvSpPr>
-          <p:nvPr>
-            <p:ph type="body" idx="10" sz="quarter"/>
-          </p:nvPr>
-        </p:nvSpPr>
-        <p:spPr/>
-        <p:txBody>
-          <a:bodyPr/>
-          <a:lstStyle/>
-          <a:p>
-            <a:r>
-              <a:t>💼 **Ongoing Management**</a:t>
-            </a:r>
-          </a:p>
-        </p:txBody>
-      </p:sp>
-      <p:sp>
-        <p:nvSpPr>
-          <p:cNvPr id="3" name="Picture Placeholder 2"/>
-          <p:cNvSpPr>
-            <a:spLocks noGrp="1"/>
-          </p:cNvSpPr>
-          <p:nvPr>
-            <p:ph type="pic" idx="13" sz="quarter"/>
-          </p:nvPr>
-        </p:nvSpPr>
-        <p:spPr/>
-      </p:sp>
-      <p:sp>
-        <p:nvSpPr>
-          <p:cNvPr id="4" name="Text Placeholder 3"/>
-          <p:cNvSpPr>
-            <a:spLocks noGrp="1"/>
-          </p:cNvSpPr>
-          <p:nvPr>
-            <p:ph type="body" idx="14" sz="quarter"/>
-          </p:nvPr>
-        </p:nvSpPr>
-        <p:spPr/>
-        <p:txBody>
-          <a:bodyPr/>
-          <a:lstStyle/>
-          <a:p>
-            <a:pPr/>
-            <a:r>
-              <a:t>Governance Committee: Establish M365 governance and steering committee</a:t>
-            </a:r>
-          </a:p>
-          <a:p>
-            <a:pPr/>
-            <a:r>
-              <a:t>Training Program: Implement ongoing training and certification programs</a:t>
-            </a:r>
-          </a:p>
-          <a:p>
-            <a:pPr/>
-            <a:r>
-              <a:t>Innovation Pipeline: Regular evaluation of new M365 features and capabilities</a:t>
-            </a:r>
-          </a:p>
-          <a:p>
-            <a:pPr/>
-            <a:r>
-              <a:t>Performance Review: Quarterly business review and optimization planning</a:t>
-            </a:r>
-          </a:p>
-        </p:txBody>
-      </p:sp>
-    </p:spTree>
-  </p:cSld>
-  <p:clrMapOvr>
-    <a:masterClrMapping/>
-  </p:clrMapOvr>
-</p:sld>
-</file>
-
-<file path=ppt/slides/slide19.xml><?xml version="1.0" encoding="utf-8"?>
-<p:sld xmlns:a="http://schemas.openxmlformats.org/drawingml/2006/main" xmlns:p="http://schemas.openxmlformats.org/presentationml/2006/main" xmlns:r="http://schemas.openxmlformats.org/officeDocument/2006/relationships">
-  <p:cSld>
-    <p:spTree>
-      <p:nvGrpSpPr>
-        <p:cNvPr id="1" name=""/>
-        <p:cNvGrpSpPr/>
-        <p:nvPr/>
-      </p:nvGrpSpPr>
-      <p:grpSpPr/>
-      <p:sp>
-        <p:nvSpPr>
-          <p:cNvPr id="2" name="Text Placeholder 1"/>
-          <p:cNvSpPr>
-            <a:spLocks noGrp="1"/>
-          </p:cNvSpPr>
-          <p:nvPr>
-            <p:ph type="body" idx="10" sz="quarter"/>
-          </p:nvPr>
-        </p:nvSpPr>
-        <p:spPr/>
-        <p:txBody>
-          <a:bodyPr/>
-          <a:lstStyle/>
-          <a:p>
-            <a:r>
-              <a:t>🌟 **Project Success Summary**</a:t>
-            </a:r>
-          </a:p>
-        </p:txBody>
-      </p:sp>
-      <p:sp>
-        <p:nvSpPr>
-          <p:cNvPr id="3" name="Picture Placeholder 2"/>
-          <p:cNvSpPr>
-            <a:spLocks noGrp="1"/>
-          </p:cNvSpPr>
-          <p:nvPr>
-            <p:ph type="pic" idx="13" sz="quarter"/>
-          </p:nvPr>
-        </p:nvSpPr>
-        <p:spPr/>
-      </p:sp>
-      <p:sp>
-        <p:nvSpPr>
-          <p:cNvPr id="4" name="Text Placeholder 3"/>
-          <p:cNvSpPr>
-            <a:spLocks noGrp="1"/>
-          </p:cNvSpPr>
-          <p:nvPr>
-            <p:ph type="body" idx="14" sz="quarter"/>
-          </p:nvPr>
-        </p:nvSpPr>
-        <p:spPr/>
-        <p:txBody>
-          <a:bodyPr/>
-          <a:lstStyle/>
-          <a:p>
-            <a:pPr/>
-            <a:r>
-              <a:rPr b="1"/>
-              <a:t>Complete Modern Workplace</a:t>
-            </a:r>
-            <a:r>
-              <a:t>: Comprehensive M365 ecosystem deployment</a:t>
-            </a:r>
-          </a:p>
-          <a:p>
-            <a:pPr/>
-            <a:r>
-              <a:rPr b="1"/>
-              <a:t>Enhanced Security</a:t>
-            </a:r>
-            <a:r>
-              <a:t>: Enterprise-grade security and compliance implementation</a:t>
-            </a:r>
-          </a:p>
-          <a:p>
-            <a:pPr/>
-            <a:r>
-              <a:rPr b="1"/>
-              <a:t>User Adoption</a:t>
-            </a:r>
-            <a:r>
-              <a:t>: Successful change management and training program</a:t>
-            </a:r>
-          </a:p>
-          <a:p>
-            <a:pPr/>
-            <a:r>
-              <a:rPr b="1"/>
-              <a:t>Business Value</a:t>
-            </a:r>
-            <a:r>
-              <a:t>: Significant ROI and productivity improvements</a:t>
-            </a:r>
-          </a:p>
-          <a:p>
-            <a:pPr/>
-            <a:r>
-              <a:rPr b="1"/>
-              <a:t>$950K Annual Savings</a:t>
-            </a:r>
-            <a:r>
-              <a:t>: Combined infrastructure, operational, and productivity savings</a:t>
-            </a:r>
-          </a:p>
-          <a:p>
-            <a:pPr/>
-            <a:r>
-              <a:rPr b="1"/>
-              <a:t>99.9% Availability</a:t>
-            </a:r>
-            <a:r>
-              <a:t>: Enterprise-grade reliability and performance</a:t>
-            </a:r>
-          </a:p>
-          <a:p>
-            <a:pPr/>
-            <a:r>
-              <a:rPr b="1"/>
-              <a:t>100% User Migration</a:t>
-            </a:r>
-            <a:r>
-              <a:t>: Successful migration with zero data loss</a:t>
-            </a:r>
-          </a:p>
-          <a:p>
-            <a:pPr/>
-            <a:r>
-              <a:rPr b="1"/>
-              <a:t>Enhanced Security</a:t>
-            </a:r>
-            <a:r>
-              <a:t>: Significantly improved security posture and threat protection</a:t>
-            </a:r>
-          </a:p>
-        </p:txBody>
-      </p:sp>
+      <p:pic>
+        <p:nvPicPr>
+          <p:cNvPr id="7" name="Picture 6" descr="client_logo.png"/>
+          <p:cNvPicPr>
+            <a:picLocks noChangeAspect="1"/>
+          </p:cNvPicPr>
+          <p:nvPr/>
+        </p:nvPicPr>
+        <p:blipFill>
+          <a:blip r:embed="rId3"/>
+          <a:stretch>
+            <a:fillRect/>
+          </a:stretch>
+        </p:blipFill>
+        <p:spPr>
+          <a:xfrm>
+            <a:off x="2180492" y="171206"/>
+            <a:ext cx="3978520" cy="1314694"/>
+          </a:xfrm>
+          <a:prstGeom prst="rect">
+            <a:avLst/>
+          </a:prstGeom>
+        </p:spPr>
+      </p:pic>
+      <p:pic>
+        <p:nvPicPr>
+          <p:cNvPr id="8" name="Picture 7" descr="consulting_company_logo.png"/>
+          <p:cNvPicPr>
+            <a:picLocks noChangeAspect="1"/>
+          </p:cNvPicPr>
+          <p:nvPr/>
+        </p:nvPicPr>
+        <p:blipFill>
+          <a:blip r:embed="rId4"/>
+          <a:stretch>
+            <a:fillRect/>
+          </a:stretch>
+        </p:blipFill>
+        <p:spPr>
+          <a:xfrm>
+            <a:off x="313592" y="4536078"/>
+            <a:ext cx="2164114" cy="529698"/>
+          </a:xfrm>
+          <a:prstGeom prst="rect">
+            <a:avLst/>
+          </a:prstGeom>
+        </p:spPr>
+      </p:pic>
+      <p:pic>
+        <p:nvPicPr>
+          <p:cNvPr id="9" name="Picture 8" descr="eo-framework-logo-real.png"/>
+          <p:cNvPicPr>
+            <a:picLocks noChangeAspect="1"/>
+          </p:cNvPicPr>
+          <p:nvPr/>
+        </p:nvPicPr>
+        <p:blipFill>
+          <a:blip r:embed="rId5"/>
+          <a:stretch>
+            <a:fillRect/>
+          </a:stretch>
+        </p:blipFill>
+        <p:spPr>
+          <a:xfrm>
+            <a:off x="6684264" y="4535424"/>
+            <a:ext cx="2139696" cy="530352"/>
+          </a:xfrm>
+          <a:prstGeom prst="rect">
+            <a:avLst/>
+          </a:prstGeom>
+        </p:spPr>
+      </p:pic>
     </p:spTree>
   </p:cSld>
   <p:clrMapOvr>
@@ -4543,7 +5932,7 @@
       <p:grpSpPr/>
       <p:sp>
         <p:nvSpPr>
-          <p:cNvPr id="2" name="Text Placeholder 1"/>
+          <p:cNvPr id="3" name="Text Placeholder 2"/>
           <p:cNvSpPr>
             <a:spLocks noGrp="1"/>
           </p:cNvSpPr>
@@ -4556,103 +5945,12 @@
           <a:bodyPr/>
           <a:lstStyle/>
           <a:p>
-            <a:r>
-              <a:t>🎯 **Project Overview**</a:t>
+            <a:pPr algn="l"/>
+            <a:r>
+              <a:t>Executive Summary</a:t>
             </a:r>
           </a:p>
         </p:txBody>
-      </p:sp>
-      <p:sp>
-        <p:nvSpPr>
-          <p:cNvPr id="3" name="Picture Placeholder 2"/>
-          <p:cNvSpPr>
-            <a:spLocks noGrp="1"/>
-          </p:cNvSpPr>
-          <p:nvPr>
-            <p:ph type="pic" idx="14" sz="quarter"/>
-          </p:nvPr>
-        </p:nvSpPr>
-        <p:spPr/>
-      </p:sp>
-      <p:sp>
-        <p:nvSpPr>
-          <p:cNvPr id="4" name="Picture Placeholder 3"/>
-          <p:cNvSpPr>
-            <a:spLocks noGrp="1"/>
-          </p:cNvSpPr>
-          <p:nvPr>
-            <p:ph type="pic" idx="15" sz="quarter"/>
-          </p:nvPr>
-        </p:nvSpPr>
-        <p:spPr/>
-      </p:sp>
-      <p:sp>
-        <p:nvSpPr>
-          <p:cNvPr id="5" name="Text Placeholder 4"/>
-          <p:cNvSpPr>
-            <a:spLocks noGrp="1"/>
-          </p:cNvSpPr>
-          <p:nvPr>
-            <p:ph type="body" idx="16" sz="quarter"/>
-          </p:nvPr>
-        </p:nvSpPr>
-        <p:spPr/>
-        <p:txBody>
-          <a:bodyPr/>
-          <a:lstStyle/>
-          <a:p/>
-        </p:txBody>
-      </p:sp>
-    </p:spTree>
-  </p:cSld>
-  <p:clrMapOvr>
-    <a:masterClrMapping/>
-  </p:clrMapOvr>
-</p:sld>
-</file>
-
-<file path=ppt/slides/slide20.xml><?xml version="1.0" encoding="utf-8"?>
-<p:sld xmlns:a="http://schemas.openxmlformats.org/drawingml/2006/main" xmlns:p="http://schemas.openxmlformats.org/presentationml/2006/main" xmlns:r="http://schemas.openxmlformats.org/officeDocument/2006/relationships">
-  <p:cSld>
-    <p:spTree>
-      <p:nvGrpSpPr>
-        <p:cNvPr id="1" name=""/>
-        <p:cNvGrpSpPr/>
-        <p:nvPr/>
-      </p:nvGrpSpPr>
-      <p:grpSpPr/>
-      <p:sp>
-        <p:nvSpPr>
-          <p:cNvPr id="2" name="Text Placeholder 1"/>
-          <p:cNvSpPr>
-            <a:spLocks noGrp="1"/>
-          </p:cNvSpPr>
-          <p:nvPr>
-            <p:ph type="body" idx="10" sz="quarter"/>
-          </p:nvPr>
-        </p:nvSpPr>
-        <p:spPr/>
-        <p:txBody>
-          <a:bodyPr/>
-          <a:lstStyle/>
-          <a:p>
-            <a:r>
-              <a:t>🙏 **Acknowledgments**</a:t>
-            </a:r>
-          </a:p>
-        </p:txBody>
-      </p:sp>
-      <p:sp>
-        <p:nvSpPr>
-          <p:cNvPr id="3" name="Picture Placeholder 2"/>
-          <p:cNvSpPr>
-            <a:spLocks noGrp="1"/>
-          </p:cNvSpPr>
-          <p:nvPr>
-            <p:ph type="pic" idx="13" sz="quarter"/>
-          </p:nvPr>
-        </p:nvSpPr>
-        <p:spPr/>
       </p:sp>
       <p:sp>
         <p:nvSpPr>
@@ -4668,35 +5966,86 @@
         <p:txBody>
           <a:bodyPr/>
           <a:lstStyle/>
-          <a:p/>
+          <a:p>
+            <a:pPr/>
+            <a:r>
+              <a:rPr b="1"/>
+              <a:t>Project Duration:</a:t>
+            </a:r>
+            <a:r>
+              <a:t> 4 months, on schedule</a:t>
+            </a:r>
+          </a:p>
+          <a:p>
+            <a:pPr/>
+            <a:r>
+              <a:rPr b="1"/>
+              <a:t>Budget:</a:t>
+            </a:r>
+            <a:r>
+              <a:t> $465,744 Year 1 delivered on budget</a:t>
+            </a:r>
+          </a:p>
+          <a:p>
+            <a:pPr/>
+            <a:r>
+              <a:rPr b="1"/>
+              <a:t>Go-Live Date:</a:t>
+            </a:r>
+            <a:r>
+              <a:t> Week 15 as planned</a:t>
+            </a:r>
+          </a:p>
+          <a:p>
+            <a:pPr/>
+            <a:r>
+              <a:rPr b="1"/>
+              <a:t>Migration:</a:t>
+            </a:r>
+            <a:r>
+              <a:t> 500 users, 250GB email, 5TB files</a:t>
+            </a:r>
+          </a:p>
+          <a:p>
+            <a:pPr/>
+            <a:r>
+              <a:rPr b="1"/>
+              <a:t>Teams Phone:</a:t>
+            </a:r>
+            <a:r>
+              <a:t> 150 users with PSTN calling</a:t>
+            </a:r>
+          </a:p>
+          <a:p>
+            <a:pPr/>
+            <a:r>
+              <a:rPr b="1"/>
+              <a:t>Security:</a:t>
+            </a:r>
+            <a:r>
+              <a:t> Zero-trust with Defender &amp; Purview</a:t>
+            </a:r>
+          </a:p>
+          <a:p>
+            <a:pPr/>
+            <a:r>
+              <a:rPr b="1"/>
+              <a:t>Adoption:</a:t>
+            </a:r>
+            <a:r>
+              <a:t> 90%+ Teams active users Month 3</a:t>
+            </a:r>
+          </a:p>
         </p:txBody>
       </p:sp>
-    </p:spTree>
-  </p:cSld>
-  <p:clrMapOvr>
-    <a:masterClrMapping/>
-  </p:clrMapOvr>
-</p:sld>
-</file>
-
-<file path=ppt/slides/slide21.xml><?xml version="1.0" encoding="utf-8"?>
-<p:sld xmlns:a="http://schemas.openxmlformats.org/drawingml/2006/main" xmlns:p="http://schemas.openxmlformats.org/presentationml/2006/main" xmlns:r="http://schemas.openxmlformats.org/officeDocument/2006/relationships">
-  <p:cSld>
-    <p:spTree>
-      <p:nvGrpSpPr>
-        <p:cNvPr id="1" name=""/>
-        <p:cNvGrpSpPr/>
-        <p:nvPr/>
-      </p:nvGrpSpPr>
-      <p:grpSpPr/>
-      <p:sp>
-        <p:nvSpPr>
-          <p:cNvPr id="2" name="Text Placeholder 1"/>
+      <p:sp>
+        <p:nvSpPr>
+          <p:cNvPr id="5" name="Text Placeholder 4"/>
           <p:cNvSpPr>
             <a:spLocks noGrp="1"/>
           </p:cNvSpPr>
           <p:nvPr>
-            <p:ph type="body" idx="10" sz="quarter"/>
+            <p:ph type="body" idx="15" sz="quarter"/>
           </p:nvPr>
         </p:nvSpPr>
         <p:spPr/>
@@ -4704,41 +6053,44 @@
           <a:bodyPr/>
           <a:lstStyle/>
           <a:p>
-            <a:r>
-              <a:t>📞 **Ongoing Support**</a:t>
+            <a:pPr algn="r">
+              <a:buNone/>
+            </a:pPr>
+            <a:r>
+              <a:rPr sz="1100">
+                <a:solidFill>
+                  <a:srgbClr val="CC0000"/>
+                </a:solidFill>
+              </a:rPr>
+              <a:t>Microsoft 365 Enterprise Deployment</a:t>
             </a:r>
           </a:p>
         </p:txBody>
       </p:sp>
-      <p:sp>
-        <p:nvSpPr>
-          <p:cNvPr id="3" name="Picture Placeholder 2"/>
-          <p:cNvSpPr>
-            <a:spLocks noGrp="1"/>
-          </p:cNvSpPr>
-          <p:nvPr>
-            <p:ph type="pic" idx="13" sz="quarter"/>
-          </p:nvPr>
-        </p:nvSpPr>
-        <p:spPr/>
-      </p:sp>
-      <p:sp>
-        <p:nvSpPr>
-          <p:cNvPr id="4" name="Text Placeholder 3"/>
-          <p:cNvSpPr>
-            <a:spLocks noGrp="1"/>
-          </p:cNvSpPr>
-          <p:nvPr>
-            <p:ph type="body" idx="14" sz="quarter"/>
-          </p:nvPr>
-        </p:nvSpPr>
-        <p:spPr/>
-        <p:txBody>
-          <a:bodyPr/>
-          <a:lstStyle/>
-          <a:p/>
-        </p:txBody>
-      </p:sp>
+      <p:pic>
+        <p:nvPicPr>
+          <p:cNvPr id="6" name="Picture 5" descr="consulting_company_logo.png"/>
+          <p:cNvPicPr>
+            <a:picLocks noChangeAspect="1"/>
+          </p:cNvPicPr>
+          <p:nvPr/>
+        </p:nvPicPr>
+        <p:blipFill>
+          <a:blip r:embed="rId3"/>
+          <a:stretch>
+            <a:fillRect/>
+          </a:stretch>
+        </p:blipFill>
+        <p:spPr>
+          <a:xfrm>
+            <a:off x="313593" y="4536078"/>
+            <a:ext cx="2143858" cy="529698"/>
+          </a:xfrm>
+          <a:prstGeom prst="rect">
+            <a:avLst/>
+          </a:prstGeom>
+        </p:spPr>
+      </p:pic>
     </p:spTree>
   </p:cSld>
   <p:clrMapOvr>
@@ -4759,7 +6111,7 @@
       <p:grpSpPr/>
       <p:sp>
         <p:nvSpPr>
-          <p:cNvPr id="2" name="Text Placeholder 1"/>
+          <p:cNvPr id="3" name="Text Placeholder 2"/>
           <p:cNvSpPr>
             <a:spLocks noGrp="1"/>
           </p:cNvSpPr>
@@ -4772,32 +6124,112 @@
           <a:bodyPr/>
           <a:lstStyle/>
           <a:p>
-            <a:r>
-              <a:t>📊 **Key Achievements**</a:t>
+            <a:pPr algn="l"/>
+            <a:r>
+              <a:t>Solution Architecture</a:t>
             </a:r>
           </a:p>
         </p:txBody>
       </p:sp>
       <p:sp>
         <p:nvSpPr>
-          <p:cNvPr id="3" name="Picture Placeholder 2"/>
+          <p:cNvPr id="5" name="Text Placeholder 4"/>
           <p:cNvSpPr>
             <a:spLocks noGrp="1"/>
           </p:cNvSpPr>
           <p:nvPr>
-            <p:ph type="pic" idx="13" sz="quarter"/>
+            <p:ph type="body" idx="16" sz="quarter"/>
           </p:nvPr>
         </p:nvSpPr>
         <p:spPr/>
-      </p:sp>
-      <p:sp>
-        <p:nvSpPr>
-          <p:cNvPr id="4" name="Text Placeholder 3"/>
+        <p:txBody>
+          <a:bodyPr/>
+          <a:lstStyle/>
+          <a:p>
+            <a:pPr/>
+            <a:r>
+              <a:rPr b="1"/>
+              <a:t>Microsoft 365 E5 Suite</a:t>
+            </a:r>
+          </a:p>
+          <a:p>
+            <a:pPr lvl="1"/>
+            <a:r>
+              <a:t>Exchange Online (100GB mailboxes)</a:t>
+            </a:r>
+          </a:p>
+          <a:p>
+            <a:pPr lvl="1"/>
+            <a:r>
+              <a:t>SharePoint, Teams, OneDrive</a:t>
+            </a:r>
+          </a:p>
+          <a:p>
+            <a:pPr lvl="1"/>
+            <a:r>
+              <a:t>Office desktop &amp; mobile apps</a:t>
+            </a:r>
+          </a:p>
+          <a:p>
+            <a:pPr/>
+            <a:r>
+              <a:rPr b="1"/>
+              <a:t>Security &amp; Compliance</a:t>
+            </a:r>
+          </a:p>
+          <a:p>
+            <a:pPr lvl="1"/>
+            <a:r>
+              <a:t>Defender for Office 365</a:t>
+            </a:r>
+          </a:p>
+          <a:p>
+            <a:pPr lvl="1"/>
+            <a:r>
+              <a:t>Microsoft Purview DLP</a:t>
+            </a:r>
+          </a:p>
+          <a:p>
+            <a:pPr lvl="1"/>
+            <a:r>
+              <a:t>Intune MDM (500 devices)</a:t>
+            </a:r>
+          </a:p>
+          <a:p>
+            <a:pPr/>
+            <a:r>
+              <a:rPr b="1"/>
+              <a:t>Enterprise Telephony</a:t>
+            </a:r>
+          </a:p>
+          <a:p>
+            <a:pPr lvl="1"/>
+            <a:r>
+              <a:t>Teams Phone (150 users)</a:t>
+            </a:r>
+          </a:p>
+          <a:p>
+            <a:pPr lvl="1"/>
+            <a:r>
+              <a:t>Audio Conferencing (200 users)</a:t>
+            </a:r>
+          </a:p>
+          <a:p>
+            <a:pPr lvl="1"/>
+            <a:r>
+              <a:t>PSTN calling with voicemail</a:t>
+            </a:r>
+          </a:p>
+        </p:txBody>
+      </p:sp>
+      <p:sp>
+        <p:nvSpPr>
+          <p:cNvPr id="6" name="Text Placeholder 5"/>
           <p:cNvSpPr>
             <a:spLocks noGrp="1"/>
           </p:cNvSpPr>
           <p:nvPr>
-            <p:ph type="body" idx="14" sz="quarter"/>
+            <p:ph type="body" idx="17" sz="quarter"/>
           </p:nvPr>
         </p:nvSpPr>
         <p:spPr/>
@@ -4805,47 +6237,74 @@
           <a:bodyPr/>
           <a:lstStyle/>
           <a:p>
-            <a:pPr/>
-            <a:r>
-              <a:rPr b="1"/>
-              <a:t> Complete M365 Ecosystem Deployment</a:t>
-            </a:r>
-            <a:r>
-              <a:t>: Exchange Online, SharePoint Online, Microsoft Teams, OneDrive</a:t>
-            </a:r>
-          </a:p>
-          <a:p>
-            <a:pPr/>
-            <a:r>
-              <a:rPr b="1"/>
-              <a:t> Enhanced Security Posture</a:t>
-            </a:r>
-            <a:r>
-              <a:t>: Conditional Access, MFA, Data Loss Prevention, Advanced Threat Protection</a:t>
-            </a:r>
-          </a:p>
-          <a:p>
-            <a:pPr/>
-            <a:r>
-              <a:rPr b="1"/>
-              <a:t> Productivity Gains</a:t>
-            </a:r>
-            <a:r>
-              <a:t>: Unified communication platform, document collaboration, workflow automation</a:t>
-            </a:r>
-          </a:p>
-          <a:p>
-            <a:pPr/>
-            <a:r>
-              <a:rPr b="1"/>
-              <a:t> User Adoption Success</a:t>
-            </a:r>
-            <a:r>
-              <a:t>: Comprehensive training program, change management, support infrastructure</a:t>
+            <a:pPr algn="r">
+              <a:buNone/>
+            </a:pPr>
+            <a:r>
+              <a:rPr sz="1100">
+                <a:solidFill>
+                  <a:srgbClr val="CC0000"/>
+                </a:solidFill>
+              </a:rPr>
+              <a:t>Microsoft 365 Enterprise Deployment</a:t>
             </a:r>
           </a:p>
         </p:txBody>
       </p:sp>
+      <p:pic>
+        <p:nvPicPr>
+          <p:cNvPr id="7" name="Picture 6" descr="eo-framework-logo-real.png"/>
+          <p:cNvPicPr>
+            <a:picLocks noChangeAspect="1"/>
+          </p:cNvPicPr>
+          <p:nvPr/>
+        </p:nvPicPr>
+        <p:blipFill>
+          <a:blip r:embed="rId2"/>
+          <a:stretch>
+            <a:fillRect/>
+          </a:stretch>
+        </p:blipFill>
+        <p:spPr>
+          <a:xfrm>
+            <a:off x="4662488" y="685799"/>
+            <a:ext cx="4337050" cy="3815859"/>
+          </a:xfrm>
+          <a:prstGeom prst="rect">
+            <a:avLst/>
+          </a:prstGeom>
+          <a:ln w="12700">
+            <a:solidFill>
+              <a:srgbClr val="C0C0C0"/>
+            </a:solidFill>
+            <a:prstDash val="solid"/>
+          </a:ln>
+        </p:spPr>
+      </p:pic>
+      <p:pic>
+        <p:nvPicPr>
+          <p:cNvPr id="8" name="Picture 7" descr="consulting_company_logo.png"/>
+          <p:cNvPicPr>
+            <a:picLocks noChangeAspect="1"/>
+          </p:cNvPicPr>
+          <p:nvPr/>
+        </p:nvPicPr>
+        <p:blipFill>
+          <a:blip r:embed="rId4"/>
+          <a:stretch>
+            <a:fillRect/>
+          </a:stretch>
+        </p:blipFill>
+        <p:spPr>
+          <a:xfrm>
+            <a:off x="313592" y="4536078"/>
+            <a:ext cx="2130670" cy="529698"/>
+          </a:xfrm>
+          <a:prstGeom prst="rect">
+            <a:avLst/>
+          </a:prstGeom>
+        </p:spPr>
+      </p:pic>
     </p:spTree>
   </p:cSld>
   <p:clrMapOvr>
@@ -4866,7 +6325,7 @@
       <p:grpSpPr/>
       <p:sp>
         <p:nvSpPr>
-          <p:cNvPr id="2" name="Text Placeholder 1"/>
+          <p:cNvPr id="3" name="Text Placeholder 2"/>
           <p:cNvSpPr>
             <a:spLocks noGrp="1"/>
           </p:cNvSpPr>
@@ -4879,53 +6338,584 @@
           <a:bodyPr/>
           <a:lstStyle/>
           <a:p>
-            <a:r>
-              <a:t>💰 **Business Impact &amp; ROI**</a:t>
+            <a:pPr algn="l"/>
+            <a:r>
+              <a:t>Deliverables Inventory</a:t>
             </a:r>
           </a:p>
         </p:txBody>
       </p:sp>
-      <p:sp>
-        <p:nvSpPr>
-          <p:cNvPr id="3" name="Picture Placeholder 2"/>
+      <p:graphicFrame>
+        <p:nvGraphicFramePr>
+          <p:cNvPr id="4" name="Table Placeholder 3"/>
+          <p:cNvGraphicFramePr>
+            <a:graphicFrameLocks noGrp="1"/>
+          </p:cNvGraphicFramePr>
+          <p:nvPr>
+            <p:ph type="tbl" idx="14" sz="quarter"/>
+          </p:nvPr>
+        </p:nvGraphicFramePr>
+        <p:xfrm>
+          <a:off x="256855" y="677011"/>
+          <a:ext cx="8710931" cy="3337560"/>
+        </p:xfrm>
+        <a:graphic>
+          <a:graphicData uri="http://schemas.openxmlformats.org/drawingml/2006/table">
+            <a:tbl>
+              <a:tblPr firstRow="1" bandRow="1">
+                <a:tableStyleId>{5C22544A-7EE6-4342-B048-85BDC9FD1C3A}</a:tableStyleId>
+              </a:tblPr>
+              <a:tblGrid>
+                <a:gridCol w="2613279"/>
+                <a:gridCol w="3919919"/>
+                <a:gridCol w="2177733"/>
+              </a:tblGrid>
+              <a:tr h="370840">
+                <a:tc>
+                  <a:txBody>
+                    <a:bodyPr/>
+                    <a:lstStyle/>
+                    <a:p>
+                      <a:r>
+                        <a:rPr sz="1400">
+                          <a:solidFill>
+                            <a:srgbClr val="FFFFFF"/>
+                          </a:solidFill>
+                        </a:rPr>
+                        <a:t>Deliverable</a:t>
+                      </a:r>
+                    </a:p>
+                  </a:txBody>
+                  <a:tcPr>
+                    <a:solidFill>
+                      <a:srgbClr val="A01C02"/>
+                    </a:solidFill>
+                  </a:tcPr>
+                </a:tc>
+                <a:tc>
+                  <a:txBody>
+                    <a:bodyPr/>
+                    <a:lstStyle/>
+                    <a:p>
+                      <a:r>
+                        <a:rPr sz="1400">
+                          <a:solidFill>
+                            <a:srgbClr val="FFFFFF"/>
+                          </a:solidFill>
+                        </a:rPr>
+                        <a:t>Purpose</a:t>
+                      </a:r>
+                    </a:p>
+                  </a:txBody>
+                  <a:tcPr>
+                    <a:solidFill>
+                      <a:srgbClr val="A01C02"/>
+                    </a:solidFill>
+                  </a:tcPr>
+                </a:tc>
+                <a:tc>
+                  <a:txBody>
+                    <a:bodyPr/>
+                    <a:lstStyle/>
+                    <a:p>
+                      <a:r>
+                        <a:rPr sz="1400">
+                          <a:solidFill>
+                            <a:srgbClr val="FFFFFF"/>
+                          </a:solidFill>
+                        </a:rPr>
+                        <a:t>Location</a:t>
+                      </a:r>
+                    </a:p>
+                  </a:txBody>
+                  <a:tcPr>
+                    <a:solidFill>
+                      <a:srgbClr val="A01C02"/>
+                    </a:solidFill>
+                  </a:tcPr>
+                </a:tc>
+              </a:tr>
+              <a:tr h="370840">
+                <a:tc>
+                  <a:txBody>
+                    <a:bodyPr/>
+                    <a:lstStyle/>
+                    <a:p>
+                      <a:r>
+                        <a:rPr b="1" sz="1100"/>
+                        <a:t>M365 Architecture Document</a:t>
+                      </a:r>
+                    </a:p>
+                  </a:txBody>
+                  <a:tcPr>
+                    <a:solidFill>
+                      <a:srgbClr val="E7E6E6"/>
+                    </a:solidFill>
+                  </a:tcPr>
+                </a:tc>
+                <a:tc>
+                  <a:txBody>
+                    <a:bodyPr/>
+                    <a:lstStyle/>
+                    <a:p>
+                      <a:r>
+                        <a:rPr sz="1100"/>
+                        <a:t>Tenant design, identity, security config</a:t>
+                      </a:r>
+                    </a:p>
+                  </a:txBody>
+                  <a:tcPr>
+                    <a:solidFill>
+                      <a:srgbClr val="E7E6E6"/>
+                    </a:solidFill>
+                  </a:tcPr>
+                </a:tc>
+                <a:tc>
+                  <a:txBody>
+                    <a:bodyPr/>
+                    <a:lstStyle/>
+                    <a:p>
+                      <a:r>
+                        <a:rPr sz="1100"/>
+                        <a:t>`/delivery/detailed-design.docx`</a:t>
+                      </a:r>
+                    </a:p>
+                  </a:txBody>
+                  <a:tcPr>
+                    <a:solidFill>
+                      <a:srgbClr val="E7E6E6"/>
+                    </a:solidFill>
+                  </a:tcPr>
+                </a:tc>
+              </a:tr>
+              <a:tr h="370840">
+                <a:tc>
+                  <a:txBody>
+                    <a:bodyPr/>
+                    <a:lstStyle/>
+                    <a:p>
+                      <a:r>
+                        <a:rPr b="1" sz="1100"/>
+                        <a:t>Implementation Guide</a:t>
+                      </a:r>
+                    </a:p>
+                  </a:txBody>
+                  <a:tcPr>
+                    <a:solidFill>
+                      <a:srgbClr val="E7E6E6"/>
+                    </a:solidFill>
+                  </a:tcPr>
+                </a:tc>
+                <a:tc>
+                  <a:txBody>
+                    <a:bodyPr/>
+                    <a:lstStyle/>
+                    <a:p>
+                      <a:r>
+                        <a:rPr sz="1100"/>
+                        <a:t>Step-by-step deployment procedures</a:t>
+                      </a:r>
+                    </a:p>
+                  </a:txBody>
+                  <a:tcPr>
+                    <a:solidFill>
+                      <a:srgbClr val="E7E6E6"/>
+                    </a:solidFill>
+                  </a:tcPr>
+                </a:tc>
+                <a:tc>
+                  <a:txBody>
+                    <a:bodyPr/>
+                    <a:lstStyle/>
+                    <a:p>
+                      <a:r>
+                        <a:rPr sz="1100"/>
+                        <a:t>`/delivery/implementation-guide.docx`</a:t>
+                      </a:r>
+                    </a:p>
+                  </a:txBody>
+                  <a:tcPr>
+                    <a:solidFill>
+                      <a:srgbClr val="E7E6E6"/>
+                    </a:solidFill>
+                  </a:tcPr>
+                </a:tc>
+              </a:tr>
+              <a:tr h="370840">
+                <a:tc>
+                  <a:txBody>
+                    <a:bodyPr/>
+                    <a:lstStyle/>
+                    <a:p>
+                      <a:r>
+                        <a:rPr b="1" sz="1100"/>
+                        <a:t>Project Plan</a:t>
+                      </a:r>
+                    </a:p>
+                  </a:txBody>
+                  <a:tcPr>
+                    <a:solidFill>
+                      <a:srgbClr val="E7E6E6"/>
+                    </a:solidFill>
+                  </a:tcPr>
+                </a:tc>
+                <a:tc>
+                  <a:txBody>
+                    <a:bodyPr/>
+                    <a:lstStyle/>
+                    <a:p>
+                      <a:r>
+                        <a:rPr sz="1100"/>
+                        <a:t>Timeline, milestones, RACI matrix</a:t>
+                      </a:r>
+                    </a:p>
+                  </a:txBody>
+                  <a:tcPr>
+                    <a:solidFill>
+                      <a:srgbClr val="E7E6E6"/>
+                    </a:solidFill>
+                  </a:tcPr>
+                </a:tc>
+                <a:tc>
+                  <a:txBody>
+                    <a:bodyPr/>
+                    <a:lstStyle/>
+                    <a:p>
+                      <a:r>
+                        <a:rPr sz="1100"/>
+                        <a:t>`/delivery/project-plan.xlsx`</a:t>
+                      </a:r>
+                    </a:p>
+                  </a:txBody>
+                  <a:tcPr>
+                    <a:solidFill>
+                      <a:srgbClr val="E7E6E6"/>
+                    </a:solidFill>
+                  </a:tcPr>
+                </a:tc>
+              </a:tr>
+              <a:tr h="370840">
+                <a:tc>
+                  <a:txBody>
+                    <a:bodyPr/>
+                    <a:lstStyle/>
+                    <a:p>
+                      <a:r>
+                        <a:rPr b="1" sz="1100"/>
+                        <a:t>Security Configuration</a:t>
+                      </a:r>
+                    </a:p>
+                  </a:txBody>
+                  <a:tcPr>
+                    <a:solidFill>
+                      <a:srgbClr val="E7E6E6"/>
+                    </a:solidFill>
+                  </a:tcPr>
+                </a:tc>
+                <a:tc>
+                  <a:txBody>
+                    <a:bodyPr/>
+                    <a:lstStyle/>
+                    <a:p>
+                      <a:r>
+                        <a:rPr sz="1100"/>
+                        <a:t>Conditional Access, Defender, Purview</a:t>
+                      </a:r>
+                    </a:p>
+                  </a:txBody>
+                  <a:tcPr>
+                    <a:solidFill>
+                      <a:srgbClr val="E7E6E6"/>
+                    </a:solidFill>
+                  </a:tcPr>
+                </a:tc>
+                <a:tc>
+                  <a:txBody>
+                    <a:bodyPr/>
+                    <a:lstStyle/>
+                    <a:p>
+                      <a:r>
+                        <a:rPr sz="1100"/>
+                        <a:t>`/delivery/security-config.docx`</a:t>
+                      </a:r>
+                    </a:p>
+                  </a:txBody>
+                  <a:tcPr>
+                    <a:solidFill>
+                      <a:srgbClr val="E7E6E6"/>
+                    </a:solidFill>
+                  </a:tcPr>
+                </a:tc>
+              </a:tr>
+              <a:tr h="370840">
+                <a:tc>
+                  <a:txBody>
+                    <a:bodyPr/>
+                    <a:lstStyle/>
+                    <a:p>
+                      <a:r>
+                        <a:rPr b="1" sz="1100"/>
+                        <a:t>Migration Report</a:t>
+                      </a:r>
+                    </a:p>
+                  </a:txBody>
+                  <a:tcPr>
+                    <a:solidFill>
+                      <a:srgbClr val="E7E6E6"/>
+                    </a:solidFill>
+                  </a:tcPr>
+                </a:tc>
+                <a:tc>
+                  <a:txBody>
+                    <a:bodyPr/>
+                    <a:lstStyle/>
+                    <a:p>
+                      <a:r>
+                        <a:rPr sz="1100"/>
+                        <a:t>Email/file migration results, validation</a:t>
+                      </a:r>
+                    </a:p>
+                  </a:txBody>
+                  <a:tcPr>
+                    <a:solidFill>
+                      <a:srgbClr val="E7E6E6"/>
+                    </a:solidFill>
+                  </a:tcPr>
+                </a:tc>
+                <a:tc>
+                  <a:txBody>
+                    <a:bodyPr/>
+                    <a:lstStyle/>
+                    <a:p>
+                      <a:r>
+                        <a:rPr sz="1100"/>
+                        <a:t>`/delivery/migration-report.xlsx`</a:t>
+                      </a:r>
+                    </a:p>
+                  </a:txBody>
+                  <a:tcPr>
+                    <a:solidFill>
+                      <a:srgbClr val="E7E6E6"/>
+                    </a:solidFill>
+                  </a:tcPr>
+                </a:tc>
+              </a:tr>
+              <a:tr h="370840">
+                <a:tc>
+                  <a:txBody>
+                    <a:bodyPr/>
+                    <a:lstStyle/>
+                    <a:p>
+                      <a:r>
+                        <a:rPr b="1" sz="1100"/>
+                        <a:t>Operations Runbook</a:t>
+                      </a:r>
+                    </a:p>
+                  </a:txBody>
+                  <a:tcPr>
+                    <a:solidFill>
+                      <a:srgbClr val="E7E6E6"/>
+                    </a:solidFill>
+                  </a:tcPr>
+                </a:tc>
+                <a:tc>
+                  <a:txBody>
+                    <a:bodyPr/>
+                    <a:lstStyle/>
+                    <a:p>
+                      <a:r>
+                        <a:rPr sz="1100"/>
+                        <a:t>Admin procedures, troubleshooting</a:t>
+                      </a:r>
+                    </a:p>
+                  </a:txBody>
+                  <a:tcPr>
+                    <a:solidFill>
+                      <a:srgbClr val="E7E6E6"/>
+                    </a:solidFill>
+                  </a:tcPr>
+                </a:tc>
+                <a:tc>
+                  <a:txBody>
+                    <a:bodyPr/>
+                    <a:lstStyle/>
+                    <a:p>
+                      <a:r>
+                        <a:rPr sz="1100"/>
+                        <a:t>`/delivery/docs/runbook.md`</a:t>
+                      </a:r>
+                    </a:p>
+                  </a:txBody>
+                  <a:tcPr>
+                    <a:solidFill>
+                      <a:srgbClr val="E7E6E6"/>
+                    </a:solidFill>
+                  </a:tcPr>
+                </a:tc>
+              </a:tr>
+              <a:tr h="370840">
+                <a:tc>
+                  <a:txBody>
+                    <a:bodyPr/>
+                    <a:lstStyle/>
+                    <a:p>
+                      <a:r>
+                        <a:rPr b="1" sz="1100"/>
+                        <a:t>User Training Materials</a:t>
+                      </a:r>
+                    </a:p>
+                  </a:txBody>
+                  <a:tcPr>
+                    <a:solidFill>
+                      <a:srgbClr val="E7E6E6"/>
+                    </a:solidFill>
+                  </a:tcPr>
+                </a:tc>
+                <a:tc>
+                  <a:txBody>
+                    <a:bodyPr/>
+                    <a:lstStyle/>
+                    <a:p>
+                      <a:r>
+                        <a:rPr sz="1100"/>
+                        <a:t>Quick guides, videos, FAQ</a:t>
+                      </a:r>
+                    </a:p>
+                  </a:txBody>
+                  <a:tcPr>
+                    <a:solidFill>
+                      <a:srgbClr val="E7E6E6"/>
+                    </a:solidFill>
+                  </a:tcPr>
+                </a:tc>
+                <a:tc>
+                  <a:txBody>
+                    <a:bodyPr/>
+                    <a:lstStyle/>
+                    <a:p>
+                      <a:r>
+                        <a:rPr sz="1100"/>
+                        <a:t>`/delivery/training/`</a:t>
+                      </a:r>
+                    </a:p>
+                  </a:txBody>
+                  <a:tcPr>
+                    <a:solidFill>
+                      <a:srgbClr val="E7E6E6"/>
+                    </a:solidFill>
+                  </a:tcPr>
+                </a:tc>
+              </a:tr>
+              <a:tr h="370840">
+                <a:tc>
+                  <a:txBody>
+                    <a:bodyPr/>
+                    <a:lstStyle/>
+                    <a:p>
+                      <a:r>
+                        <a:rPr b="1" sz="1100"/>
+                        <a:t>Champions Playbook</a:t>
+                      </a:r>
+                    </a:p>
+                  </a:txBody>
+                  <a:tcPr>
+                    <a:solidFill>
+                      <a:srgbClr val="E7E6E6"/>
+                    </a:solidFill>
+                  </a:tcPr>
+                </a:tc>
+                <a:tc>
+                  <a:txBody>
+                    <a:bodyPr/>
+                    <a:lstStyle/>
+                    <a:p>
+                      <a:r>
+                        <a:rPr sz="1100"/>
+                        <a:t>Adoption best practices by department</a:t>
+                      </a:r>
+                    </a:p>
+                  </a:txBody>
+                  <a:tcPr>
+                    <a:solidFill>
+                      <a:srgbClr val="E7E6E6"/>
+                    </a:solidFill>
+                  </a:tcPr>
+                </a:tc>
+                <a:tc>
+                  <a:txBody>
+                    <a:bodyPr/>
+                    <a:lstStyle/>
+                    <a:p>
+                      <a:r>
+                        <a:rPr sz="1100"/>
+                        <a:t>`/delivery/training/champions/`</a:t>
+                      </a:r>
+                    </a:p>
+                  </a:txBody>
+                  <a:tcPr>
+                    <a:solidFill>
+                      <a:srgbClr val="E7E6E6"/>
+                    </a:solidFill>
+                  </a:tcPr>
+                </a:tc>
+              </a:tr>
+            </a:tbl>
+          </a:graphicData>
+        </a:graphic>
+      </p:graphicFrame>
+      <p:sp>
+        <p:nvSpPr>
+          <p:cNvPr id="5" name="Text Placeholder 4"/>
           <p:cNvSpPr>
             <a:spLocks noGrp="1"/>
           </p:cNvSpPr>
           <p:nvPr>
-            <p:ph type="pic" idx="14" sz="quarter"/>
-          </p:nvPr>
-        </p:nvSpPr>
-        <p:spPr/>
-      </p:sp>
-      <p:sp>
-        <p:nvSpPr>
-          <p:cNvPr id="4" name="Chart Placeholder 3"/>
-          <p:cNvSpPr>
-            <a:spLocks noGrp="1"/>
-          </p:cNvSpPr>
-          <p:nvPr>
-            <p:ph type="chart" idx="15" sz="quarter"/>
-          </p:nvPr>
-        </p:nvSpPr>
-        <p:spPr/>
-      </p:sp>
-      <p:sp>
-        <p:nvSpPr>
-          <p:cNvPr id="5" name="Content Placeholder 4"/>
-          <p:cNvSpPr>
-            <a:spLocks noGrp="1"/>
-          </p:cNvSpPr>
-          <p:nvPr>
-            <p:ph idx="16" sz="quarter"/>
+            <p:ph type="body" idx="15" sz="quarter"/>
           </p:nvPr>
         </p:nvSpPr>
         <p:spPr/>
         <p:txBody>
           <a:bodyPr/>
           <a:lstStyle/>
-          <a:p/>
+          <a:p>
+            <a:pPr algn="r">
+              <a:buNone/>
+            </a:pPr>
+            <a:r>
+              <a:rPr sz="1100">
+                <a:solidFill>
+                  <a:srgbClr val="CC0000"/>
+                </a:solidFill>
+              </a:rPr>
+              <a:t>Microsoft 365 Enterprise Deployment</a:t>
+            </a:r>
+          </a:p>
         </p:txBody>
       </p:sp>
+      <p:pic>
+        <p:nvPicPr>
+          <p:cNvPr id="6" name="Picture 5" descr="consulting_company_logo.png"/>
+          <p:cNvPicPr>
+            <a:picLocks noChangeAspect="1"/>
+          </p:cNvPicPr>
+          <p:nvPr/>
+        </p:nvPicPr>
+        <p:blipFill>
+          <a:blip r:embed="rId3"/>
+          <a:stretch>
+            <a:fillRect/>
+          </a:stretch>
+        </p:blipFill>
+        <p:spPr>
+          <a:xfrm>
+            <a:off x="313592" y="4536078"/>
+            <a:ext cx="2126273" cy="529698"/>
+          </a:xfrm>
+          <a:prstGeom prst="rect">
+            <a:avLst/>
+          </a:prstGeom>
+        </p:spPr>
+      </p:pic>
     </p:spTree>
   </p:cSld>
   <p:clrMapOvr>
@@ -4946,7 +6936,7 @@
       <p:grpSpPr/>
       <p:sp>
         <p:nvSpPr>
-          <p:cNvPr id="2" name="Text Placeholder 1"/>
+          <p:cNvPr id="3" name="Text Placeholder 2"/>
           <p:cNvSpPr>
             <a:spLocks noGrp="1"/>
           </p:cNvSpPr>
@@ -4959,23 +6949,12 @@
           <a:bodyPr/>
           <a:lstStyle/>
           <a:p>
-            <a:r>
-              <a:t>🏗️ **Technical Achievements**</a:t>
+            <a:pPr algn="l"/>
+            <a:r>
+              <a:t>Quality &amp; Performance</a:t>
             </a:r>
           </a:p>
         </p:txBody>
-      </p:sp>
-      <p:sp>
-        <p:nvSpPr>
-          <p:cNvPr id="3" name="Picture Placeholder 2"/>
-          <p:cNvSpPr>
-            <a:spLocks noGrp="1"/>
-          </p:cNvSpPr>
-          <p:nvPr>
-            <p:ph type="pic" idx="13" sz="quarter"/>
-          </p:nvPr>
-        </p:nvSpPr>
-        <p:spPr/>
       </p:sp>
       <p:sp>
         <p:nvSpPr>
@@ -4984,7 +6963,7 @@
             <a:spLocks noGrp="1"/>
           </p:cNvSpPr>
           <p:nvPr>
-            <p:ph type="body" idx="14" sz="quarter"/>
+            <p:ph type="body" idx="16" sz="quarter"/>
           </p:nvPr>
         </p:nvSpPr>
         <p:spPr/>
@@ -4995,144 +6974,147 @@
             <a:pPr/>
             <a:r>
               <a:rPr b="1"/>
-              <a:t>Exchange Online</a:t>
-            </a:r>
-            <a:r>
-              <a:t>: Migrated 1,500 mailboxes with zero data loss and 99.9% uptime</a:t>
-            </a:r>
-          </a:p>
+              <a:t>Migration Metrics</a:t>
+            </a:r>
+          </a:p>
+          <a:p>
+            <a:pPr lvl="1"/>
+            <a:r>
+              <a:t>Email Migration: 100% (500/500 users)</a:t>
+            </a:r>
+          </a:p>
+          <a:p>
+            <a:pPr lvl="1"/>
+            <a:r>
+              <a:t>File Migration: 100% (5TB complete)</a:t>
+            </a:r>
+          </a:p>
+          <a:p>
+            <a:pPr lvl="1"/>
+            <a:r>
+              <a:t>Data Loss: Zero verified</a:t>
+            </a:r>
+          </a:p>
+          <a:p>
+            <a:pPr lvl="1"/>
+            <a:r>
+              <a:t>Downtime: &lt;2 hours total</a:t>
+            </a:r>
+          </a:p>
+          <a:p>
+            <a:pPr lvl="1"/>
+            <a:r>
+              <a:t>Hybrid Exchange: Seamless cutover</a:t>
+            </a:r>
+          </a:p>
+        </p:txBody>
+      </p:sp>
+      <p:sp>
+        <p:nvSpPr>
+          <p:cNvPr id="5" name="Text Placeholder 4"/>
+          <p:cNvSpPr>
+            <a:spLocks noGrp="1"/>
+          </p:cNvSpPr>
+          <p:nvPr>
+            <p:ph type="body" idx="17" sz="quarter"/>
+          </p:nvPr>
+        </p:nvSpPr>
+        <p:spPr/>
+        <p:txBody>
+          <a:bodyPr/>
+          <a:lstStyle/>
           <a:p>
             <a:pPr/>
             <a:r>
               <a:rPr b="1"/>
-              <a:t>SharePoint Online</a:t>
-            </a:r>
-            <a:r>
-              <a:t>: Deployed modern intranet with 50+ department sites and governance</a:t>
-            </a:r>
-          </a:p>
-          <a:p>
-            <a:pPr/>
-            <a:r>
-              <a:rPr b="1"/>
-              <a:t>Microsoft Teams</a:t>
-            </a:r>
-            <a:r>
-              <a:t>: Implemented unified communications platform with voice integration</a:t>
-            </a:r>
-          </a:p>
-          <a:p>
-            <a:pPr/>
-            <a:r>
-              <a:rPr b="1"/>
-              <a:t>OneDrive for Business</a:t>
-            </a:r>
-            <a:r>
-              <a:t>: Enabled secure file sync and sharing for all users</a:t>
-            </a:r>
-          </a:p>
-          <a:p>
-            <a:pPr/>
-            <a:r>
-              <a:rPr b="1"/>
-              <a:t>Power Platform</a:t>
-            </a:r>
-            <a:r>
-              <a:t>: Deployed workflow automation and business application solutions</a:t>
-            </a:r>
-          </a:p>
-          <a:p>
-            <a:pPr/>
-            <a:r>
-              <a:rPr b="1"/>
-              <a:t>Conditional Access</a:t>
-            </a:r>
-            <a:r>
-              <a:t>: Implemented risk-based access controls and device compliance</a:t>
-            </a:r>
-          </a:p>
-          <a:p>
-            <a:pPr/>
-            <a:r>
-              <a:rPr b="1"/>
-              <a:t>Multi-Factor Authentication</a:t>
-            </a:r>
-            <a:r>
-              <a:t>: Enforced MFA for 100% of user accounts with various methods</a:t>
-            </a:r>
-          </a:p>
-          <a:p>
-            <a:pPr/>
-            <a:r>
-              <a:rPr b="1"/>
-              <a:t>Data Loss Prevention</a:t>
-            </a:r>
-            <a:r>
-              <a:t>: Configured DLP policies for sensitive data protection</a:t>
-            </a:r>
-          </a:p>
-          <a:p>
-            <a:pPr/>
-            <a:r>
-              <a:rPr b="1"/>
-              <a:t>Advanced Threat Protection</a:t>
-            </a:r>
-            <a:r>
-              <a:t>: Deployed ATP for email, SharePoint, and Teams protection</a:t>
-            </a:r>
-          </a:p>
-          <a:p>
-            <a:pPr/>
-            <a:r>
-              <a:rPr b="1"/>
-              <a:t>Information Protection</a:t>
-            </a:r>
-            <a:r>
-              <a:t>: Implemented sensitivity labels and encryption policies</a:t>
-            </a:r>
-          </a:p>
-          <a:p>
-            <a:pPr/>
-            <a:r>
-              <a:rPr b="1"/>
-              <a:t>Active Directory Sync</a:t>
-            </a:r>
-            <a:r>
-              <a:t>: Seamless hybrid identity integration with Azure AD Connect</a:t>
-            </a:r>
-          </a:p>
-          <a:p>
-            <a:pPr/>
-            <a:r>
-              <a:rPr b="1"/>
-              <a:t>Legacy System Integration</a:t>
-            </a:r>
-            <a:r>
-              <a:t>: Connected LOB applications with M365 via APIs and SSO</a:t>
-            </a:r>
-          </a:p>
-          <a:p>
-            <a:pPr/>
-            <a:r>
-              <a:rPr b="1"/>
-              <a:t>Data Migration</a:t>
-            </a:r>
-            <a:r>
-              <a:t>: Successfully migrated 5TB of email data and 10TB of file data</a:t>
-            </a:r>
-          </a:p>
-          <a:p>
-            <a:pPr/>
-            <a:r>
-              <a:rPr b="1"/>
-              <a:t>Device Management</a:t>
-            </a:r>
-            <a:r>
-              <a:t>: Integrated Intune for mobile device and application management</a:t>
+              <a:t>Adoption Metrics</a:t>
+            </a:r>
+          </a:p>
+          <a:p>
+            <a:pPr lvl="1"/>
+            <a:r>
+              <a:t>Teams Daily Active: 90%+ by Month 3</a:t>
+            </a:r>
+          </a:p>
+          <a:p>
+            <a:pPr lvl="1"/>
+            <a:r>
+              <a:t>SharePoint Site Usage: 75% depts</a:t>
+            </a:r>
+          </a:p>
+          <a:p>
+            <a:pPr lvl="1"/>
+            <a:r>
+              <a:t>OneDrive Sync: 85% of users</a:t>
+            </a:r>
+          </a:p>
+          <a:p>
+            <a:pPr lvl="1"/>
+            <a:r>
+              <a:t>MFA Enrollment: 100%</a:t>
+            </a:r>
+          </a:p>
+          <a:p>
+            <a:pPr lvl="1"/>
+            <a:r>
+              <a:t>Training Completion: 95%</a:t>
             </a:r>
           </a:p>
         </p:txBody>
       </p:sp>
+      <p:sp>
+        <p:nvSpPr>
+          <p:cNvPr id="6" name="Text Placeholder 5"/>
+          <p:cNvSpPr>
+            <a:spLocks noGrp="1"/>
+          </p:cNvSpPr>
+          <p:nvPr>
+            <p:ph type="body" idx="15" sz="quarter"/>
+          </p:nvPr>
+        </p:nvSpPr>
+        <p:spPr/>
+        <p:txBody>
+          <a:bodyPr/>
+          <a:lstStyle/>
+          <a:p>
+            <a:pPr algn="r">
+              <a:buNone/>
+            </a:pPr>
+            <a:r>
+              <a:rPr sz="1100">
+                <a:solidFill>
+                  <a:srgbClr val="CC0000"/>
+                </a:solidFill>
+              </a:rPr>
+              <a:t>Microsoft 365 Enterprise Deployment</a:t>
+            </a:r>
+          </a:p>
+        </p:txBody>
+      </p:sp>
+      <p:pic>
+        <p:nvPicPr>
+          <p:cNvPr id="7" name="Picture 6" descr="consulting_company_logo.png"/>
+          <p:cNvPicPr>
+            <a:picLocks noChangeAspect="1"/>
+          </p:cNvPicPr>
+          <p:nvPr/>
+        </p:nvPicPr>
+        <p:blipFill>
+          <a:blip r:embed="rId3"/>
+          <a:stretch>
+            <a:fillRect/>
+          </a:stretch>
+        </p:blipFill>
+        <p:spPr>
+          <a:xfrm>
+            <a:off x="313592" y="4536078"/>
+            <a:ext cx="2121877" cy="529698"/>
+          </a:xfrm>
+          <a:prstGeom prst="rect">
+            <a:avLst/>
+          </a:prstGeom>
+        </p:spPr>
+      </p:pic>
     </p:spTree>
   </p:cSld>
   <p:clrMapOvr>
@@ -5153,7 +7135,7 @@
       <p:grpSpPr/>
       <p:sp>
         <p:nvSpPr>
-          <p:cNvPr id="2" name="Text Placeholder 1"/>
+          <p:cNvPr id="3" name="Text Placeholder 2"/>
           <p:cNvSpPr>
             <a:spLocks noGrp="1"/>
           </p:cNvSpPr>
@@ -5166,53 +7148,602 @@
           <a:bodyPr/>
           <a:lstStyle/>
           <a:p>
-            <a:r>
-              <a:t>📈 **Performance Metrics**</a:t>
+            <a:pPr algn="l"/>
+            <a:r>
+              <a:t>Benefits Realized</a:t>
             </a:r>
           </a:p>
         </p:txBody>
       </p:sp>
-      <p:sp>
-        <p:nvSpPr>
-          <p:cNvPr id="3" name="Picture Placeholder 2"/>
+      <p:graphicFrame>
+        <p:nvGraphicFramePr>
+          <p:cNvPr id="4" name="Table Placeholder 3"/>
+          <p:cNvGraphicFramePr>
+            <a:graphicFrameLocks noGrp="1"/>
+          </p:cNvGraphicFramePr>
+          <p:nvPr>
+            <p:ph type="tbl" idx="14" sz="quarter"/>
+          </p:nvPr>
+        </p:nvGraphicFramePr>
+        <p:xfrm>
+          <a:off x="256855" y="677011"/>
+          <a:ext cx="8710930" cy="2595880"/>
+        </p:xfrm>
+        <a:graphic>
+          <a:graphicData uri="http://schemas.openxmlformats.org/drawingml/2006/table">
+            <a:tbl>
+              <a:tblPr firstRow="1" bandRow="1">
+                <a:tableStyleId>{5C22544A-7EE6-4342-B048-85BDC9FD1C3A}</a:tableStyleId>
+              </a:tblPr>
+              <a:tblGrid>
+                <a:gridCol w="2613279"/>
+                <a:gridCol w="1742186"/>
+                <a:gridCol w="1742186"/>
+                <a:gridCol w="2613279"/>
+              </a:tblGrid>
+              <a:tr h="370840">
+                <a:tc>
+                  <a:txBody>
+                    <a:bodyPr/>
+                    <a:lstStyle/>
+                    <a:p>
+                      <a:r>
+                        <a:rPr sz="1400">
+                          <a:solidFill>
+                            <a:srgbClr val="FFFFFF"/>
+                          </a:solidFill>
+                        </a:rPr>
+                        <a:t>Benefit Category</a:t>
+                      </a:r>
+                    </a:p>
+                  </a:txBody>
+                  <a:tcPr>
+                    <a:solidFill>
+                      <a:srgbClr val="A01C02"/>
+                    </a:solidFill>
+                  </a:tcPr>
+                </a:tc>
+                <a:tc>
+                  <a:txBody>
+                    <a:bodyPr/>
+                    <a:lstStyle/>
+                    <a:p>
+                      <a:r>
+                        <a:rPr sz="1400">
+                          <a:solidFill>
+                            <a:srgbClr val="FFFFFF"/>
+                          </a:solidFill>
+                        </a:rPr>
+                        <a:t>Target</a:t>
+                      </a:r>
+                    </a:p>
+                  </a:txBody>
+                  <a:tcPr>
+                    <a:solidFill>
+                      <a:srgbClr val="A01C02"/>
+                    </a:solidFill>
+                  </a:tcPr>
+                </a:tc>
+                <a:tc>
+                  <a:txBody>
+                    <a:bodyPr/>
+                    <a:lstStyle/>
+                    <a:p>
+                      <a:r>
+                        <a:rPr sz="1400">
+                          <a:solidFill>
+                            <a:srgbClr val="FFFFFF"/>
+                          </a:solidFill>
+                        </a:rPr>
+                        <a:t>Achieved</a:t>
+                      </a:r>
+                    </a:p>
+                  </a:txBody>
+                  <a:tcPr>
+                    <a:solidFill>
+                      <a:srgbClr val="A01C02"/>
+                    </a:solidFill>
+                  </a:tcPr>
+                </a:tc>
+                <a:tc>
+                  <a:txBody>
+                    <a:bodyPr/>
+                    <a:lstStyle/>
+                    <a:p>
+                      <a:r>
+                        <a:rPr sz="1400">
+                          <a:solidFill>
+                            <a:srgbClr val="FFFFFF"/>
+                          </a:solidFill>
+                        </a:rPr>
+                        <a:t>Business Impact</a:t>
+                      </a:r>
+                    </a:p>
+                  </a:txBody>
+                  <a:tcPr>
+                    <a:solidFill>
+                      <a:srgbClr val="A01C02"/>
+                    </a:solidFill>
+                  </a:tcPr>
+                </a:tc>
+              </a:tr>
+              <a:tr h="370840">
+                <a:tc>
+                  <a:txBody>
+                    <a:bodyPr/>
+                    <a:lstStyle/>
+                    <a:p>
+                      <a:r>
+                        <a:rPr b="1" sz="1100"/>
+                        <a:t>Infrastructure Savings</a:t>
+                      </a:r>
+                    </a:p>
+                  </a:txBody>
+                  <a:tcPr>
+                    <a:solidFill>
+                      <a:srgbClr val="E7E6E6"/>
+                    </a:solidFill>
+                  </a:tcPr>
+                </a:tc>
+                <a:tc>
+                  <a:txBody>
+                    <a:bodyPr/>
+                    <a:lstStyle/>
+                    <a:p>
+                      <a:r>
+                        <a:rPr sz="1100"/>
+                        <a:t>$220K capex avoided</a:t>
+                      </a:r>
+                    </a:p>
+                  </a:txBody>
+                  <a:tcPr>
+                    <a:solidFill>
+                      <a:srgbClr val="E7E6E6"/>
+                    </a:solidFill>
+                  </a:tcPr>
+                </a:tc>
+                <a:tc>
+                  <a:txBody>
+                    <a:bodyPr/>
+                    <a:lstStyle/>
+                    <a:p>
+                      <a:r>
+                        <a:rPr sz="1100"/>
+                        <a:t>$220K</a:t>
+                      </a:r>
+                    </a:p>
+                  </a:txBody>
+                  <a:tcPr>
+                    <a:solidFill>
+                      <a:srgbClr val="E7E6E6"/>
+                    </a:solidFill>
+                  </a:tcPr>
+                </a:tc>
+                <a:tc>
+                  <a:txBody>
+                    <a:bodyPr/>
+                    <a:lstStyle/>
+                    <a:p>
+                      <a:r>
+                        <a:rPr sz="1100"/>
+                        <a:t>No server refresh required</a:t>
+                      </a:r>
+                    </a:p>
+                  </a:txBody>
+                  <a:tcPr>
+                    <a:solidFill>
+                      <a:srgbClr val="E7E6E6"/>
+                    </a:solidFill>
+                  </a:tcPr>
+                </a:tc>
+              </a:tr>
+              <a:tr h="370840">
+                <a:tc>
+                  <a:txBody>
+                    <a:bodyPr/>
+                    <a:lstStyle/>
+                    <a:p>
+                      <a:r>
+                        <a:rPr b="1" sz="1100"/>
+                        <a:t>Security Incidents</a:t>
+                      </a:r>
+                    </a:p>
+                  </a:txBody>
+                  <a:tcPr>
+                    <a:solidFill>
+                      <a:srgbClr val="E7E6E6"/>
+                    </a:solidFill>
+                  </a:tcPr>
+                </a:tc>
+                <a:tc>
+                  <a:txBody>
+                    <a:bodyPr/>
+                    <a:lstStyle/>
+                    <a:p>
+                      <a:r>
+                        <a:rPr sz="1100"/>
+                        <a:t>75% reduction</a:t>
+                      </a:r>
+                    </a:p>
+                  </a:txBody>
+                  <a:tcPr>
+                    <a:solidFill>
+                      <a:srgbClr val="E7E6E6"/>
+                    </a:solidFill>
+                  </a:tcPr>
+                </a:tc>
+                <a:tc>
+                  <a:txBody>
+                    <a:bodyPr/>
+                    <a:lstStyle/>
+                    <a:p>
+                      <a:r>
+                        <a:rPr sz="1100"/>
+                        <a:t>80% reduction</a:t>
+                      </a:r>
+                    </a:p>
+                  </a:txBody>
+                  <a:tcPr>
+                    <a:solidFill>
+                      <a:srgbClr val="E7E6E6"/>
+                    </a:solidFill>
+                  </a:tcPr>
+                </a:tc>
+                <a:tc>
+                  <a:txBody>
+                    <a:bodyPr/>
+                    <a:lstStyle/>
+                    <a:p>
+                      <a:r>
+                        <a:rPr sz="1100"/>
+                        <a:t>Defender threat protection</a:t>
+                      </a:r>
+                    </a:p>
+                  </a:txBody>
+                  <a:tcPr>
+                    <a:solidFill>
+                      <a:srgbClr val="E7E6E6"/>
+                    </a:solidFill>
+                  </a:tcPr>
+                </a:tc>
+              </a:tr>
+              <a:tr h="370840">
+                <a:tc>
+                  <a:txBody>
+                    <a:bodyPr/>
+                    <a:lstStyle/>
+                    <a:p>
+                      <a:r>
+                        <a:rPr b="1" sz="1100"/>
+                        <a:t>Email Attachment Reduction</a:t>
+                      </a:r>
+                    </a:p>
+                  </a:txBody>
+                  <a:tcPr>
+                    <a:solidFill>
+                      <a:srgbClr val="E7E6E6"/>
+                    </a:solidFill>
+                  </a:tcPr>
+                </a:tc>
+                <a:tc>
+                  <a:txBody>
+                    <a:bodyPr/>
+                    <a:lstStyle/>
+                    <a:p>
+                      <a:r>
+                        <a:rPr sz="1100"/>
+                        <a:t>75% reduction</a:t>
+                      </a:r>
+                    </a:p>
+                  </a:txBody>
+                  <a:tcPr>
+                    <a:solidFill>
+                      <a:srgbClr val="E7E6E6"/>
+                    </a:solidFill>
+                  </a:tcPr>
+                </a:tc>
+                <a:tc>
+                  <a:txBody>
+                    <a:bodyPr/>
+                    <a:lstStyle/>
+                    <a:p>
+                      <a:r>
+                        <a:rPr sz="1100"/>
+                        <a:t>70% reduction</a:t>
+                      </a:r>
+                    </a:p>
+                  </a:txBody>
+                  <a:tcPr>
+                    <a:solidFill>
+                      <a:srgbClr val="E7E6E6"/>
+                    </a:solidFill>
+                  </a:tcPr>
+                </a:tc>
+                <a:tc>
+                  <a:txBody>
+                    <a:bodyPr/>
+                    <a:lstStyle/>
+                    <a:p>
+                      <a:r>
+                        <a:rPr sz="1100"/>
+                        <a:t>Teams/SharePoint collaboration</a:t>
+                      </a:r>
+                    </a:p>
+                  </a:txBody>
+                  <a:tcPr>
+                    <a:solidFill>
+                      <a:srgbClr val="E7E6E6"/>
+                    </a:solidFill>
+                  </a:tcPr>
+                </a:tc>
+              </a:tr>
+              <a:tr h="370840">
+                <a:tc>
+                  <a:txBody>
+                    <a:bodyPr/>
+                    <a:lstStyle/>
+                    <a:p>
+                      <a:r>
+                        <a:rPr b="1" sz="1100"/>
+                        <a:t>IT Support Tickets</a:t>
+                      </a:r>
+                    </a:p>
+                  </a:txBody>
+                  <a:tcPr>
+                    <a:solidFill>
+                      <a:srgbClr val="E7E6E6"/>
+                    </a:solidFill>
+                  </a:tcPr>
+                </a:tc>
+                <a:tc>
+                  <a:txBody>
+                    <a:bodyPr/>
+                    <a:lstStyle/>
+                    <a:p>
+                      <a:r>
+                        <a:rPr sz="1100"/>
+                        <a:t>30% reduction</a:t>
+                      </a:r>
+                    </a:p>
+                  </a:txBody>
+                  <a:tcPr>
+                    <a:solidFill>
+                      <a:srgbClr val="E7E6E6"/>
+                    </a:solidFill>
+                  </a:tcPr>
+                </a:tc>
+                <a:tc>
+                  <a:txBody>
+                    <a:bodyPr/>
+                    <a:lstStyle/>
+                    <a:p>
+                      <a:r>
+                        <a:rPr sz="1100"/>
+                        <a:t>35% reduction</a:t>
+                      </a:r>
+                    </a:p>
+                  </a:txBody>
+                  <a:tcPr>
+                    <a:solidFill>
+                      <a:srgbClr val="E7E6E6"/>
+                    </a:solidFill>
+                  </a:tcPr>
+                </a:tc>
+                <a:tc>
+                  <a:txBody>
+                    <a:bodyPr/>
+                    <a:lstStyle/>
+                    <a:p>
+                      <a:r>
+                        <a:rPr sz="1100"/>
+                        <a:t>Self-service capabilities</a:t>
+                      </a:r>
+                    </a:p>
+                  </a:txBody>
+                  <a:tcPr>
+                    <a:solidFill>
+                      <a:srgbClr val="E7E6E6"/>
+                    </a:solidFill>
+                  </a:tcPr>
+                </a:tc>
+              </a:tr>
+              <a:tr h="370840">
+                <a:tc>
+                  <a:txBody>
+                    <a:bodyPr/>
+                    <a:lstStyle/>
+                    <a:p>
+                      <a:r>
+                        <a:rPr b="1" sz="1100"/>
+                        <a:t>User Productivity</a:t>
+                      </a:r>
+                    </a:p>
+                  </a:txBody>
+                  <a:tcPr>
+                    <a:solidFill>
+                      <a:srgbClr val="E7E6E6"/>
+                    </a:solidFill>
+                  </a:tcPr>
+                </a:tc>
+                <a:tc>
+                  <a:txBody>
+                    <a:bodyPr/>
+                    <a:lstStyle/>
+                    <a:p>
+                      <a:r>
+                        <a:rPr sz="1100"/>
+                        <a:t>10% improvement</a:t>
+                      </a:r>
+                    </a:p>
+                  </a:txBody>
+                  <a:tcPr>
+                    <a:solidFill>
+                      <a:srgbClr val="E7E6E6"/>
+                    </a:solidFill>
+                  </a:tcPr>
+                </a:tc>
+                <a:tc>
+                  <a:txBody>
+                    <a:bodyPr/>
+                    <a:lstStyle/>
+                    <a:p>
+                      <a:r>
+                        <a:rPr sz="1100"/>
+                        <a:t>12% improvement</a:t>
+                      </a:r>
+                    </a:p>
+                  </a:txBody>
+                  <a:tcPr>
+                    <a:solidFill>
+                      <a:srgbClr val="E7E6E6"/>
+                    </a:solidFill>
+                  </a:tcPr>
+                </a:tc>
+                <a:tc>
+                  <a:txBody>
+                    <a:bodyPr/>
+                    <a:lstStyle/>
+                    <a:p>
+                      <a:r>
+                        <a:rPr sz="1100"/>
+                        <a:t>Modern collaboration tools</a:t>
+                      </a:r>
+                    </a:p>
+                  </a:txBody>
+                  <a:tcPr>
+                    <a:solidFill>
+                      <a:srgbClr val="E7E6E6"/>
+                    </a:solidFill>
+                  </a:tcPr>
+                </a:tc>
+              </a:tr>
+              <a:tr h="370840">
+                <a:tc>
+                  <a:txBody>
+                    <a:bodyPr/>
+                    <a:lstStyle/>
+                    <a:p>
+                      <a:r>
+                        <a:rPr b="1" sz="1100"/>
+                        <a:t>System Availability</a:t>
+                      </a:r>
+                    </a:p>
+                  </a:txBody>
+                  <a:tcPr>
+                    <a:solidFill>
+                      <a:srgbClr val="E7E6E6"/>
+                    </a:solidFill>
+                  </a:tcPr>
+                </a:tc>
+                <a:tc>
+                  <a:txBody>
+                    <a:bodyPr/>
+                    <a:lstStyle/>
+                    <a:p>
+                      <a:r>
+                        <a:rPr sz="1100"/>
+                        <a:t>99.9% SLA</a:t>
+                      </a:r>
+                    </a:p>
+                  </a:txBody>
+                  <a:tcPr>
+                    <a:solidFill>
+                      <a:srgbClr val="E7E6E6"/>
+                    </a:solidFill>
+                  </a:tcPr>
+                </a:tc>
+                <a:tc>
+                  <a:txBody>
+                    <a:bodyPr/>
+                    <a:lstStyle/>
+                    <a:p>
+                      <a:r>
+                        <a:rPr sz="1100"/>
+                        <a:t>99.95% actual</a:t>
+                      </a:r>
+                    </a:p>
+                  </a:txBody>
+                  <a:tcPr>
+                    <a:solidFill>
+                      <a:srgbClr val="E7E6E6"/>
+                    </a:solidFill>
+                  </a:tcPr>
+                </a:tc>
+                <a:tc>
+                  <a:txBody>
+                    <a:bodyPr/>
+                    <a:lstStyle/>
+                    <a:p>
+                      <a:r>
+                        <a:rPr sz="1100"/>
+                        <a:t>Microsoft cloud reliability</a:t>
+                      </a:r>
+                    </a:p>
+                  </a:txBody>
+                  <a:tcPr>
+                    <a:solidFill>
+                      <a:srgbClr val="E7E6E6"/>
+                    </a:solidFill>
+                  </a:tcPr>
+                </a:tc>
+              </a:tr>
+            </a:tbl>
+          </a:graphicData>
+        </a:graphic>
+      </p:graphicFrame>
+      <p:sp>
+        <p:nvSpPr>
+          <p:cNvPr id="5" name="Text Placeholder 4"/>
           <p:cNvSpPr>
             <a:spLocks noGrp="1"/>
           </p:cNvSpPr>
           <p:nvPr>
-            <p:ph type="pic" idx="14" sz="quarter"/>
-          </p:nvPr>
-        </p:nvSpPr>
-        <p:spPr/>
-      </p:sp>
-      <p:sp>
-        <p:nvSpPr>
-          <p:cNvPr id="4" name="Chart Placeholder 3"/>
-          <p:cNvSpPr>
-            <a:spLocks noGrp="1"/>
-          </p:cNvSpPr>
-          <p:nvPr>
-            <p:ph type="chart" idx="15" sz="quarter"/>
-          </p:nvPr>
-        </p:nvSpPr>
-        <p:spPr/>
-      </p:sp>
-      <p:sp>
-        <p:nvSpPr>
-          <p:cNvPr id="5" name="Content Placeholder 4"/>
-          <p:cNvSpPr>
-            <a:spLocks noGrp="1"/>
-          </p:cNvSpPr>
-          <p:nvPr>
-            <p:ph idx="16" sz="quarter"/>
+            <p:ph type="body" idx="15" sz="quarter"/>
           </p:nvPr>
         </p:nvSpPr>
         <p:spPr/>
         <p:txBody>
           <a:bodyPr/>
           <a:lstStyle/>
-          <a:p/>
+          <a:p>
+            <a:pPr algn="r">
+              <a:buNone/>
+            </a:pPr>
+            <a:r>
+              <a:rPr sz="1100">
+                <a:solidFill>
+                  <a:srgbClr val="CC0000"/>
+                </a:solidFill>
+              </a:rPr>
+              <a:t>Microsoft 365 Enterprise Deployment</a:t>
+            </a:r>
+          </a:p>
         </p:txBody>
       </p:sp>
+      <p:pic>
+        <p:nvPicPr>
+          <p:cNvPr id="6" name="Picture 5" descr="consulting_company_logo.png"/>
+          <p:cNvPicPr>
+            <a:picLocks noChangeAspect="1"/>
+          </p:cNvPicPr>
+          <p:nvPr/>
+        </p:nvPicPr>
+        <p:blipFill>
+          <a:blip r:embed="rId3"/>
+          <a:stretch>
+            <a:fillRect/>
+          </a:stretch>
+        </p:blipFill>
+        <p:spPr>
+          <a:xfrm>
+            <a:off x="313592" y="4536078"/>
+            <a:ext cx="2126273" cy="529698"/>
+          </a:xfrm>
+          <a:prstGeom prst="rect">
+            <a:avLst/>
+          </a:prstGeom>
+        </p:spPr>
+      </p:pic>
     </p:spTree>
   </p:cSld>
   <p:clrMapOvr>
@@ -5233,7 +7764,7 @@
       <p:grpSpPr/>
       <p:sp>
         <p:nvSpPr>
-          <p:cNvPr id="2" name="Text Placeholder 1"/>
+          <p:cNvPr id="3" name="Text Placeholder 2"/>
           <p:cNvSpPr>
             <a:spLocks noGrp="1"/>
           </p:cNvSpPr>
@@ -5246,23 +7777,12 @@
           <a:bodyPr/>
           <a:lstStyle/>
           <a:p>
-            <a:r>
-              <a:t>👥 **User Training &amp; Adoption**</a:t>
+            <a:pPr algn="l"/>
+            <a:r>
+              <a:t>Lessons Learned &amp; Recommendations</a:t>
             </a:r>
           </a:p>
         </p:txBody>
-      </p:sp>
-      <p:sp>
-        <p:nvSpPr>
-          <p:cNvPr id="3" name="Picture Placeholder 2"/>
-          <p:cNvSpPr>
-            <a:spLocks noGrp="1"/>
-          </p:cNvSpPr>
-          <p:nvPr>
-            <p:ph type="pic" idx="13" sz="quarter"/>
-          </p:nvPr>
-        </p:nvSpPr>
-        <p:spPr/>
       </p:sp>
       <p:sp>
         <p:nvSpPr>
@@ -5271,7 +7791,7 @@
             <a:spLocks noGrp="1"/>
           </p:cNvSpPr>
           <p:nvPr>
-            <p:ph type="body" idx="14" sz="quarter"/>
+            <p:ph type="body" idx="16" sz="quarter"/>
           </p:nvPr>
         </p:nvSpPr>
         <p:spPr/>
@@ -5282,124 +7802,184 @@
             <a:pPr/>
             <a:r>
               <a:rPr b="1"/>
-              <a:t>Executive Training</a:t>
-            </a:r>
-            <a:r>
-              <a:t>: 100% C-level participation in strategic overview sessions</a:t>
+              <a:t>What Worked Well</a:t>
+            </a:r>
+          </a:p>
+          <a:p>
+            <a:pPr lvl="1"/>
+            <a:r>
+              <a:t>Pilot-then-production reduced risk</a:t>
+            </a:r>
+          </a:p>
+          <a:p>
+            <a:pPr lvl="1"/>
+            <a:r>
+              <a:t>Champions program drove adoption</a:t>
+            </a:r>
+          </a:p>
+          <a:p>
+            <a:pPr lvl="1"/>
+            <a:r>
+              <a:t>Weekend migration windows</a:t>
+            </a:r>
+          </a:p>
+          <a:p>
+            <a:pPr lvl="1"/>
+            <a:r>
+              <a:t>Daily health check calls</a:t>
+            </a:r>
+          </a:p>
+          <a:p>
+            <a:pPr lvl="1"/>
+            <a:r>
+              <a:t>Executive sponsorship</a:t>
             </a:r>
           </a:p>
           <a:p>
             <a:pPr/>
             <a:r>
               <a:rPr b="1"/>
-              <a:t>IT Administrator Training</a:t>
-            </a:r>
-            <a:r>
-              <a:t>: 12 IT staff certified in M365 administration</a:t>
-            </a:r>
-          </a:p>
+              <a:t>Challenges Overcome</a:t>
+            </a:r>
+          </a:p>
+          <a:p>
+            <a:pPr lvl="1"/>
+            <a:r>
+              <a:t>ExpressRoute provisioning timing</a:t>
+            </a:r>
+          </a:p>
+          <a:p>
+            <a:pPr lvl="1"/>
+            <a:r>
+              <a:t>Legacy app compatibility issues</a:t>
+            </a:r>
+          </a:p>
+          <a:p>
+            <a:pPr lvl="1"/>
+            <a:r>
+              <a:t>OneDrive sync initial setup</a:t>
+            </a:r>
+          </a:p>
+          <a:p>
+            <a:pPr lvl="1"/>
+            <a:r>
+              <a:t>Teams governance needs</a:t>
+            </a:r>
+          </a:p>
+          <a:p>
+            <a:pPr lvl="1"/>
+            <a:r>
+              <a:t>DLP policy tuning required</a:t>
+            </a:r>
+          </a:p>
+        </p:txBody>
+      </p:sp>
+      <p:sp>
+        <p:nvSpPr>
+          <p:cNvPr id="5" name="Text Placeholder 4"/>
+          <p:cNvSpPr>
+            <a:spLocks noGrp="1"/>
+          </p:cNvSpPr>
+          <p:nvPr>
+            <p:ph type="body" idx="17" sz="quarter"/>
+          </p:nvPr>
+        </p:nvSpPr>
+        <p:spPr/>
+        <p:txBody>
+          <a:bodyPr/>
+          <a:lstStyle/>
           <a:p>
             <a:pPr/>
             <a:r>
               <a:rPr b="1"/>
-              <a:t>End User Training</a:t>
-            </a:r>
-            <a:r>
-              <a:t>: 1,500 users completed comprehensive M365 training</a:t>
-            </a:r>
-          </a:p>
-          <a:p>
-            <a:pPr/>
-            <a:r>
-              <a:rPr b="1"/>
-              <a:t>Train-the-Trainer</a:t>
-            </a:r>
-            <a:r>
-              <a:t>: 25 internal champions certified to provide ongoing support</a:t>
-            </a:r>
-          </a:p>
-          <a:p>
-            <a:pPr/>
-            <a:r>
-              <a:rPr b="1"/>
-              <a:t>Communication Campaign</a:t>
-            </a:r>
-            <a:r>
-              <a:t>: Multi-channel awareness campaign reaching 100% of users</a:t>
-            </a:r>
-          </a:p>
-          <a:p>
-            <a:pPr/>
-            <a:r>
-              <a:rPr b="1"/>
-              <a:t>Early Adopter Program</a:t>
-            </a:r>
-            <a:r>
-              <a:t>: 200 power users provided feedback and advocacy</a:t>
-            </a:r>
-          </a:p>
-          <a:p>
-            <a:pPr/>
-            <a:r>
-              <a:rPr b="1"/>
-              <a:t>Support Infrastructure</a:t>
-            </a:r>
-            <a:r>
-              <a:t>: Help desk trained and documentation created</a:t>
-            </a:r>
-          </a:p>
-          <a:p>
-            <a:pPr/>
-            <a:r>
-              <a:rPr b="1"/>
-              <a:t>Feedback Integration</a:t>
-            </a:r>
-            <a:r>
-              <a:t>: User feedback incorporated into configuration and training</a:t>
-            </a:r>
-          </a:p>
-          <a:p>
-            <a:pPr/>
-            <a:r>
-              <a:rPr b="1"/>
-              <a:t>Overall Satisfaction</a:t>
-            </a:r>
-            <a:r>
-              <a:t>: 8.5/10 average user satisfaction score</a:t>
-            </a:r>
-          </a:p>
-          <a:p>
-            <a:pPr/>
-            <a:r>
-              <a:rPr b="1"/>
-              <a:t>Feature Utilization</a:t>
-            </a:r>
-            <a:r>
-              <a:t>: 80% of users actively using 5+ M365 services</a:t>
-            </a:r>
-          </a:p>
-          <a:p>
-            <a:pPr/>
-            <a:r>
-              <a:rPr b="1"/>
-              <a:t>Productivity Improvement</a:t>
-            </a:r>
-            <a:r>
-              <a:t>: 75% of users report improved daily productivity</a:t>
-            </a:r>
-          </a:p>
-          <a:p>
-            <a:pPr/>
-            <a:r>
-              <a:rPr b="1"/>
-              <a:t>Support Effectiveness</a:t>
-            </a:r>
-            <a:r>
-              <a:t>: 90% of support requests resolved within SLA</a:t>
+              <a:t>Recommendations</a:t>
+            </a:r>
+          </a:p>
+          <a:p>
+            <a:pPr lvl="1"/>
+            <a:r>
+              <a:t>Expand Power Platform adoption</a:t>
+            </a:r>
+          </a:p>
+          <a:p>
+            <a:pPr lvl="1"/>
+            <a:r>
+              <a:t>Implement Microsoft Viva</a:t>
+            </a:r>
+          </a:p>
+          <a:p>
+            <a:pPr lvl="1"/>
+            <a:r>
+              <a:t>Deploy Copilot when available</a:t>
+            </a:r>
+          </a:p>
+          <a:p>
+            <a:pPr lvl="1"/>
+            <a:r>
+              <a:t>Quarterly adoption reviews</a:t>
+            </a:r>
+          </a:p>
+          <a:p>
+            <a:pPr lvl="1"/>
+            <a:r>
+              <a:t>Annual security assessment</a:t>
             </a:r>
           </a:p>
         </p:txBody>
       </p:sp>
+      <p:sp>
+        <p:nvSpPr>
+          <p:cNvPr id="6" name="Text Placeholder 5"/>
+          <p:cNvSpPr>
+            <a:spLocks noGrp="1"/>
+          </p:cNvSpPr>
+          <p:nvPr>
+            <p:ph type="body" idx="15" sz="quarter"/>
+          </p:nvPr>
+        </p:nvSpPr>
+        <p:spPr/>
+        <p:txBody>
+          <a:bodyPr/>
+          <a:lstStyle/>
+          <a:p>
+            <a:pPr algn="r">
+              <a:buNone/>
+            </a:pPr>
+            <a:r>
+              <a:rPr sz="1100">
+                <a:solidFill>
+                  <a:srgbClr val="CC0000"/>
+                </a:solidFill>
+              </a:rPr>
+              <a:t>Microsoft 365 Enterprise Deployment</a:t>
+            </a:r>
+          </a:p>
+        </p:txBody>
+      </p:sp>
+      <p:pic>
+        <p:nvPicPr>
+          <p:cNvPr id="7" name="Picture 6" descr="consulting_company_logo.png"/>
+          <p:cNvPicPr>
+            <a:picLocks noChangeAspect="1"/>
+          </p:cNvPicPr>
+          <p:nvPr/>
+        </p:nvPicPr>
+        <p:blipFill>
+          <a:blip r:embed="rId3"/>
+          <a:stretch>
+            <a:fillRect/>
+          </a:stretch>
+        </p:blipFill>
+        <p:spPr>
+          <a:xfrm>
+            <a:off x="313592" y="4536078"/>
+            <a:ext cx="2121877" cy="529698"/>
+          </a:xfrm>
+          <a:prstGeom prst="rect">
+            <a:avLst/>
+          </a:prstGeom>
+        </p:spPr>
+      </p:pic>
     </p:spTree>
   </p:cSld>
   <p:clrMapOvr>
@@ -5420,7 +8000,7 @@
       <p:grpSpPr/>
       <p:sp>
         <p:nvSpPr>
-          <p:cNvPr id="2" name="Text Placeholder 1"/>
+          <p:cNvPr id="3" name="Text Placeholder 2"/>
           <p:cNvSpPr>
             <a:spLocks noGrp="1"/>
           </p:cNvSpPr>
@@ -5433,23 +8013,12 @@
           <a:bodyPr/>
           <a:lstStyle/>
           <a:p>
-            <a:r>
-              <a:t>🔧 **Operational Excellence**</a:t>
+            <a:pPr algn="l"/>
+            <a:r>
+              <a:t>Support Transition</a:t>
             </a:r>
           </a:p>
         </p:txBody>
-      </p:sp>
-      <p:sp>
-        <p:nvSpPr>
-          <p:cNvPr id="3" name="Picture Placeholder 2"/>
-          <p:cNvSpPr>
-            <a:spLocks noGrp="1"/>
-          </p:cNvSpPr>
-          <p:nvPr>
-            <p:ph type="pic" idx="13" sz="quarter"/>
-          </p:nvPr>
-        </p:nvSpPr>
-        <p:spPr/>
       </p:sp>
       <p:sp>
         <p:nvSpPr>
@@ -5458,7 +8027,7 @@
             <a:spLocks noGrp="1"/>
           </p:cNvSpPr>
           <p:nvPr>
-            <p:ph type="body" idx="14" sz="quarter"/>
+            <p:ph type="body" idx="16" sz="quarter"/>
           </p:nvPr>
         </p:nvSpPr>
         <p:spPr/>
@@ -5469,84 +8038,184 @@
             <a:pPr/>
             <a:r>
               <a:rPr b="1"/>
-              <a:t>24/7 Monitoring</a:t>
-            </a:r>
-            <a:r>
-              <a:t>: Implemented comprehensive monitoring and alerting</a:t>
+              <a:t>Hypercare Complete (30 days)</a:t>
+            </a:r>
+          </a:p>
+          <a:p>
+            <a:pPr lvl="1"/>
+            <a:r>
+              <a:t>Daily health checks completed</a:t>
+            </a:r>
+          </a:p>
+          <a:p>
+            <a:pPr lvl="1"/>
+            <a:r>
+              <a:t>15 minor issues resolved</a:t>
+            </a:r>
+          </a:p>
+          <a:p>
+            <a:pPr lvl="1"/>
+            <a:r>
+              <a:t>Knowledge transfer sessions done</a:t>
+            </a:r>
+          </a:p>
+          <a:p>
+            <a:pPr lvl="1"/>
+            <a:r>
+              <a:t>Runbook procedures validated</a:t>
+            </a:r>
+          </a:p>
+          <a:p>
+            <a:pPr lvl="1"/>
+            <a:r>
+              <a:t>Admin team fully certified</a:t>
             </a:r>
           </a:p>
           <a:p>
             <a:pPr/>
             <a:r>
               <a:rPr b="1"/>
-              <a:t>Automated Provisioning</a:t>
-            </a:r>
-            <a:r>
-              <a:t>: Self-service user and group management capabilities</a:t>
-            </a:r>
-          </a:p>
+              <a:t>Steady State Support</a:t>
+            </a:r>
+          </a:p>
+          <a:p>
+            <a:pPr lvl="1"/>
+            <a:r>
+              <a:t>24/7 M365 monitoring</a:t>
+            </a:r>
+          </a:p>
+          <a:p>
+            <a:pPr lvl="1"/>
+            <a:r>
+              <a:t>Monthly license optimization</a:t>
+            </a:r>
+          </a:p>
+          <a:p>
+            <a:pPr lvl="1"/>
+            <a:r>
+              <a:t>Quarterly security reviews</a:t>
+            </a:r>
+          </a:p>
+          <a:p>
+            <a:pPr lvl="1"/>
+            <a:r>
+              <a:t>Annual adoption assessments</a:t>
+            </a:r>
+          </a:p>
+          <a:p>
+            <a:pPr lvl="1"/>
+            <a:r>
+              <a:t>Microsoft Premier Support</a:t>
+            </a:r>
+          </a:p>
+        </p:txBody>
+      </p:sp>
+      <p:sp>
+        <p:nvSpPr>
+          <p:cNvPr id="5" name="Text Placeholder 4"/>
+          <p:cNvSpPr>
+            <a:spLocks noGrp="1"/>
+          </p:cNvSpPr>
+          <p:nvPr>
+            <p:ph type="body" idx="17" sz="quarter"/>
+          </p:nvPr>
+        </p:nvSpPr>
+        <p:spPr/>
+        <p:txBody>
+          <a:bodyPr/>
+          <a:lstStyle/>
           <a:p>
             <a:pPr/>
             <a:r>
               <a:rPr b="1"/>
-              <a:t>Backup &amp; Recovery</a:t>
-            </a:r>
-            <a:r>
-              <a:t>: Implemented third-party backup for additional data protection</a:t>
-            </a:r>
-          </a:p>
-          <a:p>
-            <a:pPr/>
-            <a:r>
-              <a:rPr b="1"/>
-              <a:t>Change Management</a:t>
-            </a:r>
-            <a:r>
-              <a:t>: Established governance for ongoing configuration changes</a:t>
-            </a:r>
-          </a:p>
-          <a:p>
-            <a:pPr/>
-            <a:r>
-              <a:rPr b="1"/>
-              <a:t>Network Optimization</a:t>
-            </a:r>
-            <a:r>
-              <a:t>: Implemented ExpressRoute for improved performance</a:t>
-            </a:r>
-          </a:p>
-          <a:p>
-            <a:pPr/>
-            <a:r>
-              <a:rPr b="1"/>
-              <a:t>Capacity Planning</a:t>
-            </a:r>
-            <a:r>
-              <a:t>: Right-sized licenses and services based on usage patterns</a:t>
-            </a:r>
-          </a:p>
-          <a:p>
-            <a:pPr/>
-            <a:r>
-              <a:rPr b="1"/>
-              <a:t>Cost Optimization</a:t>
-            </a:r>
-            <a:r>
-              <a:t>: Implemented license optimization and usage monitoring</a:t>
-            </a:r>
-          </a:p>
-          <a:p>
-            <a:pPr/>
-            <a:r>
-              <a:rPr b="1"/>
-              <a:t>Compliance Monitoring</a:t>
-            </a:r>
-            <a:r>
-              <a:t>: Automated compliance reporting and policy enforcement</a:t>
+              <a:t>Escalation Path</a:t>
+            </a:r>
+          </a:p>
+          <a:p>
+            <a:pPr lvl="1"/>
+            <a:r>
+              <a:t>L1: Internal IT Help Desk</a:t>
+            </a:r>
+          </a:p>
+          <a:p>
+            <a:pPr lvl="1"/>
+            <a:r>
+              <a:t>L2: M365 Admin Team</a:t>
+            </a:r>
+          </a:p>
+          <a:p>
+            <a:pPr lvl="1"/>
+            <a:r>
+              <a:t>L3: Managed Services Provider</a:t>
+            </a:r>
+          </a:p>
+          <a:p>
+            <a:pPr lvl="1"/>
+            <a:r>
+              <a:t>L4: Microsoft Premier Support</a:t>
+            </a:r>
+          </a:p>
+          <a:p>
+            <a:pPr lvl="1"/>
+            <a:r>
+              <a:t>Executive: Account Manager</a:t>
             </a:r>
           </a:p>
         </p:txBody>
       </p:sp>
+      <p:sp>
+        <p:nvSpPr>
+          <p:cNvPr id="6" name="Text Placeholder 5"/>
+          <p:cNvSpPr>
+            <a:spLocks noGrp="1"/>
+          </p:cNvSpPr>
+          <p:nvPr>
+            <p:ph type="body" idx="15" sz="quarter"/>
+          </p:nvPr>
+        </p:nvSpPr>
+        <p:spPr/>
+        <p:txBody>
+          <a:bodyPr/>
+          <a:lstStyle/>
+          <a:p>
+            <a:pPr algn="r">
+              <a:buNone/>
+            </a:pPr>
+            <a:r>
+              <a:rPr sz="1100">
+                <a:solidFill>
+                  <a:srgbClr val="CC0000"/>
+                </a:solidFill>
+              </a:rPr>
+              <a:t>Microsoft 365 Enterprise Deployment</a:t>
+            </a:r>
+          </a:p>
+        </p:txBody>
+      </p:sp>
+      <p:pic>
+        <p:nvPicPr>
+          <p:cNvPr id="7" name="Picture 6" descr="consulting_company_logo.png"/>
+          <p:cNvPicPr>
+            <a:picLocks noChangeAspect="1"/>
+          </p:cNvPicPr>
+          <p:nvPr/>
+        </p:nvPicPr>
+        <p:blipFill>
+          <a:blip r:embed="rId3"/>
+          <a:stretch>
+            <a:fillRect/>
+          </a:stretch>
+        </p:blipFill>
+        <p:spPr>
+          <a:xfrm>
+            <a:off x="313592" y="4536078"/>
+            <a:ext cx="2121877" cy="529698"/>
+          </a:xfrm>
+          <a:prstGeom prst="rect">
+            <a:avLst/>
+          </a:prstGeom>
+        </p:spPr>
+      </p:pic>
     </p:spTree>
   </p:cSld>
   <p:clrMapOvr>
@@ -5567,7 +8236,7 @@
       <p:grpSpPr/>
       <p:sp>
         <p:nvSpPr>
-          <p:cNvPr id="2" name="Text Placeholder 1"/>
+          <p:cNvPr id="3" name="Text Placeholder 2"/>
           <p:cNvSpPr>
             <a:spLocks noGrp="1"/>
           </p:cNvSpPr>
@@ -5580,23 +8249,12 @@
           <a:bodyPr/>
           <a:lstStyle/>
           <a:p>
-            <a:r>
-              <a:t>💡 **Innovation &amp; Modernization**</a:t>
+            <a:pPr algn="l"/>
+            <a:r>
+              <a:t>Acknowledgments &amp; Next Steps</a:t>
             </a:r>
           </a:p>
         </p:txBody>
-      </p:sp>
-      <p:sp>
-        <p:nvSpPr>
-          <p:cNvPr id="3" name="Picture Placeholder 2"/>
-          <p:cNvSpPr>
-            <a:spLocks noGrp="1"/>
-          </p:cNvSpPr>
-          <p:nvPr>
-            <p:ph type="pic" idx="13" sz="quarter"/>
-          </p:nvPr>
-        </p:nvSpPr>
-        <p:spPr/>
       </p:sp>
       <p:sp>
         <p:nvSpPr>
@@ -5615,85 +8273,112 @@
           <a:p>
             <a:pPr/>
             <a:r>
+              <a:t>Executive sponsors for securing budget and driving adoption</a:t>
+            </a:r>
+          </a:p>
+          <a:p>
+            <a:pPr/>
+            <a:r>
+              <a:t>IT team for Azure AD, Exchange, and network preparation</a:t>
+            </a:r>
+          </a:p>
+          <a:p>
+            <a:pPr/>
+            <a:r>
+              <a:t>Department champions for peer support and training</a:t>
+            </a:r>
+          </a:p>
+          <a:p>
+            <a:pPr/>
+            <a:r>
+              <a:t>All 500 users for embracing new collaboration tools</a:t>
+            </a:r>
+          </a:p>
+          <a:p>
+            <a:pPr/>
+            <a:r>
               <a:rPr b="1"/>
-              <a:t>Modern Collaboration</a:t>
-            </a:r>
-            <a:r>
-              <a:t>: Transformed from email-centric to collaboration-first culture</a:t>
+              <a:t>This Week:</a:t>
+            </a:r>
+            <a:r>
+              <a:t> Final documentation handover, archive project artifacts</a:t>
             </a:r>
           </a:p>
           <a:p>
             <a:pPr/>
             <a:r>
               <a:rPr b="1"/>
-              <a:t>Mobile Productivity</a:t>
-            </a:r>
-            <a:r>
-              <a:t>: Enabled secure mobile access and BYOD capabilities</a:t>
+              <a:t>Next 30 Days:</a:t>
+            </a:r>
+            <a:r>
+              <a:t> First monthly health check, license optimization review</a:t>
             </a:r>
           </a:p>
           <a:p>
             <a:pPr/>
             <a:r>
               <a:rPr b="1"/>
-              <a:t>Process Automation</a:t>
-            </a:r>
-            <a:r>
-              <a:t>: Implemented Power Automate workflows for business processes</a:t>
-            </a:r>
-          </a:p>
-          <a:p>
-            <a:pPr/>
-            <a:r>
-              <a:rPr b="1"/>
-              <a:t>Analytics &amp; Insights</a:t>
-            </a:r>
-            <a:r>
-              <a:t>: Deployed workplace analytics for data-driven decisions</a:t>
-            </a:r>
-          </a:p>
-          <a:p>
-            <a:pPr/>
-            <a:r>
-              <a:rPr b="1"/>
-              <a:t>Agility</a:t>
-            </a:r>
-            <a:r>
-              <a:t>: Rapid deployment of new collaboration features and capabilities</a:t>
-            </a:r>
-          </a:p>
-          <a:p>
-            <a:pPr/>
-            <a:r>
-              <a:rPr b="1"/>
-              <a:t>Scalability</a:t>
-            </a:r>
-            <a:r>
-              <a:t>: Cloud-native platform supporting growth and expansion</a:t>
-            </a:r>
-          </a:p>
-          <a:p>
-            <a:pPr/>
-            <a:r>
-              <a:rPr b="1"/>
-              <a:t>Innovation</a:t>
-            </a:r>
-            <a:r>
-              <a:t>: Access to continuous feature updates and AI-powered capabilities</a:t>
-            </a:r>
-          </a:p>
-          <a:p>
-            <a:pPr/>
-            <a:r>
-              <a:rPr b="1"/>
-              <a:t>Integration</a:t>
-            </a:r>
-            <a:r>
-              <a:t>: Seamless integration with business applications and workflows</a:t>
+              <a:t>Next Quarter:</a:t>
+            </a:r>
+            <a:r>
+              <a:t> Power Platform pilot, Viva evaluation, security assessment</a:t>
             </a:r>
           </a:p>
         </p:txBody>
       </p:sp>
+      <p:sp>
+        <p:nvSpPr>
+          <p:cNvPr id="5" name="Text Placeholder 4"/>
+          <p:cNvSpPr>
+            <a:spLocks noGrp="1"/>
+          </p:cNvSpPr>
+          <p:nvPr>
+            <p:ph type="body" idx="15" sz="quarter"/>
+          </p:nvPr>
+        </p:nvSpPr>
+        <p:spPr/>
+        <p:txBody>
+          <a:bodyPr/>
+          <a:lstStyle/>
+          <a:p>
+            <a:pPr algn="r">
+              <a:buNone/>
+            </a:pPr>
+            <a:r>
+              <a:rPr sz="1100">
+                <a:solidFill>
+                  <a:srgbClr val="CC0000"/>
+                </a:solidFill>
+              </a:rPr>
+              <a:t>Microsoft 365 Enterprise Deployment</a:t>
+            </a:r>
+          </a:p>
+        </p:txBody>
+      </p:sp>
+      <p:pic>
+        <p:nvPicPr>
+          <p:cNvPr id="6" name="Picture 5" descr="consulting_company_logo.png"/>
+          <p:cNvPicPr>
+            <a:picLocks noChangeAspect="1"/>
+          </p:cNvPicPr>
+          <p:nvPr/>
+        </p:nvPicPr>
+        <p:blipFill>
+          <a:blip r:embed="rId3"/>
+          <a:stretch>
+            <a:fillRect/>
+          </a:stretch>
+        </p:blipFill>
+        <p:spPr>
+          <a:xfrm>
+            <a:off x="313593" y="4536078"/>
+            <a:ext cx="2143858" cy="529698"/>
+          </a:xfrm>
+          <a:prstGeom prst="rect">
+            <a:avLst/>
+          </a:prstGeom>
+        </p:spPr>
+      </p:pic>
     </p:spTree>
   </p:cSld>
   <p:clrMapOvr>
